--- a/Presentation/Team 6 Identifying Vulnerabilities in VS Code Extensions.pptx
+++ b/Presentation/Team 6 Identifying Vulnerabilities in VS Code Extensions.pptx
@@ -1,14 +1,14 @@
 
 <file path=ppt/presentation.xml><?xml version="1.0" encoding="utf-8"?>
-<p:presentation xmlns:a="http://schemas.openxmlformats.org/drawingml/2006/main" xmlns:r="http://schemas.openxmlformats.org/officeDocument/2006/relationships" xmlns:p="http://schemas.openxmlformats.org/presentationml/2006/main" saveSubsetFonts="1" autoCompressPictures="0">
+<p:presentation xmlns:a="http://schemas.openxmlformats.org/drawingml/2006/main" xmlns:r="http://schemas.openxmlformats.org/officeDocument/2006/relationships" xmlns:p="http://schemas.openxmlformats.org/presentationml/2006/main" showSpecialPlsOnTitleSld="0" saveSubsetFonts="1" autoCompressPictures="0">
   <p:sldMasterIdLst>
     <p:sldMasterId id="2147483780" r:id="rId1"/>
   </p:sldMasterIdLst>
   <p:notesMasterIdLst>
-    <p:notesMasterId r:id="rId18"/>
+    <p:notesMasterId r:id="rId20"/>
   </p:notesMasterIdLst>
   <p:handoutMasterIdLst>
-    <p:handoutMasterId r:id="rId19"/>
+    <p:handoutMasterId r:id="rId21"/>
   </p:handoutMasterIdLst>
   <p:sldIdLst>
     <p:sldId id="256" r:id="rId2"/>
@@ -20,13 +20,15 @@
     <p:sldId id="265" r:id="rId8"/>
     <p:sldId id="267" r:id="rId9"/>
     <p:sldId id="268" r:id="rId10"/>
-    <p:sldId id="262" r:id="rId11"/>
-    <p:sldId id="272" r:id="rId12"/>
+    <p:sldId id="272" r:id="rId11"/>
+    <p:sldId id="262" r:id="rId12"/>
     <p:sldId id="264" r:id="rId13"/>
-    <p:sldId id="273" r:id="rId14"/>
-    <p:sldId id="269" r:id="rId15"/>
-    <p:sldId id="270" r:id="rId16"/>
-    <p:sldId id="271" r:id="rId17"/>
+    <p:sldId id="276" r:id="rId14"/>
+    <p:sldId id="277" r:id="rId15"/>
+    <p:sldId id="273" r:id="rId16"/>
+    <p:sldId id="269" r:id="rId17"/>
+    <p:sldId id="270" r:id="rId18"/>
+    <p:sldId id="271" r:id="rId19"/>
   </p:sldIdLst>
   <p:sldSz cx="9144000" cy="6858000" type="screen4x3"/>
   <p:notesSz cx="6858000" cy="9144000"/>
@@ -1035,6 +1037,753 @@
 </dgm:colorsDef>
 </file>
 
+<file path=ppt/diagrams/colors2.xml><?xml version="1.0" encoding="utf-8"?>
+<dgm:colorsDef xmlns:dgm="http://schemas.openxmlformats.org/drawingml/2006/diagram" xmlns:a="http://schemas.openxmlformats.org/drawingml/2006/main" uniqueId="urn:microsoft.com/office/officeart/2005/8/colors/accent5_2">
+  <dgm:title val=""/>
+  <dgm:desc val=""/>
+  <dgm:catLst>
+    <dgm:cat type="accent5" pri="11200"/>
+  </dgm:catLst>
+  <dgm:styleLbl name="node0">
+    <dgm:fillClrLst meth="repeat">
+      <a:schemeClr val="accent5"/>
+    </dgm:fillClrLst>
+    <dgm:linClrLst meth="repeat">
+      <a:schemeClr val="lt1"/>
+    </dgm:linClrLst>
+    <dgm:effectClrLst/>
+    <dgm:txLinClrLst/>
+    <dgm:txFillClrLst/>
+    <dgm:txEffectClrLst/>
+  </dgm:styleLbl>
+  <dgm:styleLbl name="node1">
+    <dgm:fillClrLst meth="repeat">
+      <a:schemeClr val="accent5"/>
+    </dgm:fillClrLst>
+    <dgm:linClrLst meth="repeat">
+      <a:schemeClr val="lt1"/>
+    </dgm:linClrLst>
+    <dgm:effectClrLst/>
+    <dgm:txLinClrLst/>
+    <dgm:txFillClrLst/>
+    <dgm:txEffectClrLst/>
+  </dgm:styleLbl>
+  <dgm:styleLbl name="alignNode1">
+    <dgm:fillClrLst meth="repeat">
+      <a:schemeClr val="accent5"/>
+    </dgm:fillClrLst>
+    <dgm:linClrLst meth="repeat">
+      <a:schemeClr val="accent5"/>
+    </dgm:linClrLst>
+    <dgm:effectClrLst/>
+    <dgm:txLinClrLst/>
+    <dgm:txFillClrLst/>
+    <dgm:txEffectClrLst/>
+  </dgm:styleLbl>
+  <dgm:styleLbl name="lnNode1">
+    <dgm:fillClrLst meth="repeat">
+      <a:schemeClr val="accent5"/>
+    </dgm:fillClrLst>
+    <dgm:linClrLst meth="repeat">
+      <a:schemeClr val="lt1"/>
+    </dgm:linClrLst>
+    <dgm:effectClrLst/>
+    <dgm:txLinClrLst/>
+    <dgm:txFillClrLst/>
+    <dgm:txEffectClrLst/>
+  </dgm:styleLbl>
+  <dgm:styleLbl name="vennNode1">
+    <dgm:fillClrLst meth="repeat">
+      <a:schemeClr val="accent5">
+        <a:alpha val="50000"/>
+      </a:schemeClr>
+    </dgm:fillClrLst>
+    <dgm:linClrLst meth="repeat">
+      <a:schemeClr val="lt1"/>
+    </dgm:linClrLst>
+    <dgm:effectClrLst/>
+    <dgm:txLinClrLst/>
+    <dgm:txFillClrLst/>
+    <dgm:txEffectClrLst/>
+  </dgm:styleLbl>
+  <dgm:styleLbl name="node2">
+    <dgm:fillClrLst meth="repeat">
+      <a:schemeClr val="accent5"/>
+    </dgm:fillClrLst>
+    <dgm:linClrLst meth="repeat">
+      <a:schemeClr val="lt1"/>
+    </dgm:linClrLst>
+    <dgm:effectClrLst/>
+    <dgm:txLinClrLst/>
+    <dgm:txFillClrLst/>
+    <dgm:txEffectClrLst/>
+  </dgm:styleLbl>
+  <dgm:styleLbl name="node3">
+    <dgm:fillClrLst meth="repeat">
+      <a:schemeClr val="accent5"/>
+    </dgm:fillClrLst>
+    <dgm:linClrLst meth="repeat">
+      <a:schemeClr val="lt1"/>
+    </dgm:linClrLst>
+    <dgm:effectClrLst/>
+    <dgm:txLinClrLst/>
+    <dgm:txFillClrLst/>
+    <dgm:txEffectClrLst/>
+  </dgm:styleLbl>
+  <dgm:styleLbl name="node4">
+    <dgm:fillClrLst meth="repeat">
+      <a:schemeClr val="accent5"/>
+    </dgm:fillClrLst>
+    <dgm:linClrLst meth="repeat">
+      <a:schemeClr val="lt1"/>
+    </dgm:linClrLst>
+    <dgm:effectClrLst/>
+    <dgm:txLinClrLst/>
+    <dgm:txFillClrLst/>
+    <dgm:txEffectClrLst/>
+  </dgm:styleLbl>
+  <dgm:styleLbl name="fgImgPlace1">
+    <dgm:fillClrLst meth="repeat">
+      <a:schemeClr val="accent5">
+        <a:tint val="50000"/>
+      </a:schemeClr>
+    </dgm:fillClrLst>
+    <dgm:linClrLst meth="repeat">
+      <a:schemeClr val="lt1"/>
+    </dgm:linClrLst>
+    <dgm:effectClrLst/>
+    <dgm:txLinClrLst/>
+    <dgm:txFillClrLst meth="repeat">
+      <a:schemeClr val="lt1"/>
+    </dgm:txFillClrLst>
+    <dgm:txEffectClrLst/>
+  </dgm:styleLbl>
+  <dgm:styleLbl name="alignImgPlace1">
+    <dgm:fillClrLst meth="repeat">
+      <a:schemeClr val="accent5">
+        <a:tint val="50000"/>
+      </a:schemeClr>
+    </dgm:fillClrLst>
+    <dgm:linClrLst meth="repeat">
+      <a:schemeClr val="lt1"/>
+    </dgm:linClrLst>
+    <dgm:effectClrLst/>
+    <dgm:txLinClrLst/>
+    <dgm:txFillClrLst meth="repeat">
+      <a:schemeClr val="lt1"/>
+    </dgm:txFillClrLst>
+    <dgm:txEffectClrLst/>
+  </dgm:styleLbl>
+  <dgm:styleLbl name="bgImgPlace1">
+    <dgm:fillClrLst meth="repeat">
+      <a:schemeClr val="accent5">
+        <a:tint val="50000"/>
+      </a:schemeClr>
+    </dgm:fillClrLst>
+    <dgm:linClrLst meth="repeat">
+      <a:schemeClr val="lt1"/>
+    </dgm:linClrLst>
+    <dgm:effectClrLst/>
+    <dgm:txLinClrLst/>
+    <dgm:txFillClrLst meth="repeat">
+      <a:schemeClr val="lt1"/>
+    </dgm:txFillClrLst>
+    <dgm:txEffectClrLst/>
+  </dgm:styleLbl>
+  <dgm:styleLbl name="sibTrans2D1">
+    <dgm:fillClrLst meth="repeat">
+      <a:schemeClr val="accent5">
+        <a:tint val="60000"/>
+      </a:schemeClr>
+    </dgm:fillClrLst>
+    <dgm:linClrLst meth="repeat">
+      <a:schemeClr val="accent5">
+        <a:tint val="60000"/>
+      </a:schemeClr>
+    </dgm:linClrLst>
+    <dgm:effectClrLst/>
+    <dgm:txLinClrLst/>
+    <dgm:txFillClrLst/>
+    <dgm:txEffectClrLst/>
+  </dgm:styleLbl>
+  <dgm:styleLbl name="fgSibTrans2D1">
+    <dgm:fillClrLst meth="repeat">
+      <a:schemeClr val="accent5">
+        <a:tint val="60000"/>
+      </a:schemeClr>
+    </dgm:fillClrLst>
+    <dgm:linClrLst meth="repeat">
+      <a:schemeClr val="accent5">
+        <a:tint val="60000"/>
+      </a:schemeClr>
+    </dgm:linClrLst>
+    <dgm:effectClrLst/>
+    <dgm:txLinClrLst/>
+    <dgm:txFillClrLst/>
+    <dgm:txEffectClrLst/>
+  </dgm:styleLbl>
+  <dgm:styleLbl name="bgSibTrans2D1">
+    <dgm:fillClrLst meth="repeat">
+      <a:schemeClr val="accent5">
+        <a:tint val="60000"/>
+      </a:schemeClr>
+    </dgm:fillClrLst>
+    <dgm:linClrLst meth="repeat">
+      <a:schemeClr val="accent5">
+        <a:tint val="60000"/>
+      </a:schemeClr>
+    </dgm:linClrLst>
+    <dgm:effectClrLst/>
+    <dgm:txLinClrLst/>
+    <dgm:txFillClrLst/>
+    <dgm:txEffectClrLst/>
+  </dgm:styleLbl>
+  <dgm:styleLbl name="sibTrans1D1">
+    <dgm:fillClrLst meth="repeat">
+      <a:schemeClr val="accent5"/>
+    </dgm:fillClrLst>
+    <dgm:linClrLst meth="repeat">
+      <a:schemeClr val="accent5"/>
+    </dgm:linClrLst>
+    <dgm:effectClrLst/>
+    <dgm:txLinClrLst/>
+    <dgm:txFillClrLst meth="repeat">
+      <a:schemeClr val="tx1"/>
+    </dgm:txFillClrLst>
+    <dgm:txEffectClrLst/>
+  </dgm:styleLbl>
+  <dgm:styleLbl name="callout">
+    <dgm:fillClrLst meth="repeat">
+      <a:schemeClr val="accent5"/>
+    </dgm:fillClrLst>
+    <dgm:linClrLst meth="repeat">
+      <a:schemeClr val="accent5">
+        <a:tint val="50000"/>
+      </a:schemeClr>
+    </dgm:linClrLst>
+    <dgm:effectClrLst/>
+    <dgm:txLinClrLst/>
+    <dgm:txFillClrLst meth="repeat">
+      <a:schemeClr val="tx1"/>
+    </dgm:txFillClrLst>
+    <dgm:txEffectClrLst/>
+  </dgm:styleLbl>
+  <dgm:styleLbl name="asst0">
+    <dgm:fillClrLst meth="repeat">
+      <a:schemeClr val="accent5"/>
+    </dgm:fillClrLst>
+    <dgm:linClrLst meth="repeat">
+      <a:schemeClr val="lt1"/>
+    </dgm:linClrLst>
+    <dgm:effectClrLst/>
+    <dgm:txLinClrLst/>
+    <dgm:txFillClrLst/>
+    <dgm:txEffectClrLst/>
+  </dgm:styleLbl>
+  <dgm:styleLbl name="asst1">
+    <dgm:fillClrLst meth="repeat">
+      <a:schemeClr val="accent5"/>
+    </dgm:fillClrLst>
+    <dgm:linClrLst meth="repeat">
+      <a:schemeClr val="lt1"/>
+    </dgm:linClrLst>
+    <dgm:effectClrLst/>
+    <dgm:txLinClrLst/>
+    <dgm:txFillClrLst/>
+    <dgm:txEffectClrLst/>
+  </dgm:styleLbl>
+  <dgm:styleLbl name="asst2">
+    <dgm:fillClrLst meth="repeat">
+      <a:schemeClr val="accent5"/>
+    </dgm:fillClrLst>
+    <dgm:linClrLst meth="repeat">
+      <a:schemeClr val="lt1"/>
+    </dgm:linClrLst>
+    <dgm:effectClrLst/>
+    <dgm:txLinClrLst/>
+    <dgm:txFillClrLst/>
+    <dgm:txEffectClrLst/>
+  </dgm:styleLbl>
+  <dgm:styleLbl name="asst3">
+    <dgm:fillClrLst meth="repeat">
+      <a:schemeClr val="accent5"/>
+    </dgm:fillClrLst>
+    <dgm:linClrLst meth="repeat">
+      <a:schemeClr val="lt1"/>
+    </dgm:linClrLst>
+    <dgm:effectClrLst/>
+    <dgm:txLinClrLst/>
+    <dgm:txFillClrLst/>
+    <dgm:txEffectClrLst/>
+  </dgm:styleLbl>
+  <dgm:styleLbl name="asst4">
+    <dgm:fillClrLst meth="repeat">
+      <a:schemeClr val="accent5"/>
+    </dgm:fillClrLst>
+    <dgm:linClrLst meth="repeat">
+      <a:schemeClr val="lt1"/>
+    </dgm:linClrLst>
+    <dgm:effectClrLst/>
+    <dgm:txLinClrLst/>
+    <dgm:txFillClrLst/>
+    <dgm:txEffectClrLst/>
+  </dgm:styleLbl>
+  <dgm:styleLbl name="parChTrans2D1">
+    <dgm:fillClrLst meth="repeat">
+      <a:schemeClr val="accent5">
+        <a:tint val="60000"/>
+      </a:schemeClr>
+    </dgm:fillClrLst>
+    <dgm:linClrLst meth="repeat">
+      <a:schemeClr val="accent5">
+        <a:tint val="60000"/>
+      </a:schemeClr>
+    </dgm:linClrLst>
+    <dgm:effectClrLst/>
+    <dgm:txLinClrLst/>
+    <dgm:txFillClrLst meth="repeat">
+      <a:schemeClr val="lt1"/>
+    </dgm:txFillClrLst>
+    <dgm:txEffectClrLst/>
+  </dgm:styleLbl>
+  <dgm:styleLbl name="parChTrans2D2">
+    <dgm:fillClrLst meth="repeat">
+      <a:schemeClr val="accent5"/>
+    </dgm:fillClrLst>
+    <dgm:linClrLst meth="repeat">
+      <a:schemeClr val="accent5"/>
+    </dgm:linClrLst>
+    <dgm:effectClrLst/>
+    <dgm:txLinClrLst/>
+    <dgm:txFillClrLst meth="repeat">
+      <a:schemeClr val="lt1"/>
+    </dgm:txFillClrLst>
+    <dgm:txEffectClrLst/>
+  </dgm:styleLbl>
+  <dgm:styleLbl name="parChTrans2D3">
+    <dgm:fillClrLst meth="repeat">
+      <a:schemeClr val="accent5"/>
+    </dgm:fillClrLst>
+    <dgm:linClrLst meth="repeat">
+      <a:schemeClr val="accent5"/>
+    </dgm:linClrLst>
+    <dgm:effectClrLst/>
+    <dgm:txLinClrLst/>
+    <dgm:txFillClrLst meth="repeat">
+      <a:schemeClr val="lt1"/>
+    </dgm:txFillClrLst>
+    <dgm:txEffectClrLst/>
+  </dgm:styleLbl>
+  <dgm:styleLbl name="parChTrans2D4">
+    <dgm:fillClrLst meth="repeat">
+      <a:schemeClr val="accent5"/>
+    </dgm:fillClrLst>
+    <dgm:linClrLst meth="repeat">
+      <a:schemeClr val="accent5"/>
+    </dgm:linClrLst>
+    <dgm:effectClrLst/>
+    <dgm:txLinClrLst/>
+    <dgm:txFillClrLst meth="repeat">
+      <a:schemeClr val="lt1"/>
+    </dgm:txFillClrLst>
+    <dgm:txEffectClrLst/>
+  </dgm:styleLbl>
+  <dgm:styleLbl name="parChTrans1D1">
+    <dgm:fillClrLst meth="repeat">
+      <a:schemeClr val="accent5"/>
+    </dgm:fillClrLst>
+    <dgm:linClrLst meth="repeat">
+      <a:schemeClr val="accent5">
+        <a:shade val="60000"/>
+      </a:schemeClr>
+    </dgm:linClrLst>
+    <dgm:effectClrLst/>
+    <dgm:txLinClrLst/>
+    <dgm:txFillClrLst meth="repeat">
+      <a:schemeClr val="tx1"/>
+    </dgm:txFillClrLst>
+    <dgm:txEffectClrLst/>
+  </dgm:styleLbl>
+  <dgm:styleLbl name="parChTrans1D2">
+    <dgm:fillClrLst meth="repeat">
+      <a:schemeClr val="accent5"/>
+    </dgm:fillClrLst>
+    <dgm:linClrLst meth="repeat">
+      <a:schemeClr val="accent5">
+        <a:shade val="60000"/>
+      </a:schemeClr>
+    </dgm:linClrLst>
+    <dgm:effectClrLst/>
+    <dgm:txLinClrLst/>
+    <dgm:txFillClrLst meth="repeat">
+      <a:schemeClr val="tx1"/>
+    </dgm:txFillClrLst>
+    <dgm:txEffectClrLst/>
+  </dgm:styleLbl>
+  <dgm:styleLbl name="parChTrans1D3">
+    <dgm:fillClrLst meth="repeat">
+      <a:schemeClr val="accent5"/>
+    </dgm:fillClrLst>
+    <dgm:linClrLst meth="repeat">
+      <a:schemeClr val="accent5">
+        <a:shade val="80000"/>
+      </a:schemeClr>
+    </dgm:linClrLst>
+    <dgm:effectClrLst/>
+    <dgm:txLinClrLst/>
+    <dgm:txFillClrLst meth="repeat">
+      <a:schemeClr val="tx1"/>
+    </dgm:txFillClrLst>
+    <dgm:txEffectClrLst/>
+  </dgm:styleLbl>
+  <dgm:styleLbl name="parChTrans1D4">
+    <dgm:fillClrLst meth="repeat">
+      <a:schemeClr val="accent5"/>
+    </dgm:fillClrLst>
+    <dgm:linClrLst meth="repeat">
+      <a:schemeClr val="accent5">
+        <a:shade val="80000"/>
+      </a:schemeClr>
+    </dgm:linClrLst>
+    <dgm:effectClrLst/>
+    <dgm:txLinClrLst/>
+    <dgm:txFillClrLst meth="repeat">
+      <a:schemeClr val="tx1"/>
+    </dgm:txFillClrLst>
+    <dgm:txEffectClrLst/>
+  </dgm:styleLbl>
+  <dgm:styleLbl name="fgAcc1">
+    <dgm:fillClrLst meth="repeat">
+      <a:schemeClr val="lt1">
+        <a:alpha val="90000"/>
+      </a:schemeClr>
+    </dgm:fillClrLst>
+    <dgm:linClrLst meth="repeat">
+      <a:schemeClr val="accent5"/>
+    </dgm:linClrLst>
+    <dgm:effectClrLst/>
+    <dgm:txLinClrLst/>
+    <dgm:txFillClrLst meth="repeat">
+      <a:schemeClr val="dk1"/>
+    </dgm:txFillClrLst>
+    <dgm:txEffectClrLst/>
+  </dgm:styleLbl>
+  <dgm:styleLbl name="conFgAcc1">
+    <dgm:fillClrLst meth="repeat">
+      <a:schemeClr val="lt1">
+        <a:alpha val="90000"/>
+      </a:schemeClr>
+    </dgm:fillClrLst>
+    <dgm:linClrLst meth="repeat">
+      <a:schemeClr val="accent5"/>
+    </dgm:linClrLst>
+    <dgm:effectClrLst/>
+    <dgm:txLinClrLst/>
+    <dgm:txFillClrLst meth="repeat">
+      <a:schemeClr val="dk1"/>
+    </dgm:txFillClrLst>
+    <dgm:txEffectClrLst/>
+  </dgm:styleLbl>
+  <dgm:styleLbl name="alignAcc1">
+    <dgm:fillClrLst meth="repeat">
+      <a:schemeClr val="lt1">
+        <a:alpha val="90000"/>
+      </a:schemeClr>
+    </dgm:fillClrLst>
+    <dgm:linClrLst meth="repeat">
+      <a:schemeClr val="accent5"/>
+    </dgm:linClrLst>
+    <dgm:effectClrLst/>
+    <dgm:txLinClrLst/>
+    <dgm:txFillClrLst meth="repeat">
+      <a:schemeClr val="dk1"/>
+    </dgm:txFillClrLst>
+    <dgm:txEffectClrLst/>
+  </dgm:styleLbl>
+  <dgm:styleLbl name="trAlignAcc1">
+    <dgm:fillClrLst meth="repeat">
+      <a:schemeClr val="lt1">
+        <a:alpha val="40000"/>
+      </a:schemeClr>
+    </dgm:fillClrLst>
+    <dgm:linClrLst meth="repeat">
+      <a:schemeClr val="accent5"/>
+    </dgm:linClrLst>
+    <dgm:effectClrLst/>
+    <dgm:txLinClrLst/>
+    <dgm:txFillClrLst meth="repeat">
+      <a:schemeClr val="dk1"/>
+    </dgm:txFillClrLst>
+    <dgm:txEffectClrLst/>
+  </dgm:styleLbl>
+  <dgm:styleLbl name="bgAcc1">
+    <dgm:fillClrLst meth="repeat">
+      <a:schemeClr val="lt1">
+        <a:alpha val="90000"/>
+      </a:schemeClr>
+    </dgm:fillClrLst>
+    <dgm:linClrLst meth="repeat">
+      <a:schemeClr val="accent5"/>
+    </dgm:linClrLst>
+    <dgm:effectClrLst/>
+    <dgm:txLinClrLst/>
+    <dgm:txFillClrLst meth="repeat">
+      <a:schemeClr val="dk1"/>
+    </dgm:txFillClrLst>
+    <dgm:txEffectClrLst/>
+  </dgm:styleLbl>
+  <dgm:styleLbl name="solidFgAcc1">
+    <dgm:fillClrLst meth="repeat">
+      <a:schemeClr val="lt1"/>
+    </dgm:fillClrLst>
+    <dgm:linClrLst meth="repeat">
+      <a:schemeClr val="accent5"/>
+    </dgm:linClrLst>
+    <dgm:effectClrLst/>
+    <dgm:txLinClrLst/>
+    <dgm:txFillClrLst meth="repeat">
+      <a:schemeClr val="dk1"/>
+    </dgm:txFillClrLst>
+    <dgm:txEffectClrLst/>
+  </dgm:styleLbl>
+  <dgm:styleLbl name="solidAlignAcc1">
+    <dgm:fillClrLst meth="repeat">
+      <a:schemeClr val="lt1"/>
+    </dgm:fillClrLst>
+    <dgm:linClrLst meth="repeat">
+      <a:schemeClr val="accent5"/>
+    </dgm:linClrLst>
+    <dgm:effectClrLst/>
+    <dgm:txLinClrLst/>
+    <dgm:txFillClrLst meth="repeat">
+      <a:schemeClr val="dk1"/>
+    </dgm:txFillClrLst>
+    <dgm:txEffectClrLst/>
+  </dgm:styleLbl>
+  <dgm:styleLbl name="solidBgAcc1">
+    <dgm:fillClrLst meth="repeat">
+      <a:schemeClr val="lt1"/>
+    </dgm:fillClrLst>
+    <dgm:linClrLst meth="repeat">
+      <a:schemeClr val="accent5"/>
+    </dgm:linClrLst>
+    <dgm:effectClrLst/>
+    <dgm:txLinClrLst/>
+    <dgm:txFillClrLst meth="repeat">
+      <a:schemeClr val="dk1"/>
+    </dgm:txFillClrLst>
+    <dgm:txEffectClrLst/>
+  </dgm:styleLbl>
+  <dgm:styleLbl name="fgAccFollowNode1">
+    <dgm:fillClrLst meth="repeat">
+      <a:schemeClr val="accent5">
+        <a:alpha val="90000"/>
+        <a:tint val="40000"/>
+      </a:schemeClr>
+    </dgm:fillClrLst>
+    <dgm:linClrLst meth="repeat">
+      <a:schemeClr val="accent5">
+        <a:alpha val="90000"/>
+        <a:tint val="40000"/>
+      </a:schemeClr>
+    </dgm:linClrLst>
+    <dgm:effectClrLst/>
+    <dgm:txLinClrLst/>
+    <dgm:txFillClrLst meth="repeat">
+      <a:schemeClr val="dk1"/>
+    </dgm:txFillClrLst>
+    <dgm:txEffectClrLst/>
+  </dgm:styleLbl>
+  <dgm:styleLbl name="alignAccFollowNode1">
+    <dgm:fillClrLst meth="repeat">
+      <a:schemeClr val="accent5">
+        <a:alpha val="90000"/>
+        <a:tint val="40000"/>
+      </a:schemeClr>
+    </dgm:fillClrLst>
+    <dgm:linClrLst meth="repeat">
+      <a:schemeClr val="accent5">
+        <a:alpha val="90000"/>
+        <a:tint val="40000"/>
+      </a:schemeClr>
+    </dgm:linClrLst>
+    <dgm:effectClrLst/>
+    <dgm:txLinClrLst/>
+    <dgm:txFillClrLst meth="repeat">
+      <a:schemeClr val="dk1"/>
+    </dgm:txFillClrLst>
+    <dgm:txEffectClrLst/>
+  </dgm:styleLbl>
+  <dgm:styleLbl name="bgAccFollowNode1">
+    <dgm:fillClrLst meth="repeat">
+      <a:schemeClr val="accent5">
+        <a:alpha val="90000"/>
+        <a:tint val="40000"/>
+      </a:schemeClr>
+    </dgm:fillClrLst>
+    <dgm:linClrLst meth="repeat">
+      <a:schemeClr val="accent5">
+        <a:alpha val="90000"/>
+        <a:tint val="40000"/>
+      </a:schemeClr>
+    </dgm:linClrLst>
+    <dgm:effectClrLst/>
+    <dgm:txLinClrLst/>
+    <dgm:txFillClrLst meth="repeat">
+      <a:schemeClr val="dk1"/>
+    </dgm:txFillClrLst>
+    <dgm:txEffectClrLst/>
+  </dgm:styleLbl>
+  <dgm:styleLbl name="fgAcc0">
+    <dgm:fillClrLst meth="repeat">
+      <a:schemeClr val="lt1">
+        <a:alpha val="90000"/>
+      </a:schemeClr>
+    </dgm:fillClrLst>
+    <dgm:linClrLst meth="repeat">
+      <a:schemeClr val="accent5"/>
+    </dgm:linClrLst>
+    <dgm:effectClrLst/>
+    <dgm:txLinClrLst/>
+    <dgm:txFillClrLst meth="repeat">
+      <a:schemeClr val="dk1"/>
+    </dgm:txFillClrLst>
+    <dgm:txEffectClrLst/>
+  </dgm:styleLbl>
+  <dgm:styleLbl name="fgAcc2">
+    <dgm:fillClrLst meth="repeat">
+      <a:schemeClr val="lt1">
+        <a:alpha val="90000"/>
+      </a:schemeClr>
+    </dgm:fillClrLst>
+    <dgm:linClrLst meth="repeat">
+      <a:schemeClr val="accent5"/>
+    </dgm:linClrLst>
+    <dgm:effectClrLst/>
+    <dgm:txLinClrLst/>
+    <dgm:txFillClrLst meth="repeat">
+      <a:schemeClr val="dk1"/>
+    </dgm:txFillClrLst>
+    <dgm:txEffectClrLst/>
+  </dgm:styleLbl>
+  <dgm:styleLbl name="fgAcc3">
+    <dgm:fillClrLst meth="repeat">
+      <a:schemeClr val="lt1">
+        <a:alpha val="90000"/>
+      </a:schemeClr>
+    </dgm:fillClrLst>
+    <dgm:linClrLst meth="repeat">
+      <a:schemeClr val="accent5"/>
+    </dgm:linClrLst>
+    <dgm:effectClrLst/>
+    <dgm:txLinClrLst/>
+    <dgm:txFillClrLst meth="repeat">
+      <a:schemeClr val="dk1"/>
+    </dgm:txFillClrLst>
+    <dgm:txEffectClrLst/>
+  </dgm:styleLbl>
+  <dgm:styleLbl name="fgAcc4">
+    <dgm:fillClrLst meth="repeat">
+      <a:schemeClr val="lt1">
+        <a:alpha val="90000"/>
+      </a:schemeClr>
+    </dgm:fillClrLst>
+    <dgm:linClrLst meth="repeat">
+      <a:schemeClr val="accent5"/>
+    </dgm:linClrLst>
+    <dgm:effectClrLst/>
+    <dgm:txLinClrLst/>
+    <dgm:txFillClrLst meth="repeat">
+      <a:schemeClr val="dk1"/>
+    </dgm:txFillClrLst>
+    <dgm:txEffectClrLst/>
+  </dgm:styleLbl>
+  <dgm:styleLbl name="bgShp">
+    <dgm:fillClrLst meth="repeat">
+      <a:schemeClr val="accent5">
+        <a:tint val="40000"/>
+      </a:schemeClr>
+    </dgm:fillClrLst>
+    <dgm:linClrLst meth="repeat">
+      <a:schemeClr val="accent5"/>
+    </dgm:linClrLst>
+    <dgm:effectClrLst/>
+    <dgm:txLinClrLst/>
+    <dgm:txFillClrLst meth="repeat">
+      <a:schemeClr val="dk1"/>
+    </dgm:txFillClrLst>
+    <dgm:txEffectClrLst/>
+  </dgm:styleLbl>
+  <dgm:styleLbl name="dkBgShp">
+    <dgm:fillClrLst meth="repeat">
+      <a:schemeClr val="accent5">
+        <a:shade val="80000"/>
+      </a:schemeClr>
+    </dgm:fillClrLst>
+    <dgm:linClrLst meth="repeat">
+      <a:schemeClr val="accent5"/>
+    </dgm:linClrLst>
+    <dgm:effectClrLst/>
+    <dgm:txLinClrLst/>
+    <dgm:txFillClrLst meth="repeat">
+      <a:schemeClr val="lt1"/>
+    </dgm:txFillClrLst>
+    <dgm:txEffectClrLst/>
+  </dgm:styleLbl>
+  <dgm:styleLbl name="trBgShp">
+    <dgm:fillClrLst meth="repeat">
+      <a:schemeClr val="accent5">
+        <a:tint val="50000"/>
+        <a:alpha val="40000"/>
+      </a:schemeClr>
+    </dgm:fillClrLst>
+    <dgm:linClrLst meth="repeat">
+      <a:schemeClr val="accent5"/>
+    </dgm:linClrLst>
+    <dgm:effectClrLst/>
+    <dgm:txLinClrLst/>
+    <dgm:txFillClrLst meth="repeat">
+      <a:schemeClr val="lt1"/>
+    </dgm:txFillClrLst>
+    <dgm:txEffectClrLst/>
+  </dgm:styleLbl>
+  <dgm:styleLbl name="fgShp">
+    <dgm:fillClrLst meth="repeat">
+      <a:schemeClr val="accent5">
+        <a:tint val="60000"/>
+      </a:schemeClr>
+    </dgm:fillClrLst>
+    <dgm:linClrLst meth="repeat">
+      <a:schemeClr val="lt1"/>
+    </dgm:linClrLst>
+    <dgm:effectClrLst/>
+    <dgm:txLinClrLst/>
+    <dgm:txFillClrLst meth="repeat">
+      <a:schemeClr val="dk1"/>
+    </dgm:txFillClrLst>
+    <dgm:txEffectClrLst/>
+  </dgm:styleLbl>
+  <dgm:styleLbl name="revTx">
+    <dgm:fillClrLst meth="repeat">
+      <a:schemeClr val="lt1">
+        <a:alpha val="0"/>
+      </a:schemeClr>
+    </dgm:fillClrLst>
+    <dgm:linClrLst meth="repeat">
+      <a:schemeClr val="dk1">
+        <a:alpha val="0"/>
+      </a:schemeClr>
+    </dgm:linClrLst>
+    <dgm:effectClrLst/>
+    <dgm:txLinClrLst/>
+    <dgm:txFillClrLst meth="repeat">
+      <a:schemeClr val="tx1"/>
+    </dgm:txFillClrLst>
+    <dgm:txEffectClrLst/>
+  </dgm:styleLbl>
+</dgm:colorsDef>
+</file>
+
 <file path=ppt/diagrams/data1.xml><?xml version="1.0" encoding="utf-8"?>
 <dgm:dataModel xmlns:dgm="http://schemas.openxmlformats.org/drawingml/2006/diagram" xmlns:a="http://schemas.openxmlformats.org/drawingml/2006/main">
   <dgm:ptLst>
@@ -1157,7 +1906,7 @@
           </a:r>
           <a:r>
             <a:rPr lang="en-GB" dirty="0" err="1"/>
-            <a:t>id_rsa</a:t>
+            <a:t>id_rsa.pub</a:t>
           </a:r>
           <a:endParaRPr lang="en-GB" dirty="0"/>
         </a:p>
@@ -1263,6 +2012,354 @@
     </a:ext>
     <a:ext uri="{C62137D5-CB1D-491B-B009-E17868A290BF}">
       <dgm14:recolorImg xmlns:dgm14="http://schemas.microsoft.com/office/drawing/2010/diagram" val="1"/>
+    </a:ext>
+  </dgm:extLst>
+</dgm:dataModel>
+</file>
+
+<file path=ppt/diagrams/data2.xml><?xml version="1.0" encoding="utf-8"?>
+<dgm:dataModel xmlns:dgm="http://schemas.openxmlformats.org/drawingml/2006/diagram" xmlns:a="http://schemas.openxmlformats.org/drawingml/2006/main">
+  <dgm:ptLst>
+    <dgm:pt modelId="{D19D02EF-FF51-A844-9B0B-566F1390956D}" type="doc">
+      <dgm:prSet loTypeId="urn:microsoft.com/office/officeart/2005/8/layout/cycle3" loCatId="" qsTypeId="urn:microsoft.com/office/officeart/2005/8/quickstyle/simple1" qsCatId="simple" csTypeId="urn:microsoft.com/office/officeart/2005/8/colors/accent5_2" csCatId="accent5" phldr="1"/>
+      <dgm:spPr/>
+    </dgm:pt>
+    <dgm:pt modelId="{2C9B3461-903F-0641-81E1-E66933522480}">
+      <dgm:prSet phldrT="[Text]"/>
+      <dgm:spPr>
+        <a:solidFill>
+          <a:srgbClr val="00B050"/>
+        </a:solidFill>
+      </dgm:spPr>
+      <dgm:t>
+        <a:bodyPr/>
+        <a:lstStyle/>
+        <a:p>
+          <a:r>
+            <a:rPr lang="en-GB" dirty="0"/>
+            <a:t>Start pulling all the extensions asynchronously.</a:t>
+          </a:r>
+        </a:p>
+      </dgm:t>
+    </dgm:pt>
+    <dgm:pt modelId="{0920AA95-9231-1F4A-A22A-F8CBC665CD34}" type="parTrans" cxnId="{E2B07FC6-DCB5-A44D-AC6E-9A0BF42AD9CB}">
+      <dgm:prSet/>
+      <dgm:spPr/>
+      <dgm:t>
+        <a:bodyPr/>
+        <a:lstStyle/>
+        <a:p>
+          <a:endParaRPr lang="en-GB"/>
+        </a:p>
+      </dgm:t>
+    </dgm:pt>
+    <dgm:pt modelId="{84189291-870F-9543-9B4B-03FBA6BDF827}" type="sibTrans" cxnId="{E2B07FC6-DCB5-A44D-AC6E-9A0BF42AD9CB}">
+      <dgm:prSet/>
+      <dgm:spPr/>
+      <dgm:t>
+        <a:bodyPr/>
+        <a:lstStyle/>
+        <a:p>
+          <a:endParaRPr lang="en-GB"/>
+        </a:p>
+      </dgm:t>
+    </dgm:pt>
+    <dgm:pt modelId="{E7320A24-89EC-B945-ADDD-0166FA8C8E7A}">
+      <dgm:prSet phldrT="[Text]"/>
+      <dgm:spPr>
+        <a:solidFill>
+          <a:srgbClr val="00B050"/>
+        </a:solidFill>
+      </dgm:spPr>
+      <dgm:t>
+        <a:bodyPr/>
+        <a:lstStyle/>
+        <a:p>
+          <a:r>
+            <a:rPr lang="en-GB" dirty="0"/>
+            <a:t>Run the VS Code on the system.</a:t>
+          </a:r>
+        </a:p>
+      </dgm:t>
+    </dgm:pt>
+    <dgm:pt modelId="{6FC214CE-5A12-B742-B8E9-ECD6AA6D64DD}" type="parTrans" cxnId="{C29E0585-9B3B-7E44-B000-703718BB9F1B}">
+      <dgm:prSet/>
+      <dgm:spPr/>
+      <dgm:t>
+        <a:bodyPr/>
+        <a:lstStyle/>
+        <a:p>
+          <a:endParaRPr lang="en-GB"/>
+        </a:p>
+      </dgm:t>
+    </dgm:pt>
+    <dgm:pt modelId="{5645248D-FD23-3347-A531-3C48071B0B48}" type="sibTrans" cxnId="{C29E0585-9B3B-7E44-B000-703718BB9F1B}">
+      <dgm:prSet/>
+      <dgm:spPr/>
+      <dgm:t>
+        <a:bodyPr/>
+        <a:lstStyle/>
+        <a:p>
+          <a:endParaRPr lang="en-GB"/>
+        </a:p>
+      </dgm:t>
+    </dgm:pt>
+    <dgm:pt modelId="{43F751D0-D627-D14B-B7A1-A0FB6E62C186}">
+      <dgm:prSet phldrT="[Text]"/>
+      <dgm:spPr>
+        <a:solidFill>
+          <a:srgbClr val="00B050"/>
+        </a:solidFill>
+      </dgm:spPr>
+      <dgm:t>
+        <a:bodyPr/>
+        <a:lstStyle/>
+        <a:p>
+          <a:r>
+            <a:rPr lang="en-GB" dirty="0"/>
+            <a:t>Unzip the extension locally and read its configurations.</a:t>
+          </a:r>
+        </a:p>
+      </dgm:t>
+    </dgm:pt>
+    <dgm:pt modelId="{BFE16AB0-990B-3F4D-8527-1BDF84DCB730}" type="parTrans" cxnId="{7505AA71-F6F9-9D4F-9FD3-DAF351AFE7F9}">
+      <dgm:prSet/>
+      <dgm:spPr/>
+      <dgm:t>
+        <a:bodyPr/>
+        <a:lstStyle/>
+        <a:p>
+          <a:endParaRPr lang="en-GB"/>
+        </a:p>
+      </dgm:t>
+    </dgm:pt>
+    <dgm:pt modelId="{8DAB0A81-4786-4B4E-B106-CC8BAA5C1928}" type="sibTrans" cxnId="{7505AA71-F6F9-9D4F-9FD3-DAF351AFE7F9}">
+      <dgm:prSet/>
+      <dgm:spPr/>
+      <dgm:t>
+        <a:bodyPr/>
+        <a:lstStyle/>
+        <a:p>
+          <a:endParaRPr lang="en-GB"/>
+        </a:p>
+      </dgm:t>
+    </dgm:pt>
+    <dgm:pt modelId="{5BECF4D6-8E26-D148-B607-595F9C1FB421}">
+      <dgm:prSet phldrT="[Text]"/>
+      <dgm:spPr>
+        <a:solidFill>
+          <a:srgbClr val="00B050"/>
+        </a:solidFill>
+      </dgm:spPr>
+      <dgm:t>
+        <a:bodyPr/>
+        <a:lstStyle/>
+        <a:p>
+          <a:r>
+            <a:rPr lang="en-GB"/>
+            <a:t>Install the extension on the VS Code.</a:t>
+          </a:r>
+          <a:endParaRPr lang="en-GB" dirty="0"/>
+        </a:p>
+      </dgm:t>
+    </dgm:pt>
+    <dgm:pt modelId="{53995AC9-3B35-D24D-B470-6B218B492165}" type="parTrans" cxnId="{FC40FBE7-C653-9F40-AB8F-8AAC07C83230}">
+      <dgm:prSet/>
+      <dgm:spPr/>
+      <dgm:t>
+        <a:bodyPr/>
+        <a:lstStyle/>
+        <a:p>
+          <a:endParaRPr lang="en-GB"/>
+        </a:p>
+      </dgm:t>
+    </dgm:pt>
+    <dgm:pt modelId="{37C23A97-F6E7-4445-93A7-864E4CF9C7A7}" type="sibTrans" cxnId="{FC40FBE7-C653-9F40-AB8F-8AAC07C83230}">
+      <dgm:prSet/>
+      <dgm:spPr/>
+      <dgm:t>
+        <a:bodyPr/>
+        <a:lstStyle/>
+        <a:p>
+          <a:endParaRPr lang="en-GB"/>
+        </a:p>
+      </dgm:t>
+    </dgm:pt>
+    <dgm:pt modelId="{2BC673EC-5293-564E-82DD-4E32D8E3C225}">
+      <dgm:prSet phldrT="[Text]"/>
+      <dgm:spPr>
+        <a:solidFill>
+          <a:srgbClr val="FF0000"/>
+        </a:solidFill>
+      </dgm:spPr>
+      <dgm:t>
+        <a:bodyPr/>
+        <a:lstStyle/>
+        <a:p>
+          <a:r>
+            <a:rPr lang="en-GB" dirty="0"/>
+            <a:t>Hit the URI to load html page locally.</a:t>
+          </a:r>
+        </a:p>
+      </dgm:t>
+    </dgm:pt>
+    <dgm:pt modelId="{70183119-E3F9-9F49-863F-C62BFE3BC721}" type="parTrans" cxnId="{BCC07946-CDD3-FF4D-AD10-5BB546FD1273}">
+      <dgm:prSet/>
+      <dgm:spPr/>
+      <dgm:t>
+        <a:bodyPr/>
+        <a:lstStyle/>
+        <a:p>
+          <a:endParaRPr lang="en-GB"/>
+        </a:p>
+      </dgm:t>
+    </dgm:pt>
+    <dgm:pt modelId="{C6545551-36CB-134C-AD3F-88D3801F41EC}" type="sibTrans" cxnId="{BCC07946-CDD3-FF4D-AD10-5BB546FD1273}">
+      <dgm:prSet/>
+      <dgm:spPr/>
+      <dgm:t>
+        <a:bodyPr/>
+        <a:lstStyle/>
+        <a:p>
+          <a:endParaRPr lang="en-GB"/>
+        </a:p>
+      </dgm:t>
+    </dgm:pt>
+    <dgm:pt modelId="{6386A5E2-650A-1D42-B195-053305CDD69B}">
+      <dgm:prSet phldrT="[Text]"/>
+      <dgm:spPr>
+        <a:solidFill>
+          <a:srgbClr val="FF0000"/>
+        </a:solidFill>
+      </dgm:spPr>
+      <dgm:t>
+        <a:bodyPr/>
+        <a:lstStyle/>
+        <a:p>
+          <a:r>
+            <a:rPr lang="en-GB" dirty="0"/>
+            <a:t>If the response is success, extension is exploitable.</a:t>
+          </a:r>
+        </a:p>
+      </dgm:t>
+    </dgm:pt>
+    <dgm:pt modelId="{B3C94B96-9D57-8E4B-A0C7-3A6016FB913A}" type="parTrans" cxnId="{5DF01DDF-9F90-CC42-B7A1-70CB2C3E56BC}">
+      <dgm:prSet/>
+      <dgm:spPr/>
+      <dgm:t>
+        <a:bodyPr/>
+        <a:lstStyle/>
+        <a:p>
+          <a:endParaRPr lang="en-GB"/>
+        </a:p>
+      </dgm:t>
+    </dgm:pt>
+    <dgm:pt modelId="{8224BB9C-0DA7-CA41-BE5B-7FEFB27DE986}" type="sibTrans" cxnId="{5DF01DDF-9F90-CC42-B7A1-70CB2C3E56BC}">
+      <dgm:prSet/>
+      <dgm:spPr/>
+      <dgm:t>
+        <a:bodyPr/>
+        <a:lstStyle/>
+        <a:p>
+          <a:endParaRPr lang="en-GB"/>
+        </a:p>
+      </dgm:t>
+    </dgm:pt>
+    <dgm:pt modelId="{94F6D3DA-553A-E949-B96A-916D5953186F}" type="pres">
+      <dgm:prSet presAssocID="{D19D02EF-FF51-A844-9B0B-566F1390956D}" presName="Name0" presStyleCnt="0">
+        <dgm:presLayoutVars>
+          <dgm:dir/>
+          <dgm:resizeHandles val="exact"/>
+        </dgm:presLayoutVars>
+      </dgm:prSet>
+      <dgm:spPr/>
+    </dgm:pt>
+    <dgm:pt modelId="{97157F90-ECB3-D442-A257-A04B7EE6C693}" type="pres">
+      <dgm:prSet presAssocID="{D19D02EF-FF51-A844-9B0B-566F1390956D}" presName="cycle" presStyleCnt="0"/>
+      <dgm:spPr/>
+    </dgm:pt>
+    <dgm:pt modelId="{D1860042-72E1-9245-9266-DBFA16FCDC49}" type="pres">
+      <dgm:prSet presAssocID="{2C9B3461-903F-0641-81E1-E66933522480}" presName="nodeFirstNode" presStyleLbl="node1" presStyleIdx="0" presStyleCnt="6">
+        <dgm:presLayoutVars>
+          <dgm:bulletEnabled val="1"/>
+        </dgm:presLayoutVars>
+      </dgm:prSet>
+      <dgm:spPr/>
+    </dgm:pt>
+    <dgm:pt modelId="{602790E5-21BD-AA46-B308-112DEE6F5009}" type="pres">
+      <dgm:prSet presAssocID="{84189291-870F-9543-9B4B-03FBA6BDF827}" presName="sibTransFirstNode" presStyleLbl="bgShp" presStyleIdx="0" presStyleCnt="1"/>
+      <dgm:spPr/>
+    </dgm:pt>
+    <dgm:pt modelId="{A3D799E8-3398-7F4D-93D2-4F602931FC6A}" type="pres">
+      <dgm:prSet presAssocID="{E7320A24-89EC-B945-ADDD-0166FA8C8E7A}" presName="nodeFollowingNodes" presStyleLbl="node1" presStyleIdx="1" presStyleCnt="6">
+        <dgm:presLayoutVars>
+          <dgm:bulletEnabled val="1"/>
+        </dgm:presLayoutVars>
+      </dgm:prSet>
+      <dgm:spPr/>
+    </dgm:pt>
+    <dgm:pt modelId="{EDE3372F-82BF-B041-9F99-0F95DC3E441D}" type="pres">
+      <dgm:prSet presAssocID="{43F751D0-D627-D14B-B7A1-A0FB6E62C186}" presName="nodeFollowingNodes" presStyleLbl="node1" presStyleIdx="2" presStyleCnt="6">
+        <dgm:presLayoutVars>
+          <dgm:bulletEnabled val="1"/>
+        </dgm:presLayoutVars>
+      </dgm:prSet>
+      <dgm:spPr/>
+    </dgm:pt>
+    <dgm:pt modelId="{84EDCA7A-98AB-A441-BDB1-69F7282F3D1F}" type="pres">
+      <dgm:prSet presAssocID="{5BECF4D6-8E26-D148-B607-595F9C1FB421}" presName="nodeFollowingNodes" presStyleLbl="node1" presStyleIdx="3" presStyleCnt="6">
+        <dgm:presLayoutVars>
+          <dgm:bulletEnabled val="1"/>
+        </dgm:presLayoutVars>
+      </dgm:prSet>
+      <dgm:spPr/>
+    </dgm:pt>
+    <dgm:pt modelId="{2E8B876A-0162-E84E-A333-B6376CD32320}" type="pres">
+      <dgm:prSet presAssocID="{2BC673EC-5293-564E-82DD-4E32D8E3C225}" presName="nodeFollowingNodes" presStyleLbl="node1" presStyleIdx="4" presStyleCnt="6">
+        <dgm:presLayoutVars>
+          <dgm:bulletEnabled val="1"/>
+        </dgm:presLayoutVars>
+      </dgm:prSet>
+      <dgm:spPr/>
+    </dgm:pt>
+    <dgm:pt modelId="{F0E6711B-6C58-FC4F-A732-DBBBA18E791F}" type="pres">
+      <dgm:prSet presAssocID="{6386A5E2-650A-1D42-B195-053305CDD69B}" presName="nodeFollowingNodes" presStyleLbl="node1" presStyleIdx="5" presStyleCnt="6">
+        <dgm:presLayoutVars>
+          <dgm:bulletEnabled val="1"/>
+        </dgm:presLayoutVars>
+      </dgm:prSet>
+      <dgm:spPr/>
+    </dgm:pt>
+  </dgm:ptLst>
+  <dgm:cxnLst>
+    <dgm:cxn modelId="{F0347500-9516-D944-977D-9CFCB20C4251}" type="presOf" srcId="{5BECF4D6-8E26-D148-B607-595F9C1FB421}" destId="{84EDCA7A-98AB-A441-BDB1-69F7282F3D1F}" srcOrd="0" destOrd="0" presId="urn:microsoft.com/office/officeart/2005/8/layout/cycle3"/>
+    <dgm:cxn modelId="{CF9C3A06-EDF1-4943-8A95-D2E8F6963835}" type="presOf" srcId="{D19D02EF-FF51-A844-9B0B-566F1390956D}" destId="{94F6D3DA-553A-E949-B96A-916D5953186F}" srcOrd="0" destOrd="0" presId="urn:microsoft.com/office/officeart/2005/8/layout/cycle3"/>
+    <dgm:cxn modelId="{C9B00209-2B8A-7648-8F07-475393962E04}" type="presOf" srcId="{E7320A24-89EC-B945-ADDD-0166FA8C8E7A}" destId="{A3D799E8-3398-7F4D-93D2-4F602931FC6A}" srcOrd="0" destOrd="0" presId="urn:microsoft.com/office/officeart/2005/8/layout/cycle3"/>
+    <dgm:cxn modelId="{BCC07946-CDD3-FF4D-AD10-5BB546FD1273}" srcId="{D19D02EF-FF51-A844-9B0B-566F1390956D}" destId="{2BC673EC-5293-564E-82DD-4E32D8E3C225}" srcOrd="4" destOrd="0" parTransId="{70183119-E3F9-9F49-863F-C62BFE3BC721}" sibTransId="{C6545551-36CB-134C-AD3F-88D3801F41EC}"/>
+    <dgm:cxn modelId="{7505AA71-F6F9-9D4F-9FD3-DAF351AFE7F9}" srcId="{D19D02EF-FF51-A844-9B0B-566F1390956D}" destId="{43F751D0-D627-D14B-B7A1-A0FB6E62C186}" srcOrd="2" destOrd="0" parTransId="{BFE16AB0-990B-3F4D-8527-1BDF84DCB730}" sibTransId="{8DAB0A81-4786-4B4E-B106-CC8BAA5C1928}"/>
+    <dgm:cxn modelId="{9D263A82-B634-9F49-BD78-08BF55E03A94}" type="presOf" srcId="{2C9B3461-903F-0641-81E1-E66933522480}" destId="{D1860042-72E1-9245-9266-DBFA16FCDC49}" srcOrd="0" destOrd="0" presId="urn:microsoft.com/office/officeart/2005/8/layout/cycle3"/>
+    <dgm:cxn modelId="{C29E0585-9B3B-7E44-B000-703718BB9F1B}" srcId="{D19D02EF-FF51-A844-9B0B-566F1390956D}" destId="{E7320A24-89EC-B945-ADDD-0166FA8C8E7A}" srcOrd="1" destOrd="0" parTransId="{6FC214CE-5A12-B742-B8E9-ECD6AA6D64DD}" sibTransId="{5645248D-FD23-3347-A531-3C48071B0B48}"/>
+    <dgm:cxn modelId="{F17F3DA5-B0C0-8749-A83A-A1FBBB5C0BA5}" type="presOf" srcId="{2BC673EC-5293-564E-82DD-4E32D8E3C225}" destId="{2E8B876A-0162-E84E-A333-B6376CD32320}" srcOrd="0" destOrd="0" presId="urn:microsoft.com/office/officeart/2005/8/layout/cycle3"/>
+    <dgm:cxn modelId="{7ADE97BE-DDB9-4444-A0C5-CE6186BFB3B8}" type="presOf" srcId="{43F751D0-D627-D14B-B7A1-A0FB6E62C186}" destId="{EDE3372F-82BF-B041-9F99-0F95DC3E441D}" srcOrd="0" destOrd="0" presId="urn:microsoft.com/office/officeart/2005/8/layout/cycle3"/>
+    <dgm:cxn modelId="{E2B07FC6-DCB5-A44D-AC6E-9A0BF42AD9CB}" srcId="{D19D02EF-FF51-A844-9B0B-566F1390956D}" destId="{2C9B3461-903F-0641-81E1-E66933522480}" srcOrd="0" destOrd="0" parTransId="{0920AA95-9231-1F4A-A22A-F8CBC665CD34}" sibTransId="{84189291-870F-9543-9B4B-03FBA6BDF827}"/>
+    <dgm:cxn modelId="{65DC1EDD-A0FB-7C4F-B7A2-9FD8A6CE4002}" type="presOf" srcId="{84189291-870F-9543-9B4B-03FBA6BDF827}" destId="{602790E5-21BD-AA46-B308-112DEE6F5009}" srcOrd="0" destOrd="0" presId="urn:microsoft.com/office/officeart/2005/8/layout/cycle3"/>
+    <dgm:cxn modelId="{5DF01DDF-9F90-CC42-B7A1-70CB2C3E56BC}" srcId="{D19D02EF-FF51-A844-9B0B-566F1390956D}" destId="{6386A5E2-650A-1D42-B195-053305CDD69B}" srcOrd="5" destOrd="0" parTransId="{B3C94B96-9D57-8E4B-A0C7-3A6016FB913A}" sibTransId="{8224BB9C-0DA7-CA41-BE5B-7FEFB27DE986}"/>
+    <dgm:cxn modelId="{FC40FBE7-C653-9F40-AB8F-8AAC07C83230}" srcId="{D19D02EF-FF51-A844-9B0B-566F1390956D}" destId="{5BECF4D6-8E26-D148-B607-595F9C1FB421}" srcOrd="3" destOrd="0" parTransId="{53995AC9-3B35-D24D-B470-6B218B492165}" sibTransId="{37C23A97-F6E7-4445-93A7-864E4CF9C7A7}"/>
+    <dgm:cxn modelId="{366B0CF8-FA8C-C642-8665-66CCEEB442D0}" type="presOf" srcId="{6386A5E2-650A-1D42-B195-053305CDD69B}" destId="{F0E6711B-6C58-FC4F-A732-DBBBA18E791F}" srcOrd="0" destOrd="0" presId="urn:microsoft.com/office/officeart/2005/8/layout/cycle3"/>
+    <dgm:cxn modelId="{7D465807-6321-664A-A942-C62E2DAD93A3}" type="presParOf" srcId="{94F6D3DA-553A-E949-B96A-916D5953186F}" destId="{97157F90-ECB3-D442-A257-A04B7EE6C693}" srcOrd="0" destOrd="0" presId="urn:microsoft.com/office/officeart/2005/8/layout/cycle3"/>
+    <dgm:cxn modelId="{E3BEB868-4BB0-4640-A303-1CC0C654282A}" type="presParOf" srcId="{97157F90-ECB3-D442-A257-A04B7EE6C693}" destId="{D1860042-72E1-9245-9266-DBFA16FCDC49}" srcOrd="0" destOrd="0" presId="urn:microsoft.com/office/officeart/2005/8/layout/cycle3"/>
+    <dgm:cxn modelId="{C040E502-9796-FA4E-B5B4-3982A0262367}" type="presParOf" srcId="{97157F90-ECB3-D442-A257-A04B7EE6C693}" destId="{602790E5-21BD-AA46-B308-112DEE6F5009}" srcOrd="1" destOrd="0" presId="urn:microsoft.com/office/officeart/2005/8/layout/cycle3"/>
+    <dgm:cxn modelId="{2388B6EA-058B-1242-8DB4-17AA8BDC89BA}" type="presParOf" srcId="{97157F90-ECB3-D442-A257-A04B7EE6C693}" destId="{A3D799E8-3398-7F4D-93D2-4F602931FC6A}" srcOrd="2" destOrd="0" presId="urn:microsoft.com/office/officeart/2005/8/layout/cycle3"/>
+    <dgm:cxn modelId="{A300A6C9-E249-EE48-819A-70175CA02CEB}" type="presParOf" srcId="{97157F90-ECB3-D442-A257-A04B7EE6C693}" destId="{EDE3372F-82BF-B041-9F99-0F95DC3E441D}" srcOrd="3" destOrd="0" presId="urn:microsoft.com/office/officeart/2005/8/layout/cycle3"/>
+    <dgm:cxn modelId="{B226824A-998D-B943-A6AE-347784002AB5}" type="presParOf" srcId="{97157F90-ECB3-D442-A257-A04B7EE6C693}" destId="{84EDCA7A-98AB-A441-BDB1-69F7282F3D1F}" srcOrd="4" destOrd="0" presId="urn:microsoft.com/office/officeart/2005/8/layout/cycle3"/>
+    <dgm:cxn modelId="{A8ECA1F1-3BEC-7541-BF56-C314BDE27DE7}" type="presParOf" srcId="{97157F90-ECB3-D442-A257-A04B7EE6C693}" destId="{2E8B876A-0162-E84E-A333-B6376CD32320}" srcOrd="5" destOrd="0" presId="urn:microsoft.com/office/officeart/2005/8/layout/cycle3"/>
+    <dgm:cxn modelId="{ABCC578A-C2E5-ED4D-BE5B-249B2471F080}" type="presParOf" srcId="{97157F90-ECB3-D442-A257-A04B7EE6C693}" destId="{F0E6711B-6C58-FC4F-A732-DBBBA18E791F}" srcOrd="6" destOrd="0" presId="urn:microsoft.com/office/officeart/2005/8/layout/cycle3"/>
+  </dgm:cxnLst>
+  <dgm:bg/>
+  <dgm:whole/>
+  <dgm:extLst>
+    <a:ext uri="http://schemas.microsoft.com/office/drawing/2008/diagram">
+      <dsp:dataModelExt xmlns:dsp="http://schemas.microsoft.com/office/drawing/2008/diagram" relId="rId6" minVer="http://schemas.openxmlformats.org/drawingml/2006/diagram"/>
     </a:ext>
   </dgm:extLst>
 </dgm:dataModel>
@@ -1634,7 +2731,7 @@
           </a:r>
           <a:r>
             <a:rPr lang="en-GB" sz="1800" kern="1200" dirty="0" err="1"/>
-            <a:t>id_rsa</a:t>
+            <a:t>id_rsa.pub</a:t>
           </a:r>
           <a:endParaRPr lang="en-GB" sz="1800" kern="1200" dirty="0"/>
         </a:p>
@@ -1642,6 +2739,503 @@
       <dsp:txXfrm>
         <a:off x="5976428" y="197640"/>
         <a:ext cx="2044148" cy="1196704"/>
+      </dsp:txXfrm>
+    </dsp:sp>
+  </dsp:spTree>
+</dsp:drawing>
+</file>
+
+<file path=ppt/diagrams/drawing2.xml><?xml version="1.0" encoding="utf-8"?>
+<dsp:drawing xmlns:dgm="http://schemas.openxmlformats.org/drawingml/2006/diagram" xmlns:dsp="http://schemas.microsoft.com/office/drawing/2008/diagram" xmlns:a="http://schemas.openxmlformats.org/drawingml/2006/main">
+  <dsp:spTree>
+    <dsp:nvGrpSpPr>
+      <dsp:cNvPr id="0" name=""/>
+      <dsp:cNvGrpSpPr/>
+    </dsp:nvGrpSpPr>
+    <dsp:grpSpPr/>
+    <dsp:sp modelId="{602790E5-21BD-AA46-B308-112DEE6F5009}">
+      <dsp:nvSpPr>
+        <dsp:cNvPr id="0" name=""/>
+        <dsp:cNvSpPr/>
+      </dsp:nvSpPr>
+      <dsp:spPr>
+        <a:xfrm>
+          <a:off x="660888" y="-7041"/>
+          <a:ext cx="5770503" cy="5770503"/>
+        </a:xfrm>
+        <a:prstGeom prst="circularArrow">
+          <a:avLst>
+            <a:gd name="adj1" fmla="val 5274"/>
+            <a:gd name="adj2" fmla="val 312630"/>
+            <a:gd name="adj3" fmla="val 14243501"/>
+            <a:gd name="adj4" fmla="val 17118030"/>
+            <a:gd name="adj5" fmla="val 5477"/>
+          </a:avLst>
+        </a:prstGeom>
+        <a:solidFill>
+          <a:schemeClr val="accent5">
+            <a:tint val="40000"/>
+            <a:hueOff val="0"/>
+            <a:satOff val="0"/>
+            <a:lumOff val="0"/>
+            <a:alphaOff val="0"/>
+          </a:schemeClr>
+        </a:solidFill>
+        <a:ln>
+          <a:noFill/>
+        </a:ln>
+        <a:effectLst/>
+      </dsp:spPr>
+      <dsp:style>
+        <a:lnRef idx="0">
+          <a:scrgbClr r="0" g="0" b="0"/>
+        </a:lnRef>
+        <a:fillRef idx="1">
+          <a:scrgbClr r="0" g="0" b="0"/>
+        </a:fillRef>
+        <a:effectRef idx="0">
+          <a:scrgbClr r="0" g="0" b="0"/>
+        </a:effectRef>
+        <a:fontRef idx="minor"/>
+      </dsp:style>
+    </dsp:sp>
+    <dsp:sp modelId="{D1860042-72E1-9245-9266-DBFA16FCDC49}">
+      <dsp:nvSpPr>
+        <dsp:cNvPr id="0" name=""/>
+        <dsp:cNvSpPr/>
+      </dsp:nvSpPr>
+      <dsp:spPr>
+        <a:xfrm>
+          <a:off x="2458749" y="295"/>
+          <a:ext cx="2174781" cy="1087390"/>
+        </a:xfrm>
+        <a:prstGeom prst="roundRect">
+          <a:avLst/>
+        </a:prstGeom>
+        <a:solidFill>
+          <a:srgbClr val="00B050"/>
+        </a:solidFill>
+        <a:ln w="12700" cap="flat" cmpd="sng" algn="ctr">
+          <a:solidFill>
+            <a:schemeClr val="lt1">
+              <a:hueOff val="0"/>
+              <a:satOff val="0"/>
+              <a:lumOff val="0"/>
+              <a:alphaOff val="0"/>
+            </a:schemeClr>
+          </a:solidFill>
+          <a:prstDash val="solid"/>
+          <a:miter lim="800000"/>
+        </a:ln>
+        <a:effectLst/>
+      </dsp:spPr>
+      <dsp:style>
+        <a:lnRef idx="2">
+          <a:scrgbClr r="0" g="0" b="0"/>
+        </a:lnRef>
+        <a:fillRef idx="1">
+          <a:scrgbClr r="0" g="0" b="0"/>
+        </a:fillRef>
+        <a:effectRef idx="0">
+          <a:scrgbClr r="0" g="0" b="0"/>
+        </a:effectRef>
+        <a:fontRef idx="minor">
+          <a:schemeClr val="lt1"/>
+        </a:fontRef>
+      </dsp:style>
+      <dsp:txBody>
+        <a:bodyPr spcFirstLastPara="0" vert="horz" wrap="square" lIns="68580" tIns="68580" rIns="68580" bIns="68580" numCol="1" spcCol="1270" anchor="ctr" anchorCtr="0">
+          <a:noAutofit/>
+        </a:bodyPr>
+        <a:lstStyle/>
+        <a:p>
+          <a:pPr marL="0" lvl="0" indent="0" algn="ctr" defTabSz="800100">
+            <a:lnSpc>
+              <a:spcPct val="90000"/>
+            </a:lnSpc>
+            <a:spcBef>
+              <a:spcPct val="0"/>
+            </a:spcBef>
+            <a:spcAft>
+              <a:spcPct val="35000"/>
+            </a:spcAft>
+            <a:buNone/>
+          </a:pPr>
+          <a:r>
+            <a:rPr lang="en-GB" sz="1800" kern="1200" dirty="0"/>
+            <a:t>Start pulling all the extensions asynchronously.</a:t>
+          </a:r>
+        </a:p>
+      </dsp:txBody>
+      <dsp:txXfrm>
+        <a:off x="2511831" y="53377"/>
+        <a:ext cx="2068617" cy="981226"/>
+      </dsp:txXfrm>
+    </dsp:sp>
+    <dsp:sp modelId="{A3D799E8-3398-7F4D-93D2-4F602931FC6A}">
+      <dsp:nvSpPr>
+        <dsp:cNvPr id="0" name=""/>
+        <dsp:cNvSpPr/>
+      </dsp:nvSpPr>
+      <dsp:spPr>
+        <a:xfrm>
+          <a:off x="4486093" y="1170783"/>
+          <a:ext cx="2174781" cy="1087390"/>
+        </a:xfrm>
+        <a:prstGeom prst="roundRect">
+          <a:avLst/>
+        </a:prstGeom>
+        <a:solidFill>
+          <a:srgbClr val="00B050"/>
+        </a:solidFill>
+        <a:ln w="12700" cap="flat" cmpd="sng" algn="ctr">
+          <a:solidFill>
+            <a:schemeClr val="lt1">
+              <a:hueOff val="0"/>
+              <a:satOff val="0"/>
+              <a:lumOff val="0"/>
+              <a:alphaOff val="0"/>
+            </a:schemeClr>
+          </a:solidFill>
+          <a:prstDash val="solid"/>
+          <a:miter lim="800000"/>
+        </a:ln>
+        <a:effectLst/>
+      </dsp:spPr>
+      <dsp:style>
+        <a:lnRef idx="2">
+          <a:scrgbClr r="0" g="0" b="0"/>
+        </a:lnRef>
+        <a:fillRef idx="1">
+          <a:scrgbClr r="0" g="0" b="0"/>
+        </a:fillRef>
+        <a:effectRef idx="0">
+          <a:scrgbClr r="0" g="0" b="0"/>
+        </a:effectRef>
+        <a:fontRef idx="minor">
+          <a:schemeClr val="lt1"/>
+        </a:fontRef>
+      </dsp:style>
+      <dsp:txBody>
+        <a:bodyPr spcFirstLastPara="0" vert="horz" wrap="square" lIns="68580" tIns="68580" rIns="68580" bIns="68580" numCol="1" spcCol="1270" anchor="ctr" anchorCtr="0">
+          <a:noAutofit/>
+        </a:bodyPr>
+        <a:lstStyle/>
+        <a:p>
+          <a:pPr marL="0" lvl="0" indent="0" algn="ctr" defTabSz="800100">
+            <a:lnSpc>
+              <a:spcPct val="90000"/>
+            </a:lnSpc>
+            <a:spcBef>
+              <a:spcPct val="0"/>
+            </a:spcBef>
+            <a:spcAft>
+              <a:spcPct val="35000"/>
+            </a:spcAft>
+            <a:buNone/>
+          </a:pPr>
+          <a:r>
+            <a:rPr lang="en-GB" sz="1800" kern="1200" dirty="0"/>
+            <a:t>Run the VS Code on the system.</a:t>
+          </a:r>
+        </a:p>
+      </dsp:txBody>
+      <dsp:txXfrm>
+        <a:off x="4539175" y="1223865"/>
+        <a:ext cx="2068617" cy="981226"/>
+      </dsp:txXfrm>
+    </dsp:sp>
+    <dsp:sp modelId="{EDE3372F-82BF-B041-9F99-0F95DC3E441D}">
+      <dsp:nvSpPr>
+        <dsp:cNvPr id="0" name=""/>
+        <dsp:cNvSpPr/>
+      </dsp:nvSpPr>
+      <dsp:spPr>
+        <a:xfrm>
+          <a:off x="4486093" y="3511758"/>
+          <a:ext cx="2174781" cy="1087390"/>
+        </a:xfrm>
+        <a:prstGeom prst="roundRect">
+          <a:avLst/>
+        </a:prstGeom>
+        <a:solidFill>
+          <a:srgbClr val="00B050"/>
+        </a:solidFill>
+        <a:ln w="12700" cap="flat" cmpd="sng" algn="ctr">
+          <a:solidFill>
+            <a:schemeClr val="lt1">
+              <a:hueOff val="0"/>
+              <a:satOff val="0"/>
+              <a:lumOff val="0"/>
+              <a:alphaOff val="0"/>
+            </a:schemeClr>
+          </a:solidFill>
+          <a:prstDash val="solid"/>
+          <a:miter lim="800000"/>
+        </a:ln>
+        <a:effectLst/>
+      </dsp:spPr>
+      <dsp:style>
+        <a:lnRef idx="2">
+          <a:scrgbClr r="0" g="0" b="0"/>
+        </a:lnRef>
+        <a:fillRef idx="1">
+          <a:scrgbClr r="0" g="0" b="0"/>
+        </a:fillRef>
+        <a:effectRef idx="0">
+          <a:scrgbClr r="0" g="0" b="0"/>
+        </a:effectRef>
+        <a:fontRef idx="minor">
+          <a:schemeClr val="lt1"/>
+        </a:fontRef>
+      </dsp:style>
+      <dsp:txBody>
+        <a:bodyPr spcFirstLastPara="0" vert="horz" wrap="square" lIns="68580" tIns="68580" rIns="68580" bIns="68580" numCol="1" spcCol="1270" anchor="ctr" anchorCtr="0">
+          <a:noAutofit/>
+        </a:bodyPr>
+        <a:lstStyle/>
+        <a:p>
+          <a:pPr marL="0" lvl="0" indent="0" algn="ctr" defTabSz="800100">
+            <a:lnSpc>
+              <a:spcPct val="90000"/>
+            </a:lnSpc>
+            <a:spcBef>
+              <a:spcPct val="0"/>
+            </a:spcBef>
+            <a:spcAft>
+              <a:spcPct val="35000"/>
+            </a:spcAft>
+            <a:buNone/>
+          </a:pPr>
+          <a:r>
+            <a:rPr lang="en-GB" sz="1800" kern="1200" dirty="0"/>
+            <a:t>Unzip the extension locally and read its configurations.</a:t>
+          </a:r>
+        </a:p>
+      </dsp:txBody>
+      <dsp:txXfrm>
+        <a:off x="4539175" y="3564840"/>
+        <a:ext cx="2068617" cy="981226"/>
+      </dsp:txXfrm>
+    </dsp:sp>
+    <dsp:sp modelId="{84EDCA7A-98AB-A441-BDB1-69F7282F3D1F}">
+      <dsp:nvSpPr>
+        <dsp:cNvPr id="0" name=""/>
+        <dsp:cNvSpPr/>
+      </dsp:nvSpPr>
+      <dsp:spPr>
+        <a:xfrm>
+          <a:off x="2458749" y="4682245"/>
+          <a:ext cx="2174781" cy="1087390"/>
+        </a:xfrm>
+        <a:prstGeom prst="roundRect">
+          <a:avLst/>
+        </a:prstGeom>
+        <a:solidFill>
+          <a:srgbClr val="00B050"/>
+        </a:solidFill>
+        <a:ln w="12700" cap="flat" cmpd="sng" algn="ctr">
+          <a:solidFill>
+            <a:schemeClr val="lt1">
+              <a:hueOff val="0"/>
+              <a:satOff val="0"/>
+              <a:lumOff val="0"/>
+              <a:alphaOff val="0"/>
+            </a:schemeClr>
+          </a:solidFill>
+          <a:prstDash val="solid"/>
+          <a:miter lim="800000"/>
+        </a:ln>
+        <a:effectLst/>
+      </dsp:spPr>
+      <dsp:style>
+        <a:lnRef idx="2">
+          <a:scrgbClr r="0" g="0" b="0"/>
+        </a:lnRef>
+        <a:fillRef idx="1">
+          <a:scrgbClr r="0" g="0" b="0"/>
+        </a:fillRef>
+        <a:effectRef idx="0">
+          <a:scrgbClr r="0" g="0" b="0"/>
+        </a:effectRef>
+        <a:fontRef idx="minor">
+          <a:schemeClr val="lt1"/>
+        </a:fontRef>
+      </dsp:style>
+      <dsp:txBody>
+        <a:bodyPr spcFirstLastPara="0" vert="horz" wrap="square" lIns="68580" tIns="68580" rIns="68580" bIns="68580" numCol="1" spcCol="1270" anchor="ctr" anchorCtr="0">
+          <a:noAutofit/>
+        </a:bodyPr>
+        <a:lstStyle/>
+        <a:p>
+          <a:pPr marL="0" lvl="0" indent="0" algn="ctr" defTabSz="800100">
+            <a:lnSpc>
+              <a:spcPct val="90000"/>
+            </a:lnSpc>
+            <a:spcBef>
+              <a:spcPct val="0"/>
+            </a:spcBef>
+            <a:spcAft>
+              <a:spcPct val="35000"/>
+            </a:spcAft>
+            <a:buNone/>
+          </a:pPr>
+          <a:r>
+            <a:rPr lang="en-GB" sz="1800" kern="1200"/>
+            <a:t>Install the extension on the VS Code.</a:t>
+          </a:r>
+          <a:endParaRPr lang="en-GB" sz="1800" kern="1200" dirty="0"/>
+        </a:p>
+      </dsp:txBody>
+      <dsp:txXfrm>
+        <a:off x="2511831" y="4735327"/>
+        <a:ext cx="2068617" cy="981226"/>
+      </dsp:txXfrm>
+    </dsp:sp>
+    <dsp:sp modelId="{2E8B876A-0162-E84E-A333-B6376CD32320}">
+      <dsp:nvSpPr>
+        <dsp:cNvPr id="0" name=""/>
+        <dsp:cNvSpPr/>
+      </dsp:nvSpPr>
+      <dsp:spPr>
+        <a:xfrm>
+          <a:off x="431405" y="3511758"/>
+          <a:ext cx="2174781" cy="1087390"/>
+        </a:xfrm>
+        <a:prstGeom prst="roundRect">
+          <a:avLst/>
+        </a:prstGeom>
+        <a:solidFill>
+          <a:srgbClr val="FF0000"/>
+        </a:solidFill>
+        <a:ln w="12700" cap="flat" cmpd="sng" algn="ctr">
+          <a:solidFill>
+            <a:schemeClr val="lt1">
+              <a:hueOff val="0"/>
+              <a:satOff val="0"/>
+              <a:lumOff val="0"/>
+              <a:alphaOff val="0"/>
+            </a:schemeClr>
+          </a:solidFill>
+          <a:prstDash val="solid"/>
+          <a:miter lim="800000"/>
+        </a:ln>
+        <a:effectLst/>
+      </dsp:spPr>
+      <dsp:style>
+        <a:lnRef idx="2">
+          <a:scrgbClr r="0" g="0" b="0"/>
+        </a:lnRef>
+        <a:fillRef idx="1">
+          <a:scrgbClr r="0" g="0" b="0"/>
+        </a:fillRef>
+        <a:effectRef idx="0">
+          <a:scrgbClr r="0" g="0" b="0"/>
+        </a:effectRef>
+        <a:fontRef idx="minor">
+          <a:schemeClr val="lt1"/>
+        </a:fontRef>
+      </dsp:style>
+      <dsp:txBody>
+        <a:bodyPr spcFirstLastPara="0" vert="horz" wrap="square" lIns="68580" tIns="68580" rIns="68580" bIns="68580" numCol="1" spcCol="1270" anchor="ctr" anchorCtr="0">
+          <a:noAutofit/>
+        </a:bodyPr>
+        <a:lstStyle/>
+        <a:p>
+          <a:pPr marL="0" lvl="0" indent="0" algn="ctr" defTabSz="800100">
+            <a:lnSpc>
+              <a:spcPct val="90000"/>
+            </a:lnSpc>
+            <a:spcBef>
+              <a:spcPct val="0"/>
+            </a:spcBef>
+            <a:spcAft>
+              <a:spcPct val="35000"/>
+            </a:spcAft>
+            <a:buNone/>
+          </a:pPr>
+          <a:r>
+            <a:rPr lang="en-GB" sz="1800" kern="1200" dirty="0"/>
+            <a:t>Hit the URI to load html page locally.</a:t>
+          </a:r>
+        </a:p>
+      </dsp:txBody>
+      <dsp:txXfrm>
+        <a:off x="484487" y="3564840"/>
+        <a:ext cx="2068617" cy="981226"/>
+      </dsp:txXfrm>
+    </dsp:sp>
+    <dsp:sp modelId="{F0E6711B-6C58-FC4F-A732-DBBBA18E791F}">
+      <dsp:nvSpPr>
+        <dsp:cNvPr id="0" name=""/>
+        <dsp:cNvSpPr/>
+      </dsp:nvSpPr>
+      <dsp:spPr>
+        <a:xfrm>
+          <a:off x="431405" y="1170783"/>
+          <a:ext cx="2174781" cy="1087390"/>
+        </a:xfrm>
+        <a:prstGeom prst="roundRect">
+          <a:avLst/>
+        </a:prstGeom>
+        <a:solidFill>
+          <a:srgbClr val="FF0000"/>
+        </a:solidFill>
+        <a:ln w="12700" cap="flat" cmpd="sng" algn="ctr">
+          <a:solidFill>
+            <a:schemeClr val="lt1">
+              <a:hueOff val="0"/>
+              <a:satOff val="0"/>
+              <a:lumOff val="0"/>
+              <a:alphaOff val="0"/>
+            </a:schemeClr>
+          </a:solidFill>
+          <a:prstDash val="solid"/>
+          <a:miter lim="800000"/>
+        </a:ln>
+        <a:effectLst/>
+      </dsp:spPr>
+      <dsp:style>
+        <a:lnRef idx="2">
+          <a:scrgbClr r="0" g="0" b="0"/>
+        </a:lnRef>
+        <a:fillRef idx="1">
+          <a:scrgbClr r="0" g="0" b="0"/>
+        </a:fillRef>
+        <a:effectRef idx="0">
+          <a:scrgbClr r="0" g="0" b="0"/>
+        </a:effectRef>
+        <a:fontRef idx="minor">
+          <a:schemeClr val="lt1"/>
+        </a:fontRef>
+      </dsp:style>
+      <dsp:txBody>
+        <a:bodyPr spcFirstLastPara="0" vert="horz" wrap="square" lIns="68580" tIns="68580" rIns="68580" bIns="68580" numCol="1" spcCol="1270" anchor="ctr" anchorCtr="0">
+          <a:noAutofit/>
+        </a:bodyPr>
+        <a:lstStyle/>
+        <a:p>
+          <a:pPr marL="0" lvl="0" indent="0" algn="ctr" defTabSz="800100">
+            <a:lnSpc>
+              <a:spcPct val="90000"/>
+            </a:lnSpc>
+            <a:spcBef>
+              <a:spcPct val="0"/>
+            </a:spcBef>
+            <a:spcAft>
+              <a:spcPct val="35000"/>
+            </a:spcAft>
+            <a:buNone/>
+          </a:pPr>
+          <a:r>
+            <a:rPr lang="en-GB" sz="1800" kern="1200" dirty="0"/>
+            <a:t>If the response is success, extension is exploitable.</a:t>
+          </a:r>
+        </a:p>
+      </dsp:txBody>
+      <dsp:txXfrm>
+        <a:off x="484487" y="1223865"/>
+        <a:ext cx="2068617" cy="981226"/>
       </dsp:txXfrm>
     </dsp:sp>
   </dsp:spTree>
@@ -1794,7 +3388,1444 @@
 </dgm:layoutDef>
 </file>
 
+<file path=ppt/diagrams/layout2.xml><?xml version="1.0" encoding="utf-8"?>
+<dgm:layoutDef xmlns:dgm="http://schemas.openxmlformats.org/drawingml/2006/diagram" xmlns:a="http://schemas.openxmlformats.org/drawingml/2006/main" uniqueId="urn:microsoft.com/office/officeart/2005/8/layout/cycle3">
+  <dgm:title val=""/>
+  <dgm:desc val=""/>
+  <dgm:catLst>
+    <dgm:cat type="cycle" pri="5000"/>
+  </dgm:catLst>
+  <dgm:sampData>
+    <dgm:dataModel>
+      <dgm:ptLst>
+        <dgm:pt modelId="0" type="doc"/>
+        <dgm:pt modelId="1">
+          <dgm:prSet phldr="1"/>
+        </dgm:pt>
+        <dgm:pt modelId="2">
+          <dgm:prSet phldr="1"/>
+        </dgm:pt>
+        <dgm:pt modelId="3">
+          <dgm:prSet phldr="1"/>
+        </dgm:pt>
+        <dgm:pt modelId="4">
+          <dgm:prSet phldr="1"/>
+        </dgm:pt>
+        <dgm:pt modelId="5">
+          <dgm:prSet phldr="1"/>
+        </dgm:pt>
+      </dgm:ptLst>
+      <dgm:cxnLst>
+        <dgm:cxn modelId="6" srcId="0" destId="1" srcOrd="0" destOrd="0"/>
+        <dgm:cxn modelId="7" srcId="0" destId="2" srcOrd="1" destOrd="0"/>
+        <dgm:cxn modelId="8" srcId="0" destId="3" srcOrd="2" destOrd="0"/>
+        <dgm:cxn modelId="9" srcId="0" destId="4" srcOrd="3" destOrd="0"/>
+        <dgm:cxn modelId="10" srcId="0" destId="5" srcOrd="4" destOrd="0"/>
+      </dgm:cxnLst>
+      <dgm:bg/>
+      <dgm:whole/>
+    </dgm:dataModel>
+  </dgm:sampData>
+  <dgm:styleData>
+    <dgm:dataModel>
+      <dgm:ptLst>
+        <dgm:pt modelId="0" type="doc"/>
+        <dgm:pt modelId="1"/>
+        <dgm:pt modelId="2"/>
+        <dgm:pt modelId="3"/>
+      </dgm:ptLst>
+      <dgm:cxnLst>
+        <dgm:cxn modelId="4" srcId="0" destId="1" srcOrd="0" destOrd="0"/>
+        <dgm:cxn modelId="5" srcId="0" destId="2" srcOrd="1" destOrd="0"/>
+        <dgm:cxn modelId="6" srcId="0" destId="3" srcOrd="2" destOrd="0"/>
+      </dgm:cxnLst>
+      <dgm:bg/>
+      <dgm:whole/>
+    </dgm:dataModel>
+  </dgm:styleData>
+  <dgm:clrData>
+    <dgm:dataModel>
+      <dgm:ptLst>
+        <dgm:pt modelId="0" type="doc"/>
+        <dgm:pt modelId="1"/>
+        <dgm:pt modelId="2"/>
+        <dgm:pt modelId="3"/>
+        <dgm:pt modelId="4"/>
+        <dgm:pt modelId="5"/>
+        <dgm:pt modelId="6"/>
+      </dgm:ptLst>
+      <dgm:cxnLst>
+        <dgm:cxn modelId="7" srcId="0" destId="1" srcOrd="0" destOrd="0"/>
+        <dgm:cxn modelId="8" srcId="0" destId="2" srcOrd="1" destOrd="0"/>
+        <dgm:cxn modelId="9" srcId="0" destId="3" srcOrd="2" destOrd="0"/>
+        <dgm:cxn modelId="10" srcId="0" destId="4" srcOrd="3" destOrd="0"/>
+        <dgm:cxn modelId="11" srcId="0" destId="5" srcOrd="4" destOrd="0"/>
+        <dgm:cxn modelId="12" srcId="0" destId="6" srcOrd="5" destOrd="0"/>
+      </dgm:cxnLst>
+      <dgm:bg/>
+      <dgm:whole/>
+    </dgm:dataModel>
+  </dgm:clrData>
+  <dgm:layoutNode name="Name0">
+    <dgm:varLst>
+      <dgm:dir/>
+      <dgm:resizeHandles val="exact"/>
+    </dgm:varLst>
+    <dgm:choose name="Name1">
+      <dgm:if name="Name2" axis="ch" ptType="node" func="cnt" op="equ" val="2">
+        <dgm:alg type="composite">
+          <dgm:param type="ar" val="0.9"/>
+        </dgm:alg>
+        <dgm:shape xmlns:r="http://schemas.openxmlformats.org/officeDocument/2006/relationships" r:blip="">
+          <dgm:adjLst/>
+        </dgm:shape>
+        <dgm:presOf/>
+        <dgm:constrLst>
+          <dgm:constr type="primFontSz" for="ch" ptType="node" op="equ" val="65"/>
+          <dgm:constr type="ctrX" for="ch" forName="node1" refType="w" fact="0.5"/>
+          <dgm:constr type="t" for="ch" forName="node1"/>
+          <dgm:constr type="w" for="ch" forName="node1" refType="w" fact="0.8"/>
+          <dgm:constr type="h" for="ch" forName="node1" refType="w" refFor="ch" refForName="node1" fact="0.5"/>
+          <dgm:constr type="ctrX" for="ch" forName="sibTrans" refType="w" fact="0.5"/>
+          <dgm:constr type="t" for="ch" forName="sibTrans"/>
+          <dgm:constr type="w" for="ch" forName="sibTrans" refType="w" fact="0.8"/>
+          <dgm:constr type="h" for="ch" forName="sibTrans" refType="w" refFor="ch" refForName="node1" fact="0.5"/>
+          <dgm:constr type="userA" for="ch" forName="sibTrans" refType="w" fact="1.07"/>
+          <dgm:constr type="ctrX" for="ch" forName="node2" refType="w" fact="0.5"/>
+          <dgm:constr type="b" for="ch" forName="node2" refType="h"/>
+          <dgm:constr type="w" for="ch" forName="node2" refType="w" fact="0.8"/>
+          <dgm:constr type="h" for="ch" forName="node2" refType="w" refFor="ch" refForName="node1" fact="0.5"/>
+          <dgm:constr type="l" for="ch" forName="sp1"/>
+          <dgm:constr type="t" for="ch" forName="sp1" refType="h" fact="0.5"/>
+          <dgm:constr type="w" for="ch" forName="sp1" val="1"/>
+          <dgm:constr type="h" for="ch" forName="sp1" val="1"/>
+          <dgm:constr type="r" for="ch" forName="sp2" refType="w"/>
+          <dgm:constr type="t" for="ch" forName="sp2" refType="h" fact="0.5"/>
+          <dgm:constr type="w" for="ch" forName="sp2" val="1"/>
+          <dgm:constr type="h" for="ch" forName="sp2" val="1"/>
+        </dgm:constrLst>
+        <dgm:ruleLst/>
+      </dgm:if>
+      <dgm:else name="Name3">
+        <dgm:alg type="composite"/>
+        <dgm:shape xmlns:r="http://schemas.openxmlformats.org/officeDocument/2006/relationships" r:blip="">
+          <dgm:adjLst/>
+        </dgm:shape>
+        <dgm:presOf/>
+        <dgm:constrLst>
+          <dgm:constr type="primFontSz" for="ch" ptType="node" op="equ" val="65"/>
+        </dgm:constrLst>
+        <dgm:ruleLst/>
+      </dgm:else>
+    </dgm:choose>
+    <dgm:choose name="Name4">
+      <dgm:if name="Name5" axis="ch" ptType="node" func="cnt" op="equ" val="2">
+        <dgm:layoutNode name="node1">
+          <dgm:varLst>
+            <dgm:bulletEnabled val="1"/>
+          </dgm:varLst>
+          <dgm:alg type="tx"/>
+          <dgm:shape xmlns:r="http://schemas.openxmlformats.org/officeDocument/2006/relationships" type="roundRect" r:blip="">
+            <dgm:adjLst/>
+          </dgm:shape>
+          <dgm:presOf axis="ch desOrSelf" ptType="node node" st="1 1" cnt="1 0"/>
+          <dgm:constrLst>
+            <dgm:constr type="tMarg" refType="primFontSz" fact="0.3"/>
+            <dgm:constr type="bMarg" refType="primFontSz" fact="0.3"/>
+            <dgm:constr type="lMarg" refType="primFontSz" fact="0.3"/>
+            <dgm:constr type="rMarg" refType="primFontSz" fact="0.3"/>
+          </dgm:constrLst>
+          <dgm:ruleLst>
+            <dgm:rule type="primFontSz" val="5" fact="NaN" max="NaN"/>
+          </dgm:ruleLst>
+        </dgm:layoutNode>
+        <dgm:layoutNode name="sibTrans" styleLbl="bgShp">
+          <dgm:choose name="Name6">
+            <dgm:if name="Name7" func="var" arg="dir" op="equ" val="norm">
+              <dgm:alg type="conn">
+                <dgm:param type="connRout" val="longCurve"/>
+                <dgm:param type="begPts" val="midR"/>
+                <dgm:param type="endPts" val="midL"/>
+                <dgm:param type="dstNode" val="node1"/>
+              </dgm:alg>
+              <dgm:shape xmlns:r="http://schemas.openxmlformats.org/officeDocument/2006/relationships" type="conn" r:blip="" zOrderOff="-2">
+                <dgm:adjLst/>
+              </dgm:shape>
+              <dgm:presOf axis="ch" ptType="sibTrans"/>
+              <dgm:constrLst>
+                <dgm:constr type="userA"/>
+                <dgm:constr type="diam" refType="userA" fact="-1"/>
+                <dgm:constr type="wArH" refType="userA" fact="0.05"/>
+                <dgm:constr type="hArH" refType="userA" fact="0.1"/>
+                <dgm:constr type="stemThick" refType="userA" fact="0.06"/>
+                <dgm:constr type="begPad" refType="connDist" fact="-0.2"/>
+                <dgm:constr type="endPad" refType="connDist" fact="0.05"/>
+              </dgm:constrLst>
+            </dgm:if>
+            <dgm:else name="Name8">
+              <dgm:alg type="conn">
+                <dgm:param type="connRout" val="longCurve"/>
+                <dgm:param type="begPts" val="midL"/>
+                <dgm:param type="endPts" val="midR"/>
+                <dgm:param type="dstNode" val="node1"/>
+              </dgm:alg>
+              <dgm:shape xmlns:r="http://schemas.openxmlformats.org/officeDocument/2006/relationships" type="conn" r:blip="" zOrderOff="-2">
+                <dgm:adjLst/>
+              </dgm:shape>
+              <dgm:presOf axis="ch" ptType="sibTrans"/>
+              <dgm:constrLst>
+                <dgm:constr type="userA"/>
+                <dgm:constr type="diam" refType="userA"/>
+                <dgm:constr type="wArH" refType="userA" fact="0.05"/>
+                <dgm:constr type="hArH" refType="userA" fact="0.1"/>
+                <dgm:constr type="stemThick" refType="userA" fact="0.06"/>
+                <dgm:constr type="begPad" refType="connDist" fact="-0.2"/>
+                <dgm:constr type="endPad" refType="connDist" fact="0.05"/>
+              </dgm:constrLst>
+            </dgm:else>
+          </dgm:choose>
+          <dgm:ruleLst/>
+        </dgm:layoutNode>
+        <dgm:layoutNode name="node2">
+          <dgm:varLst>
+            <dgm:bulletEnabled val="1"/>
+          </dgm:varLst>
+          <dgm:alg type="tx"/>
+          <dgm:shape xmlns:r="http://schemas.openxmlformats.org/officeDocument/2006/relationships" type="roundRect" r:blip="">
+            <dgm:adjLst/>
+          </dgm:shape>
+          <dgm:presOf axis="ch desOrSelf" ptType="node node" st="2 1" cnt="1 0"/>
+          <dgm:constrLst>
+            <dgm:constr type="tMarg" refType="primFontSz" fact="0.3"/>
+            <dgm:constr type="bMarg" refType="primFontSz" fact="0.3"/>
+            <dgm:constr type="lMarg" refType="primFontSz" fact="0.3"/>
+            <dgm:constr type="rMarg" refType="primFontSz" fact="0.3"/>
+          </dgm:constrLst>
+          <dgm:ruleLst>
+            <dgm:rule type="primFontSz" val="5" fact="NaN" max="NaN"/>
+          </dgm:ruleLst>
+        </dgm:layoutNode>
+        <dgm:layoutNode name="sp1">
+          <dgm:alg type="sp"/>
+          <dgm:shape xmlns:r="http://schemas.openxmlformats.org/officeDocument/2006/relationships" r:blip="">
+            <dgm:adjLst/>
+          </dgm:shape>
+          <dgm:presOf/>
+          <dgm:constrLst/>
+          <dgm:ruleLst/>
+        </dgm:layoutNode>
+        <dgm:layoutNode name="sp2">
+          <dgm:alg type="sp"/>
+          <dgm:shape xmlns:r="http://schemas.openxmlformats.org/officeDocument/2006/relationships" r:blip="">
+            <dgm:adjLst/>
+          </dgm:shape>
+          <dgm:presOf/>
+          <dgm:constrLst/>
+          <dgm:ruleLst/>
+        </dgm:layoutNode>
+      </dgm:if>
+      <dgm:else name="Name9">
+        <dgm:layoutNode name="cycle">
+          <dgm:choose name="Name10">
+            <dgm:if name="Name11" func="var" arg="dir" op="equ" val="norm">
+              <dgm:alg type="cycle">
+                <dgm:param type="stAng" val="0"/>
+                <dgm:param type="spanAng" val="360"/>
+              </dgm:alg>
+              <dgm:shape xmlns:r="http://schemas.openxmlformats.org/officeDocument/2006/relationships" r:blip="">
+                <dgm:adjLst/>
+              </dgm:shape>
+              <dgm:presOf/>
+              <dgm:constrLst>
+                <dgm:constr type="diam" refType="w"/>
+                <dgm:constr type="w" for="ch" ptType="node" refType="w"/>
+                <dgm:constr type="sibSp" val="15"/>
+                <dgm:constr type="userA" for="ch" ptType="sibTrans" refType="diam" op="equ" fact="-1"/>
+                <dgm:constr type="wArH" for="ch" ptType="sibTrans" refType="diam" op="equ" fact="0.05"/>
+                <dgm:constr type="hArH" for="ch" ptType="sibTrans" refType="diam" op="equ" fact="0.1"/>
+                <dgm:constr type="stemThick" for="ch" ptType="sibTrans" refType="diam" op="equ" fact="0.065"/>
+                <dgm:constr type="primFontSz" for="ch" ptType="node" op="equ"/>
+              </dgm:constrLst>
+            </dgm:if>
+            <dgm:else name="Name12">
+              <dgm:alg type="cycle">
+                <dgm:param type="stAng" val="0"/>
+                <dgm:param type="spanAng" val="-360"/>
+              </dgm:alg>
+              <dgm:shape xmlns:r="http://schemas.openxmlformats.org/officeDocument/2006/relationships" r:blip="">
+                <dgm:adjLst/>
+              </dgm:shape>
+              <dgm:presOf/>
+              <dgm:constrLst>
+                <dgm:constr type="diam" refType="w"/>
+                <dgm:constr type="w" for="ch" ptType="node" refType="w"/>
+                <dgm:constr type="sibSp" val="15"/>
+                <dgm:constr type="userA" for="ch" ptType="sibTrans" refType="diam" op="equ"/>
+                <dgm:constr type="wArH" for="ch" ptType="sibTrans" refType="diam" op="equ" fact="0.05"/>
+                <dgm:constr type="hArH" for="ch" ptType="sibTrans" refType="diam" op="equ" fact="0.1"/>
+                <dgm:constr type="stemThick" for="ch" ptType="sibTrans" refType="diam" op="equ" fact="0.065"/>
+                <dgm:constr type="primFontSz" for="ch" ptType="node" op="equ"/>
+              </dgm:constrLst>
+            </dgm:else>
+          </dgm:choose>
+          <dgm:ruleLst/>
+          <dgm:forEach name="nodesFirstNodeForEach" axis="ch" ptType="node" cnt="1">
+            <dgm:layoutNode name="nodeFirstNode">
+              <dgm:varLst>
+                <dgm:bulletEnabled val="1"/>
+              </dgm:varLst>
+              <dgm:alg type="tx"/>
+              <dgm:shape xmlns:r="http://schemas.openxmlformats.org/officeDocument/2006/relationships" type="roundRect" r:blip="">
+                <dgm:adjLst/>
+              </dgm:shape>
+              <dgm:presOf axis="desOrSelf" ptType="node"/>
+              <dgm:constrLst>
+                <dgm:constr type="h" refType="w" fact="0.5"/>
+                <dgm:constr type="primFontSz" val="65"/>
+                <dgm:constr type="tMarg" refType="primFontSz" fact="0.3"/>
+                <dgm:constr type="bMarg" refType="primFontSz" fact="0.3"/>
+                <dgm:constr type="lMarg" refType="primFontSz" fact="0.3"/>
+                <dgm:constr type="rMarg" refType="primFontSz" fact="0.3"/>
+              </dgm:constrLst>
+              <dgm:ruleLst>
+                <dgm:rule type="primFontSz" val="5" fact="NaN" max="NaN"/>
+              </dgm:ruleLst>
+            </dgm:layoutNode>
+            <dgm:forEach name="sibTransForEach" axis="followSib" ptType="sibTrans" cnt="1">
+              <dgm:layoutNode name="sibTransFirstNode" styleLbl="bgShp">
+                <dgm:choose name="Name13">
+                  <dgm:if name="Name14" func="var" arg="dir" op="equ" val="norm">
+                    <dgm:alg type="conn">
+                      <dgm:param type="connRout" val="longCurve"/>
+                      <dgm:param type="begPts" val="midR"/>
+                      <dgm:param type="endPts" val="midL"/>
+                      <dgm:param type="dstNode" val="nodeFirstNode"/>
+                    </dgm:alg>
+                  </dgm:if>
+                  <dgm:else name="Name15">
+                    <dgm:alg type="conn">
+                      <dgm:param type="connRout" val="longCurve"/>
+                      <dgm:param type="begPts" val="midL"/>
+                      <dgm:param type="endPts" val="midR"/>
+                      <dgm:param type="dstNode" val="nodeFirstNode"/>
+                    </dgm:alg>
+                  </dgm:else>
+                </dgm:choose>
+                <dgm:shape xmlns:r="http://schemas.openxmlformats.org/officeDocument/2006/relationships" type="conn" r:blip="" zOrderOff="-2">
+                  <dgm:adjLst/>
+                </dgm:shape>
+                <dgm:presOf axis="self"/>
+                <dgm:choose name="Name16">
+                  <dgm:if name="Name17" axis="par ch" ptType="doc node" func="cnt" op="equ" val="3">
+                    <dgm:constrLst>
+                      <dgm:constr type="userA"/>
+                      <dgm:constr type="diam" refType="userA" fact="1.01"/>
+                      <dgm:constr type="begPad" refType="connDist" fact="-0.2"/>
+                      <dgm:constr type="endPad" refType="connDist" fact="0.05"/>
+                    </dgm:constrLst>
+                  </dgm:if>
+                  <dgm:if name="Name18" axis="par ch" ptType="doc node" func="cnt" op="equ" val="4">
+                    <dgm:constrLst>
+                      <dgm:constr type="userA"/>
+                      <dgm:constr type="diam" refType="userA" fact="1.26"/>
+                      <dgm:constr type="begPad" refType="connDist" fact="-0.2"/>
+                      <dgm:constr type="endPad" refType="connDist" fact="0.05"/>
+                    </dgm:constrLst>
+                  </dgm:if>
+                  <dgm:if name="Name19" axis="par ch" ptType="doc node" func="cnt" op="equ" val="5">
+                    <dgm:constrLst>
+                      <dgm:constr type="userA"/>
+                      <dgm:constr type="diam" refType="userA" fact="1.04"/>
+                      <dgm:constr type="begPad" refType="connDist" fact="-0.2"/>
+                      <dgm:constr type="endPad" refType="connDist" fact="0.05"/>
+                    </dgm:constrLst>
+                  </dgm:if>
+                  <dgm:if name="Name20" axis="par ch" ptType="doc node" func="cnt" op="equ" val="6">
+                    <dgm:constrLst>
+                      <dgm:constr type="userA"/>
+                      <dgm:constr type="diam" refType="userA" fact="1.1"/>
+                      <dgm:constr type="begPad" refType="connDist" fact="-0.2"/>
+                      <dgm:constr type="endPad" refType="connDist" fact="0.05"/>
+                    </dgm:constrLst>
+                  </dgm:if>
+                  <dgm:else name="Name21">
+                    <dgm:constrLst>
+                      <dgm:constr type="userA"/>
+                      <dgm:constr type="diam" refType="userA" fact="1.04"/>
+                      <dgm:constr type="begPad" refType="connDist" fact="-0.2"/>
+                      <dgm:constr type="endPad" refType="connDist" fact="0.05"/>
+                    </dgm:constrLst>
+                  </dgm:else>
+                </dgm:choose>
+                <dgm:ruleLst/>
+              </dgm:layoutNode>
+            </dgm:forEach>
+          </dgm:forEach>
+          <dgm:forEach name="followingNodesForEach" axis="ch" ptType="node" st="2">
+            <dgm:layoutNode name="nodeFollowingNodes">
+              <dgm:varLst>
+                <dgm:bulletEnabled val="1"/>
+              </dgm:varLst>
+              <dgm:alg type="tx"/>
+              <dgm:shape xmlns:r="http://schemas.openxmlformats.org/officeDocument/2006/relationships" type="roundRect" r:blip="">
+                <dgm:adjLst/>
+              </dgm:shape>
+              <dgm:presOf axis="desOrSelf" ptType="node"/>
+              <dgm:constrLst>
+                <dgm:constr type="h" refType="w" fact="0.5"/>
+                <dgm:constr type="primFontSz" val="65"/>
+                <dgm:constr type="tMarg" refType="primFontSz" fact="0.3"/>
+                <dgm:constr type="bMarg" refType="primFontSz" fact="0.3"/>
+                <dgm:constr type="lMarg" refType="primFontSz" fact="0.3"/>
+                <dgm:constr type="rMarg" refType="primFontSz" fact="0.3"/>
+              </dgm:constrLst>
+              <dgm:ruleLst>
+                <dgm:rule type="primFontSz" val="5" fact="NaN" max="NaN"/>
+              </dgm:ruleLst>
+            </dgm:layoutNode>
+          </dgm:forEach>
+        </dgm:layoutNode>
+      </dgm:else>
+    </dgm:choose>
+  </dgm:layoutNode>
+</dgm:layoutDef>
+</file>
+
 <file path=ppt/diagrams/quickStyle1.xml><?xml version="1.0" encoding="utf-8"?>
+<dgm:styleDef xmlns:dgm="http://schemas.openxmlformats.org/drawingml/2006/diagram" xmlns:a="http://schemas.openxmlformats.org/drawingml/2006/main" uniqueId="urn:microsoft.com/office/officeart/2005/8/quickstyle/simple1">
+  <dgm:title val=""/>
+  <dgm:desc val=""/>
+  <dgm:catLst>
+    <dgm:cat type="simple" pri="10100"/>
+  </dgm:catLst>
+  <dgm:scene3d>
+    <a:camera prst="orthographicFront"/>
+    <a:lightRig rig="threePt" dir="t"/>
+  </dgm:scene3d>
+  <dgm:styleLbl name="node0">
+    <dgm:scene3d>
+      <a:camera prst="orthographicFront"/>
+      <a:lightRig rig="threePt" dir="t"/>
+    </dgm:scene3d>
+    <dgm:sp3d/>
+    <dgm:txPr/>
+    <dgm:style>
+      <a:lnRef idx="2">
+        <a:scrgbClr r="0" g="0" b="0"/>
+      </a:lnRef>
+      <a:fillRef idx="1">
+        <a:scrgbClr r="0" g="0" b="0"/>
+      </a:fillRef>
+      <a:effectRef idx="0">
+        <a:scrgbClr r="0" g="0" b="0"/>
+      </a:effectRef>
+      <a:fontRef idx="minor">
+        <a:schemeClr val="lt1"/>
+      </a:fontRef>
+    </dgm:style>
+  </dgm:styleLbl>
+  <dgm:styleLbl name="lnNode1">
+    <dgm:scene3d>
+      <a:camera prst="orthographicFront"/>
+      <a:lightRig rig="threePt" dir="t"/>
+    </dgm:scene3d>
+    <dgm:sp3d/>
+    <dgm:txPr/>
+    <dgm:style>
+      <a:lnRef idx="2">
+        <a:scrgbClr r="0" g="0" b="0"/>
+      </a:lnRef>
+      <a:fillRef idx="1">
+        <a:scrgbClr r="0" g="0" b="0"/>
+      </a:fillRef>
+      <a:effectRef idx="0">
+        <a:scrgbClr r="0" g="0" b="0"/>
+      </a:effectRef>
+      <a:fontRef idx="minor">
+        <a:schemeClr val="lt1"/>
+      </a:fontRef>
+    </dgm:style>
+  </dgm:styleLbl>
+  <dgm:styleLbl name="vennNode1">
+    <dgm:scene3d>
+      <a:camera prst="orthographicFront"/>
+      <a:lightRig rig="threePt" dir="t"/>
+    </dgm:scene3d>
+    <dgm:sp3d/>
+    <dgm:txPr/>
+    <dgm:style>
+      <a:lnRef idx="2">
+        <a:scrgbClr r="0" g="0" b="0"/>
+      </a:lnRef>
+      <a:fillRef idx="1">
+        <a:scrgbClr r="0" g="0" b="0"/>
+      </a:fillRef>
+      <a:effectRef idx="0">
+        <a:scrgbClr r="0" g="0" b="0"/>
+      </a:effectRef>
+      <a:fontRef idx="minor">
+        <a:schemeClr val="tx1"/>
+      </a:fontRef>
+    </dgm:style>
+  </dgm:styleLbl>
+  <dgm:styleLbl name="alignNode1">
+    <dgm:scene3d>
+      <a:camera prst="orthographicFront"/>
+      <a:lightRig rig="threePt" dir="t"/>
+    </dgm:scene3d>
+    <dgm:sp3d/>
+    <dgm:txPr/>
+    <dgm:style>
+      <a:lnRef idx="2">
+        <a:scrgbClr r="0" g="0" b="0"/>
+      </a:lnRef>
+      <a:fillRef idx="1">
+        <a:scrgbClr r="0" g="0" b="0"/>
+      </a:fillRef>
+      <a:effectRef idx="0">
+        <a:scrgbClr r="0" g="0" b="0"/>
+      </a:effectRef>
+      <a:fontRef idx="minor">
+        <a:schemeClr val="lt1"/>
+      </a:fontRef>
+    </dgm:style>
+  </dgm:styleLbl>
+  <dgm:styleLbl name="node1">
+    <dgm:scene3d>
+      <a:camera prst="orthographicFront"/>
+      <a:lightRig rig="threePt" dir="t"/>
+    </dgm:scene3d>
+    <dgm:sp3d/>
+    <dgm:txPr/>
+    <dgm:style>
+      <a:lnRef idx="2">
+        <a:scrgbClr r="0" g="0" b="0"/>
+      </a:lnRef>
+      <a:fillRef idx="1">
+        <a:scrgbClr r="0" g="0" b="0"/>
+      </a:fillRef>
+      <a:effectRef idx="0">
+        <a:scrgbClr r="0" g="0" b="0"/>
+      </a:effectRef>
+      <a:fontRef idx="minor">
+        <a:schemeClr val="lt1"/>
+      </a:fontRef>
+    </dgm:style>
+  </dgm:styleLbl>
+  <dgm:styleLbl name="node2">
+    <dgm:scene3d>
+      <a:camera prst="orthographicFront"/>
+      <a:lightRig rig="threePt" dir="t"/>
+    </dgm:scene3d>
+    <dgm:sp3d/>
+    <dgm:txPr/>
+    <dgm:style>
+      <a:lnRef idx="2">
+        <a:scrgbClr r="0" g="0" b="0"/>
+      </a:lnRef>
+      <a:fillRef idx="1">
+        <a:scrgbClr r="0" g="0" b="0"/>
+      </a:fillRef>
+      <a:effectRef idx="0">
+        <a:scrgbClr r="0" g="0" b="0"/>
+      </a:effectRef>
+      <a:fontRef idx="minor">
+        <a:schemeClr val="lt1"/>
+      </a:fontRef>
+    </dgm:style>
+  </dgm:styleLbl>
+  <dgm:styleLbl name="node3">
+    <dgm:scene3d>
+      <a:camera prst="orthographicFront"/>
+      <a:lightRig rig="threePt" dir="t"/>
+    </dgm:scene3d>
+    <dgm:sp3d/>
+    <dgm:txPr/>
+    <dgm:style>
+      <a:lnRef idx="2">
+        <a:scrgbClr r="0" g="0" b="0"/>
+      </a:lnRef>
+      <a:fillRef idx="1">
+        <a:scrgbClr r="0" g="0" b="0"/>
+      </a:fillRef>
+      <a:effectRef idx="0">
+        <a:scrgbClr r="0" g="0" b="0"/>
+      </a:effectRef>
+      <a:fontRef idx="minor">
+        <a:schemeClr val="lt1"/>
+      </a:fontRef>
+    </dgm:style>
+  </dgm:styleLbl>
+  <dgm:styleLbl name="node4">
+    <dgm:scene3d>
+      <a:camera prst="orthographicFront"/>
+      <a:lightRig rig="threePt" dir="t"/>
+    </dgm:scene3d>
+    <dgm:sp3d/>
+    <dgm:txPr/>
+    <dgm:style>
+      <a:lnRef idx="2">
+        <a:scrgbClr r="0" g="0" b="0"/>
+      </a:lnRef>
+      <a:fillRef idx="1">
+        <a:scrgbClr r="0" g="0" b="0"/>
+      </a:fillRef>
+      <a:effectRef idx="0">
+        <a:scrgbClr r="0" g="0" b="0"/>
+      </a:effectRef>
+      <a:fontRef idx="minor">
+        <a:schemeClr val="lt1"/>
+      </a:fontRef>
+    </dgm:style>
+  </dgm:styleLbl>
+  <dgm:styleLbl name="fgImgPlace1">
+    <dgm:scene3d>
+      <a:camera prst="orthographicFront"/>
+      <a:lightRig rig="threePt" dir="t"/>
+    </dgm:scene3d>
+    <dgm:sp3d/>
+    <dgm:txPr/>
+    <dgm:style>
+      <a:lnRef idx="2">
+        <a:scrgbClr r="0" g="0" b="0"/>
+      </a:lnRef>
+      <a:fillRef idx="1">
+        <a:scrgbClr r="0" g="0" b="0"/>
+      </a:fillRef>
+      <a:effectRef idx="0">
+        <a:scrgbClr r="0" g="0" b="0"/>
+      </a:effectRef>
+      <a:fontRef idx="minor"/>
+    </dgm:style>
+  </dgm:styleLbl>
+  <dgm:styleLbl name="alignImgPlace1">
+    <dgm:scene3d>
+      <a:camera prst="orthographicFront"/>
+      <a:lightRig rig="threePt" dir="t"/>
+    </dgm:scene3d>
+    <dgm:sp3d/>
+    <dgm:txPr/>
+    <dgm:style>
+      <a:lnRef idx="2">
+        <a:scrgbClr r="0" g="0" b="0"/>
+      </a:lnRef>
+      <a:fillRef idx="1">
+        <a:scrgbClr r="0" g="0" b="0"/>
+      </a:fillRef>
+      <a:effectRef idx="0">
+        <a:scrgbClr r="0" g="0" b="0"/>
+      </a:effectRef>
+      <a:fontRef idx="minor"/>
+    </dgm:style>
+  </dgm:styleLbl>
+  <dgm:styleLbl name="bgImgPlace1">
+    <dgm:scene3d>
+      <a:camera prst="orthographicFront"/>
+      <a:lightRig rig="threePt" dir="t"/>
+    </dgm:scene3d>
+    <dgm:sp3d/>
+    <dgm:txPr/>
+    <dgm:style>
+      <a:lnRef idx="2">
+        <a:scrgbClr r="0" g="0" b="0"/>
+      </a:lnRef>
+      <a:fillRef idx="1">
+        <a:scrgbClr r="0" g="0" b="0"/>
+      </a:fillRef>
+      <a:effectRef idx="0">
+        <a:scrgbClr r="0" g="0" b="0"/>
+      </a:effectRef>
+      <a:fontRef idx="minor"/>
+    </dgm:style>
+  </dgm:styleLbl>
+  <dgm:styleLbl name="sibTrans2D1">
+    <dgm:scene3d>
+      <a:camera prst="orthographicFront"/>
+      <a:lightRig rig="threePt" dir="t"/>
+    </dgm:scene3d>
+    <dgm:sp3d/>
+    <dgm:txPr/>
+    <dgm:style>
+      <a:lnRef idx="0">
+        <a:scrgbClr r="0" g="0" b="0"/>
+      </a:lnRef>
+      <a:fillRef idx="1">
+        <a:scrgbClr r="0" g="0" b="0"/>
+      </a:fillRef>
+      <a:effectRef idx="0">
+        <a:scrgbClr r="0" g="0" b="0"/>
+      </a:effectRef>
+      <a:fontRef idx="minor">
+        <a:schemeClr val="lt1"/>
+      </a:fontRef>
+    </dgm:style>
+  </dgm:styleLbl>
+  <dgm:styleLbl name="fgSibTrans2D1">
+    <dgm:scene3d>
+      <a:camera prst="orthographicFront"/>
+      <a:lightRig rig="threePt" dir="t"/>
+    </dgm:scene3d>
+    <dgm:sp3d/>
+    <dgm:txPr/>
+    <dgm:style>
+      <a:lnRef idx="0">
+        <a:scrgbClr r="0" g="0" b="0"/>
+      </a:lnRef>
+      <a:fillRef idx="1">
+        <a:scrgbClr r="0" g="0" b="0"/>
+      </a:fillRef>
+      <a:effectRef idx="0">
+        <a:scrgbClr r="0" g="0" b="0"/>
+      </a:effectRef>
+      <a:fontRef idx="minor">
+        <a:schemeClr val="lt1"/>
+      </a:fontRef>
+    </dgm:style>
+  </dgm:styleLbl>
+  <dgm:styleLbl name="bgSibTrans2D1">
+    <dgm:scene3d>
+      <a:camera prst="orthographicFront"/>
+      <a:lightRig rig="threePt" dir="t"/>
+    </dgm:scene3d>
+    <dgm:sp3d/>
+    <dgm:txPr/>
+    <dgm:style>
+      <a:lnRef idx="0">
+        <a:scrgbClr r="0" g="0" b="0"/>
+      </a:lnRef>
+      <a:fillRef idx="1">
+        <a:scrgbClr r="0" g="0" b="0"/>
+      </a:fillRef>
+      <a:effectRef idx="0">
+        <a:scrgbClr r="0" g="0" b="0"/>
+      </a:effectRef>
+      <a:fontRef idx="minor">
+        <a:schemeClr val="lt1"/>
+      </a:fontRef>
+    </dgm:style>
+  </dgm:styleLbl>
+  <dgm:styleLbl name="sibTrans1D1">
+    <dgm:scene3d>
+      <a:camera prst="orthographicFront"/>
+      <a:lightRig rig="threePt" dir="t"/>
+    </dgm:scene3d>
+    <dgm:sp3d/>
+    <dgm:txPr/>
+    <dgm:style>
+      <a:lnRef idx="1">
+        <a:scrgbClr r="0" g="0" b="0"/>
+      </a:lnRef>
+      <a:fillRef idx="0">
+        <a:scrgbClr r="0" g="0" b="0"/>
+      </a:fillRef>
+      <a:effectRef idx="0">
+        <a:scrgbClr r="0" g="0" b="0"/>
+      </a:effectRef>
+      <a:fontRef idx="minor"/>
+    </dgm:style>
+  </dgm:styleLbl>
+  <dgm:styleLbl name="callout">
+    <dgm:scene3d>
+      <a:camera prst="orthographicFront"/>
+      <a:lightRig rig="threePt" dir="t"/>
+    </dgm:scene3d>
+    <dgm:sp3d/>
+    <dgm:txPr/>
+    <dgm:style>
+      <a:lnRef idx="2">
+        <a:scrgbClr r="0" g="0" b="0"/>
+      </a:lnRef>
+      <a:fillRef idx="1">
+        <a:scrgbClr r="0" g="0" b="0"/>
+      </a:fillRef>
+      <a:effectRef idx="0">
+        <a:scrgbClr r="0" g="0" b="0"/>
+      </a:effectRef>
+      <a:fontRef idx="minor"/>
+    </dgm:style>
+  </dgm:styleLbl>
+  <dgm:styleLbl name="asst0">
+    <dgm:scene3d>
+      <a:camera prst="orthographicFront"/>
+      <a:lightRig rig="threePt" dir="t"/>
+    </dgm:scene3d>
+    <dgm:sp3d/>
+    <dgm:txPr/>
+    <dgm:style>
+      <a:lnRef idx="2">
+        <a:scrgbClr r="0" g="0" b="0"/>
+      </a:lnRef>
+      <a:fillRef idx="1">
+        <a:scrgbClr r="0" g="0" b="0"/>
+      </a:fillRef>
+      <a:effectRef idx="0">
+        <a:scrgbClr r="0" g="0" b="0"/>
+      </a:effectRef>
+      <a:fontRef idx="minor">
+        <a:schemeClr val="lt1"/>
+      </a:fontRef>
+    </dgm:style>
+  </dgm:styleLbl>
+  <dgm:styleLbl name="asst1">
+    <dgm:scene3d>
+      <a:camera prst="orthographicFront"/>
+      <a:lightRig rig="threePt" dir="t"/>
+    </dgm:scene3d>
+    <dgm:sp3d/>
+    <dgm:txPr/>
+    <dgm:style>
+      <a:lnRef idx="2">
+        <a:scrgbClr r="0" g="0" b="0"/>
+      </a:lnRef>
+      <a:fillRef idx="1">
+        <a:scrgbClr r="0" g="0" b="0"/>
+      </a:fillRef>
+      <a:effectRef idx="0">
+        <a:scrgbClr r="0" g="0" b="0"/>
+      </a:effectRef>
+      <a:fontRef idx="minor">
+        <a:schemeClr val="lt1"/>
+      </a:fontRef>
+    </dgm:style>
+  </dgm:styleLbl>
+  <dgm:styleLbl name="asst2">
+    <dgm:scene3d>
+      <a:camera prst="orthographicFront"/>
+      <a:lightRig rig="threePt" dir="t"/>
+    </dgm:scene3d>
+    <dgm:sp3d/>
+    <dgm:txPr/>
+    <dgm:style>
+      <a:lnRef idx="2">
+        <a:scrgbClr r="0" g="0" b="0"/>
+      </a:lnRef>
+      <a:fillRef idx="1">
+        <a:scrgbClr r="0" g="0" b="0"/>
+      </a:fillRef>
+      <a:effectRef idx="0">
+        <a:scrgbClr r="0" g="0" b="0"/>
+      </a:effectRef>
+      <a:fontRef idx="minor">
+        <a:schemeClr val="lt1"/>
+      </a:fontRef>
+    </dgm:style>
+  </dgm:styleLbl>
+  <dgm:styleLbl name="asst3">
+    <dgm:scene3d>
+      <a:camera prst="orthographicFront"/>
+      <a:lightRig rig="threePt" dir="t"/>
+    </dgm:scene3d>
+    <dgm:sp3d/>
+    <dgm:txPr/>
+    <dgm:style>
+      <a:lnRef idx="2">
+        <a:scrgbClr r="0" g="0" b="0"/>
+      </a:lnRef>
+      <a:fillRef idx="1">
+        <a:scrgbClr r="0" g="0" b="0"/>
+      </a:fillRef>
+      <a:effectRef idx="0">
+        <a:scrgbClr r="0" g="0" b="0"/>
+      </a:effectRef>
+      <a:fontRef idx="minor">
+        <a:schemeClr val="lt1"/>
+      </a:fontRef>
+    </dgm:style>
+  </dgm:styleLbl>
+  <dgm:styleLbl name="asst4">
+    <dgm:scene3d>
+      <a:camera prst="orthographicFront"/>
+      <a:lightRig rig="threePt" dir="t"/>
+    </dgm:scene3d>
+    <dgm:sp3d/>
+    <dgm:txPr/>
+    <dgm:style>
+      <a:lnRef idx="2">
+        <a:scrgbClr r="0" g="0" b="0"/>
+      </a:lnRef>
+      <a:fillRef idx="1">
+        <a:scrgbClr r="0" g="0" b="0"/>
+      </a:fillRef>
+      <a:effectRef idx="0">
+        <a:scrgbClr r="0" g="0" b="0"/>
+      </a:effectRef>
+      <a:fontRef idx="minor">
+        <a:schemeClr val="lt1"/>
+      </a:fontRef>
+    </dgm:style>
+  </dgm:styleLbl>
+  <dgm:styleLbl name="parChTrans2D1">
+    <dgm:scene3d>
+      <a:camera prst="orthographicFront"/>
+      <a:lightRig rig="threePt" dir="t"/>
+    </dgm:scene3d>
+    <dgm:sp3d/>
+    <dgm:txPr/>
+    <dgm:style>
+      <a:lnRef idx="2">
+        <a:scrgbClr r="0" g="0" b="0"/>
+      </a:lnRef>
+      <a:fillRef idx="1">
+        <a:scrgbClr r="0" g="0" b="0"/>
+      </a:fillRef>
+      <a:effectRef idx="0">
+        <a:scrgbClr r="0" g="0" b="0"/>
+      </a:effectRef>
+      <a:fontRef idx="minor">
+        <a:schemeClr val="lt1"/>
+      </a:fontRef>
+    </dgm:style>
+  </dgm:styleLbl>
+  <dgm:styleLbl name="parChTrans2D2">
+    <dgm:scene3d>
+      <a:camera prst="orthographicFront"/>
+      <a:lightRig rig="threePt" dir="t"/>
+    </dgm:scene3d>
+    <dgm:sp3d/>
+    <dgm:txPr/>
+    <dgm:style>
+      <a:lnRef idx="2">
+        <a:scrgbClr r="0" g="0" b="0"/>
+      </a:lnRef>
+      <a:fillRef idx="1">
+        <a:scrgbClr r="0" g="0" b="0"/>
+      </a:fillRef>
+      <a:effectRef idx="0">
+        <a:scrgbClr r="0" g="0" b="0"/>
+      </a:effectRef>
+      <a:fontRef idx="minor">
+        <a:schemeClr val="lt1"/>
+      </a:fontRef>
+    </dgm:style>
+  </dgm:styleLbl>
+  <dgm:styleLbl name="parChTrans2D3">
+    <dgm:scene3d>
+      <a:camera prst="orthographicFront"/>
+      <a:lightRig rig="threePt" dir="t"/>
+    </dgm:scene3d>
+    <dgm:sp3d/>
+    <dgm:txPr/>
+    <dgm:style>
+      <a:lnRef idx="2">
+        <a:scrgbClr r="0" g="0" b="0"/>
+      </a:lnRef>
+      <a:fillRef idx="1">
+        <a:scrgbClr r="0" g="0" b="0"/>
+      </a:fillRef>
+      <a:effectRef idx="0">
+        <a:scrgbClr r="0" g="0" b="0"/>
+      </a:effectRef>
+      <a:fontRef idx="minor">
+        <a:schemeClr val="lt1"/>
+      </a:fontRef>
+    </dgm:style>
+  </dgm:styleLbl>
+  <dgm:styleLbl name="parChTrans2D4">
+    <dgm:scene3d>
+      <a:camera prst="orthographicFront"/>
+      <a:lightRig rig="threePt" dir="t"/>
+    </dgm:scene3d>
+    <dgm:sp3d/>
+    <dgm:txPr/>
+    <dgm:style>
+      <a:lnRef idx="2">
+        <a:scrgbClr r="0" g="0" b="0"/>
+      </a:lnRef>
+      <a:fillRef idx="1">
+        <a:scrgbClr r="0" g="0" b="0"/>
+      </a:fillRef>
+      <a:effectRef idx="0">
+        <a:scrgbClr r="0" g="0" b="0"/>
+      </a:effectRef>
+      <a:fontRef idx="minor">
+        <a:schemeClr val="lt1"/>
+      </a:fontRef>
+    </dgm:style>
+  </dgm:styleLbl>
+  <dgm:styleLbl name="parChTrans1D1">
+    <dgm:scene3d>
+      <a:camera prst="orthographicFront"/>
+      <a:lightRig rig="threePt" dir="t"/>
+    </dgm:scene3d>
+    <dgm:sp3d/>
+    <dgm:txPr/>
+    <dgm:style>
+      <a:lnRef idx="2">
+        <a:scrgbClr r="0" g="0" b="0"/>
+      </a:lnRef>
+      <a:fillRef idx="0">
+        <a:scrgbClr r="0" g="0" b="0"/>
+      </a:fillRef>
+      <a:effectRef idx="0">
+        <a:scrgbClr r="0" g="0" b="0"/>
+      </a:effectRef>
+      <a:fontRef idx="minor"/>
+    </dgm:style>
+  </dgm:styleLbl>
+  <dgm:styleLbl name="parChTrans1D2">
+    <dgm:scene3d>
+      <a:camera prst="orthographicFront"/>
+      <a:lightRig rig="threePt" dir="t"/>
+    </dgm:scene3d>
+    <dgm:sp3d/>
+    <dgm:txPr/>
+    <dgm:style>
+      <a:lnRef idx="2">
+        <a:scrgbClr r="0" g="0" b="0"/>
+      </a:lnRef>
+      <a:fillRef idx="0">
+        <a:scrgbClr r="0" g="0" b="0"/>
+      </a:fillRef>
+      <a:effectRef idx="0">
+        <a:scrgbClr r="0" g="0" b="0"/>
+      </a:effectRef>
+      <a:fontRef idx="minor"/>
+    </dgm:style>
+  </dgm:styleLbl>
+  <dgm:styleLbl name="parChTrans1D3">
+    <dgm:scene3d>
+      <a:camera prst="orthographicFront"/>
+      <a:lightRig rig="threePt" dir="t"/>
+    </dgm:scene3d>
+    <dgm:sp3d/>
+    <dgm:txPr/>
+    <dgm:style>
+      <a:lnRef idx="2">
+        <a:scrgbClr r="0" g="0" b="0"/>
+      </a:lnRef>
+      <a:fillRef idx="0">
+        <a:scrgbClr r="0" g="0" b="0"/>
+      </a:fillRef>
+      <a:effectRef idx="0">
+        <a:scrgbClr r="0" g="0" b="0"/>
+      </a:effectRef>
+      <a:fontRef idx="minor"/>
+    </dgm:style>
+  </dgm:styleLbl>
+  <dgm:styleLbl name="parChTrans1D4">
+    <dgm:scene3d>
+      <a:camera prst="orthographicFront"/>
+      <a:lightRig rig="threePt" dir="t"/>
+    </dgm:scene3d>
+    <dgm:sp3d/>
+    <dgm:txPr/>
+    <dgm:style>
+      <a:lnRef idx="2">
+        <a:scrgbClr r="0" g="0" b="0"/>
+      </a:lnRef>
+      <a:fillRef idx="0">
+        <a:scrgbClr r="0" g="0" b="0"/>
+      </a:fillRef>
+      <a:effectRef idx="0">
+        <a:scrgbClr r="0" g="0" b="0"/>
+      </a:effectRef>
+      <a:fontRef idx="minor"/>
+    </dgm:style>
+  </dgm:styleLbl>
+  <dgm:styleLbl name="fgAcc1">
+    <dgm:scene3d>
+      <a:camera prst="orthographicFront"/>
+      <a:lightRig rig="threePt" dir="t"/>
+    </dgm:scene3d>
+    <dgm:sp3d/>
+    <dgm:txPr/>
+    <dgm:style>
+      <a:lnRef idx="2">
+        <a:scrgbClr r="0" g="0" b="0"/>
+      </a:lnRef>
+      <a:fillRef idx="1">
+        <a:scrgbClr r="0" g="0" b="0"/>
+      </a:fillRef>
+      <a:effectRef idx="0">
+        <a:scrgbClr r="0" g="0" b="0"/>
+      </a:effectRef>
+      <a:fontRef idx="minor"/>
+    </dgm:style>
+  </dgm:styleLbl>
+  <dgm:styleLbl name="conFgAcc1">
+    <dgm:scene3d>
+      <a:camera prst="orthographicFront"/>
+      <a:lightRig rig="threePt" dir="t"/>
+    </dgm:scene3d>
+    <dgm:sp3d/>
+    <dgm:txPr/>
+    <dgm:style>
+      <a:lnRef idx="2">
+        <a:scrgbClr r="0" g="0" b="0"/>
+      </a:lnRef>
+      <a:fillRef idx="1">
+        <a:scrgbClr r="0" g="0" b="0"/>
+      </a:fillRef>
+      <a:effectRef idx="0">
+        <a:scrgbClr r="0" g="0" b="0"/>
+      </a:effectRef>
+      <a:fontRef idx="minor"/>
+    </dgm:style>
+  </dgm:styleLbl>
+  <dgm:styleLbl name="alignAcc1">
+    <dgm:scene3d>
+      <a:camera prst="orthographicFront"/>
+      <a:lightRig rig="threePt" dir="t"/>
+    </dgm:scene3d>
+    <dgm:sp3d/>
+    <dgm:txPr/>
+    <dgm:style>
+      <a:lnRef idx="2">
+        <a:scrgbClr r="0" g="0" b="0"/>
+      </a:lnRef>
+      <a:fillRef idx="1">
+        <a:scrgbClr r="0" g="0" b="0"/>
+      </a:fillRef>
+      <a:effectRef idx="0">
+        <a:scrgbClr r="0" g="0" b="0"/>
+      </a:effectRef>
+      <a:fontRef idx="minor"/>
+    </dgm:style>
+  </dgm:styleLbl>
+  <dgm:styleLbl name="trAlignAcc1">
+    <dgm:scene3d>
+      <a:camera prst="orthographicFront"/>
+      <a:lightRig rig="threePt" dir="t"/>
+    </dgm:scene3d>
+    <dgm:sp3d/>
+    <dgm:txPr/>
+    <dgm:style>
+      <a:lnRef idx="1">
+        <a:scrgbClr r="0" g="0" b="0"/>
+      </a:lnRef>
+      <a:fillRef idx="1">
+        <a:scrgbClr r="0" g="0" b="0"/>
+      </a:fillRef>
+      <a:effectRef idx="0">
+        <a:scrgbClr r="0" g="0" b="0"/>
+      </a:effectRef>
+      <a:fontRef idx="minor"/>
+    </dgm:style>
+  </dgm:styleLbl>
+  <dgm:styleLbl name="bgAcc1">
+    <dgm:scene3d>
+      <a:camera prst="orthographicFront"/>
+      <a:lightRig rig="threePt" dir="t"/>
+    </dgm:scene3d>
+    <dgm:sp3d/>
+    <dgm:txPr/>
+    <dgm:style>
+      <a:lnRef idx="2">
+        <a:scrgbClr r="0" g="0" b="0"/>
+      </a:lnRef>
+      <a:fillRef idx="1">
+        <a:scrgbClr r="0" g="0" b="0"/>
+      </a:fillRef>
+      <a:effectRef idx="0">
+        <a:scrgbClr r="0" g="0" b="0"/>
+      </a:effectRef>
+      <a:fontRef idx="minor"/>
+    </dgm:style>
+  </dgm:styleLbl>
+  <dgm:styleLbl name="solidFgAcc1">
+    <dgm:scene3d>
+      <a:camera prst="orthographicFront"/>
+      <a:lightRig rig="threePt" dir="t"/>
+    </dgm:scene3d>
+    <dgm:sp3d/>
+    <dgm:txPr/>
+    <dgm:style>
+      <a:lnRef idx="2">
+        <a:scrgbClr r="0" g="0" b="0"/>
+      </a:lnRef>
+      <a:fillRef idx="1">
+        <a:scrgbClr r="0" g="0" b="0"/>
+      </a:fillRef>
+      <a:effectRef idx="0">
+        <a:scrgbClr r="0" g="0" b="0"/>
+      </a:effectRef>
+      <a:fontRef idx="minor"/>
+    </dgm:style>
+  </dgm:styleLbl>
+  <dgm:styleLbl name="solidAlignAcc1">
+    <dgm:scene3d>
+      <a:camera prst="orthographicFront"/>
+      <a:lightRig rig="threePt" dir="t"/>
+    </dgm:scene3d>
+    <dgm:sp3d/>
+    <dgm:txPr/>
+    <dgm:style>
+      <a:lnRef idx="2">
+        <a:scrgbClr r="0" g="0" b="0"/>
+      </a:lnRef>
+      <a:fillRef idx="1">
+        <a:scrgbClr r="0" g="0" b="0"/>
+      </a:fillRef>
+      <a:effectRef idx="0">
+        <a:scrgbClr r="0" g="0" b="0"/>
+      </a:effectRef>
+      <a:fontRef idx="minor"/>
+    </dgm:style>
+  </dgm:styleLbl>
+  <dgm:styleLbl name="solidBgAcc1">
+    <dgm:scene3d>
+      <a:camera prst="orthographicFront"/>
+      <a:lightRig rig="threePt" dir="t"/>
+    </dgm:scene3d>
+    <dgm:sp3d/>
+    <dgm:txPr/>
+    <dgm:style>
+      <a:lnRef idx="2">
+        <a:scrgbClr r="0" g="0" b="0"/>
+      </a:lnRef>
+      <a:fillRef idx="1">
+        <a:scrgbClr r="0" g="0" b="0"/>
+      </a:fillRef>
+      <a:effectRef idx="0">
+        <a:scrgbClr r="0" g="0" b="0"/>
+      </a:effectRef>
+      <a:fontRef idx="minor"/>
+    </dgm:style>
+  </dgm:styleLbl>
+  <dgm:styleLbl name="fgAccFollowNode1">
+    <dgm:scene3d>
+      <a:camera prst="orthographicFront"/>
+      <a:lightRig rig="threePt" dir="t"/>
+    </dgm:scene3d>
+    <dgm:sp3d/>
+    <dgm:txPr/>
+    <dgm:style>
+      <a:lnRef idx="2">
+        <a:scrgbClr r="0" g="0" b="0"/>
+      </a:lnRef>
+      <a:fillRef idx="1">
+        <a:scrgbClr r="0" g="0" b="0"/>
+      </a:fillRef>
+      <a:effectRef idx="0">
+        <a:scrgbClr r="0" g="0" b="0"/>
+      </a:effectRef>
+      <a:fontRef idx="minor"/>
+    </dgm:style>
+  </dgm:styleLbl>
+  <dgm:styleLbl name="alignAccFollowNode1">
+    <dgm:scene3d>
+      <a:camera prst="orthographicFront"/>
+      <a:lightRig rig="threePt" dir="t"/>
+    </dgm:scene3d>
+    <dgm:sp3d/>
+    <dgm:txPr/>
+    <dgm:style>
+      <a:lnRef idx="2">
+        <a:scrgbClr r="0" g="0" b="0"/>
+      </a:lnRef>
+      <a:fillRef idx="1">
+        <a:scrgbClr r="0" g="0" b="0"/>
+      </a:fillRef>
+      <a:effectRef idx="0">
+        <a:scrgbClr r="0" g="0" b="0"/>
+      </a:effectRef>
+      <a:fontRef idx="minor"/>
+    </dgm:style>
+  </dgm:styleLbl>
+  <dgm:styleLbl name="bgAccFollowNode1">
+    <dgm:scene3d>
+      <a:camera prst="orthographicFront"/>
+      <a:lightRig rig="threePt" dir="t"/>
+    </dgm:scene3d>
+    <dgm:sp3d/>
+    <dgm:txPr/>
+    <dgm:style>
+      <a:lnRef idx="2">
+        <a:scrgbClr r="0" g="0" b="0"/>
+      </a:lnRef>
+      <a:fillRef idx="1">
+        <a:scrgbClr r="0" g="0" b="0"/>
+      </a:fillRef>
+      <a:effectRef idx="0">
+        <a:scrgbClr r="0" g="0" b="0"/>
+      </a:effectRef>
+      <a:fontRef idx="minor"/>
+    </dgm:style>
+  </dgm:styleLbl>
+  <dgm:styleLbl name="fgAcc0">
+    <dgm:scene3d>
+      <a:camera prst="orthographicFront"/>
+      <a:lightRig rig="threePt" dir="t"/>
+    </dgm:scene3d>
+    <dgm:sp3d/>
+    <dgm:txPr/>
+    <dgm:style>
+      <a:lnRef idx="2">
+        <a:scrgbClr r="0" g="0" b="0"/>
+      </a:lnRef>
+      <a:fillRef idx="1">
+        <a:scrgbClr r="0" g="0" b="0"/>
+      </a:fillRef>
+      <a:effectRef idx="0">
+        <a:scrgbClr r="0" g="0" b="0"/>
+      </a:effectRef>
+      <a:fontRef idx="minor"/>
+    </dgm:style>
+  </dgm:styleLbl>
+  <dgm:styleLbl name="fgAcc2">
+    <dgm:scene3d>
+      <a:camera prst="orthographicFront"/>
+      <a:lightRig rig="threePt" dir="t"/>
+    </dgm:scene3d>
+    <dgm:sp3d/>
+    <dgm:txPr/>
+    <dgm:style>
+      <a:lnRef idx="2">
+        <a:scrgbClr r="0" g="0" b="0"/>
+      </a:lnRef>
+      <a:fillRef idx="1">
+        <a:scrgbClr r="0" g="0" b="0"/>
+      </a:fillRef>
+      <a:effectRef idx="0">
+        <a:scrgbClr r="0" g="0" b="0"/>
+      </a:effectRef>
+      <a:fontRef idx="minor"/>
+    </dgm:style>
+  </dgm:styleLbl>
+  <dgm:styleLbl name="fgAcc3">
+    <dgm:scene3d>
+      <a:camera prst="orthographicFront"/>
+      <a:lightRig rig="threePt" dir="t"/>
+    </dgm:scene3d>
+    <dgm:sp3d/>
+    <dgm:txPr/>
+    <dgm:style>
+      <a:lnRef idx="2">
+        <a:scrgbClr r="0" g="0" b="0"/>
+      </a:lnRef>
+      <a:fillRef idx="1">
+        <a:scrgbClr r="0" g="0" b="0"/>
+      </a:fillRef>
+      <a:effectRef idx="0">
+        <a:scrgbClr r="0" g="0" b="0"/>
+      </a:effectRef>
+      <a:fontRef idx="minor"/>
+    </dgm:style>
+  </dgm:styleLbl>
+  <dgm:styleLbl name="fgAcc4">
+    <dgm:scene3d>
+      <a:camera prst="orthographicFront"/>
+      <a:lightRig rig="threePt" dir="t"/>
+    </dgm:scene3d>
+    <dgm:sp3d/>
+    <dgm:txPr/>
+    <dgm:style>
+      <a:lnRef idx="2">
+        <a:scrgbClr r="0" g="0" b="0"/>
+      </a:lnRef>
+      <a:fillRef idx="1">
+        <a:scrgbClr r="0" g="0" b="0"/>
+      </a:fillRef>
+      <a:effectRef idx="0">
+        <a:scrgbClr r="0" g="0" b="0"/>
+      </a:effectRef>
+      <a:fontRef idx="minor"/>
+    </dgm:style>
+  </dgm:styleLbl>
+  <dgm:styleLbl name="bgShp">
+    <dgm:scene3d>
+      <a:camera prst="orthographicFront"/>
+      <a:lightRig rig="threePt" dir="t"/>
+    </dgm:scene3d>
+    <dgm:sp3d/>
+    <dgm:txPr/>
+    <dgm:style>
+      <a:lnRef idx="0">
+        <a:scrgbClr r="0" g="0" b="0"/>
+      </a:lnRef>
+      <a:fillRef idx="1">
+        <a:scrgbClr r="0" g="0" b="0"/>
+      </a:fillRef>
+      <a:effectRef idx="0">
+        <a:scrgbClr r="0" g="0" b="0"/>
+      </a:effectRef>
+      <a:fontRef idx="minor"/>
+    </dgm:style>
+  </dgm:styleLbl>
+  <dgm:styleLbl name="dkBgShp">
+    <dgm:scene3d>
+      <a:camera prst="orthographicFront"/>
+      <a:lightRig rig="threePt" dir="t"/>
+    </dgm:scene3d>
+    <dgm:sp3d/>
+    <dgm:txPr/>
+    <dgm:style>
+      <a:lnRef idx="0">
+        <a:scrgbClr r="0" g="0" b="0"/>
+      </a:lnRef>
+      <a:fillRef idx="1">
+        <a:scrgbClr r="0" g="0" b="0"/>
+      </a:fillRef>
+      <a:effectRef idx="0">
+        <a:scrgbClr r="0" g="0" b="0"/>
+      </a:effectRef>
+      <a:fontRef idx="minor"/>
+    </dgm:style>
+  </dgm:styleLbl>
+  <dgm:styleLbl name="trBgShp">
+    <dgm:scene3d>
+      <a:camera prst="orthographicFront"/>
+      <a:lightRig rig="threePt" dir="t"/>
+    </dgm:scene3d>
+    <dgm:sp3d/>
+    <dgm:txPr/>
+    <dgm:style>
+      <a:lnRef idx="0">
+        <a:scrgbClr r="0" g="0" b="0"/>
+      </a:lnRef>
+      <a:fillRef idx="1">
+        <a:scrgbClr r="0" g="0" b="0"/>
+      </a:fillRef>
+      <a:effectRef idx="0">
+        <a:scrgbClr r="0" g="0" b="0"/>
+      </a:effectRef>
+      <a:fontRef idx="minor"/>
+    </dgm:style>
+  </dgm:styleLbl>
+  <dgm:styleLbl name="fgShp">
+    <dgm:scene3d>
+      <a:camera prst="orthographicFront"/>
+      <a:lightRig rig="threePt" dir="t"/>
+    </dgm:scene3d>
+    <dgm:sp3d/>
+    <dgm:txPr/>
+    <dgm:style>
+      <a:lnRef idx="2">
+        <a:scrgbClr r="0" g="0" b="0"/>
+      </a:lnRef>
+      <a:fillRef idx="1">
+        <a:scrgbClr r="0" g="0" b="0"/>
+      </a:fillRef>
+      <a:effectRef idx="0">
+        <a:scrgbClr r="0" g="0" b="0"/>
+      </a:effectRef>
+      <a:fontRef idx="minor"/>
+    </dgm:style>
+  </dgm:styleLbl>
+  <dgm:styleLbl name="revTx">
+    <dgm:scene3d>
+      <a:camera prst="orthographicFront"/>
+      <a:lightRig rig="threePt" dir="t"/>
+    </dgm:scene3d>
+    <dgm:sp3d/>
+    <dgm:txPr/>
+    <dgm:style>
+      <a:lnRef idx="0">
+        <a:scrgbClr r="0" g="0" b="0"/>
+      </a:lnRef>
+      <a:fillRef idx="0">
+        <a:scrgbClr r="0" g="0" b="0"/>
+      </a:fillRef>
+      <a:effectRef idx="0">
+        <a:scrgbClr r="0" g="0" b="0"/>
+      </a:effectRef>
+      <a:fontRef idx="minor"/>
+    </dgm:style>
+  </dgm:styleLbl>
+</dgm:styleDef>
+</file>
+
+<file path=ppt/diagrams/quickStyle2.xml><?xml version="1.0" encoding="utf-8"?>
 <dgm:styleDef xmlns:dgm="http://schemas.openxmlformats.org/drawingml/2006/diagram" xmlns:a="http://schemas.openxmlformats.org/drawingml/2006/main" uniqueId="urn:microsoft.com/office/officeart/2005/8/quickstyle/simple1">
   <dgm:title val=""/>
   <dgm:desc val=""/>
@@ -2934,7 +5965,7 @@
             <a:fld id="{98087400-E8AD-1B47-AF78-77CE6B8868D5}" type="datetimeFigureOut">
               <a:rPr lang="en-US" altLang="en-US"/>
               <a:pPr/>
-              <a:t>3/26/23</a:t>
+              <a:t>3/27/23</a:t>
             </a:fld>
             <a:endParaRPr lang="en-US" altLang="en-US"/>
           </a:p>
@@ -3144,7 +6175,7 @@
             <a:fld id="{236F6473-BE1E-0446-8766-CCC1AAA0F5D7}" type="datetimeFigureOut">
               <a:rPr lang="en-US" altLang="en-US"/>
               <a:pPr/>
-              <a:t>3/26/23</a:t>
+              <a:t>3/27/23</a:t>
             </a:fld>
             <a:endParaRPr lang="en-US" altLang="en-US"/>
           </a:p>
@@ -6162,6 +9193,7 @@
     <p:sldLayoutId id="2147483790" r:id="rId10"/>
     <p:sldLayoutId id="2147483791" r:id="rId11"/>
   </p:sldLayoutIdLst>
+  <p:hf hdr="0" ftr="0" dt="0"/>
   <p:txStyles>
     <p:titleStyle>
       <a:lvl1pPr algn="l" defTabSz="914400" rtl="0" eaLnBrk="1" latinLnBrk="0" hangingPunct="1">
@@ -6645,101 +9677,194 @@
           </a:bodyPr>
           <a:lstStyle/>
           <a:p>
-            <a:pPr marL="0" indent="0" algn="ctr">
+            <a:pPr algn="just">
               <a:spcBef>
                 <a:spcPts val="1800"/>
               </a:spcBef>
-              <a:buNone/>
             </a:pPr>
             <a:r>
               <a:rPr lang="en-US" dirty="0">
                 <a:latin typeface="Times" pitchFamily="2" charset="0"/>
               </a:rPr>
-              <a:t>Open VS Code.</a:t>
-            </a:r>
-          </a:p>
-          <a:p>
-            <a:pPr marL="0" indent="0" algn="ctr">
+              <a:t>Exploited one extension HQ Live Server.</a:t>
+            </a:r>
+          </a:p>
+          <a:p>
+            <a:pPr algn="just">
               <a:spcBef>
                 <a:spcPts val="1800"/>
               </a:spcBef>
-              <a:buNone/>
+            </a:pPr>
+            <a:r>
+              <a:rPr lang="en-US" dirty="0">
+                <a:latin typeface="Times" pitchFamily="2" charset="0"/>
+                <a:hlinkClick r:id="rId2" action="ppaction://hlinksldjump"/>
+              </a:rPr>
+              <a:t>Downloaded the extensions in bulk.</a:t>
+            </a:r>
+            <a:endParaRPr lang="en-US" dirty="0">
+              <a:latin typeface="Times" pitchFamily="2" charset="0"/>
+            </a:endParaRPr>
+          </a:p>
+          <a:p>
+            <a:pPr lvl="1" algn="just">
+              <a:spcBef>
+                <a:spcPts val="400"/>
+              </a:spcBef>
             </a:pPr>
             <a:r>
               <a:rPr lang="en-US" dirty="0">
                 <a:latin typeface="Times" pitchFamily="2" charset="0"/>
               </a:rPr>
-              <a:t>Start the server.</a:t>
-            </a:r>
-          </a:p>
-          <a:p>
-            <a:pPr marL="0" indent="0" algn="ctr">
+              <a:t>VS Code does not provide any API to achieve this.</a:t>
+            </a:r>
+          </a:p>
+          <a:p>
+            <a:pPr lvl="1" algn="just">
+              <a:spcBef>
+                <a:spcPts val="400"/>
+              </a:spcBef>
+            </a:pPr>
+            <a:r>
+              <a:rPr lang="en-US" dirty="0">
+                <a:latin typeface="Times" pitchFamily="2" charset="0"/>
+              </a:rPr>
+              <a:t>Use curl (smartly) inside a python script.</a:t>
+            </a:r>
+          </a:p>
+          <a:p>
+            <a:pPr algn="just">
               <a:spcBef>
                 <a:spcPts val="1800"/>
               </a:spcBef>
-              <a:buNone/>
             </a:pPr>
+            <a:r>
+              <a:rPr lang="en-US" dirty="0">
+                <a:latin typeface="Times" pitchFamily="2" charset="0"/>
+                <a:hlinkClick r:id="rId3" action="ppaction://hlinksldjump"/>
+              </a:rPr>
+              <a:t>Automated vulnerability testing</a:t>
+            </a:r>
             <a:r>
               <a:rPr lang="en-US" dirty="0">
                 <a:latin typeface="Times" pitchFamily="2" charset="0"/>
               </a:rPr>
-              <a:t>Go to </a:t>
-            </a:r>
+              <a:t> using available tools.</a:t>
+            </a:r>
+          </a:p>
+          <a:p>
+            <a:pPr lvl="1" algn="just">
+              <a:spcBef>
+                <a:spcPts val="400"/>
+              </a:spcBef>
+            </a:pPr>
             <a:r>
               <a:rPr lang="en-US" dirty="0">
                 <a:latin typeface="Times" pitchFamily="2" charset="0"/>
-                <a:hlinkClick r:id="rId2"/>
               </a:rPr>
-              <a:t>https://files.000webhost.com/</a:t>
-            </a:r>
-            <a:endParaRPr lang="en-US" dirty="0">
-              <a:latin typeface="Times" pitchFamily="2" charset="0"/>
-            </a:endParaRPr>
-          </a:p>
-          <a:p>
-            <a:pPr marL="0" indent="0" algn="ctr">
+              <a:t>Package based (</a:t>
+            </a:r>
+            <a:r>
+              <a:rPr lang="en-US" dirty="0" err="1">
+                <a:latin typeface="Times" pitchFamily="2" charset="0"/>
+              </a:rPr>
+              <a:t>Snyk</a:t>
+            </a:r>
+            <a:r>
+              <a:rPr lang="en-US" dirty="0">
+                <a:latin typeface="Times" pitchFamily="2" charset="0"/>
+              </a:rPr>
+              <a:t>)</a:t>
+            </a:r>
+          </a:p>
+          <a:p>
+            <a:pPr lvl="1" algn="just">
+              <a:spcBef>
+                <a:spcPts val="400"/>
+              </a:spcBef>
+            </a:pPr>
+            <a:r>
+              <a:rPr lang="en-US" dirty="0">
+                <a:latin typeface="Times" pitchFamily="2" charset="0"/>
+              </a:rPr>
+              <a:t>Code based (</a:t>
+            </a:r>
+            <a:r>
+              <a:rPr lang="en-US" dirty="0" err="1">
+                <a:latin typeface="Times" pitchFamily="2" charset="0"/>
+              </a:rPr>
+              <a:t>Semgrep</a:t>
+            </a:r>
+            <a:r>
+              <a:rPr lang="en-US" dirty="0">
+                <a:latin typeface="Times" pitchFamily="2" charset="0"/>
+              </a:rPr>
+              <a:t>)</a:t>
+            </a:r>
+          </a:p>
+          <a:p>
+            <a:pPr algn="just">
               <a:spcBef>
                 <a:spcPts val="1800"/>
               </a:spcBef>
-              <a:buNone/>
+            </a:pPr>
+            <a:r>
+              <a:rPr lang="en-US" b="1" dirty="0">
+                <a:latin typeface="Times" pitchFamily="2" charset="0"/>
+              </a:rPr>
+              <a:t>Way Ahead: Automate vulnerability testing.</a:t>
+            </a:r>
+          </a:p>
+          <a:p>
+            <a:pPr lvl="1" algn="just">
+              <a:spcBef>
+                <a:spcPts val="400"/>
+              </a:spcBef>
             </a:pPr>
             <a:r>
               <a:rPr lang="en-US" dirty="0">
                 <a:latin typeface="Times" pitchFamily="2" charset="0"/>
               </a:rPr>
-              <a:t>Click on the following link.</a:t>
-            </a:r>
-          </a:p>
-          <a:p>
-            <a:pPr marL="0" indent="0" algn="ctr">
+              <a:t>Find other extensions with vulnerability.</a:t>
+            </a:r>
+          </a:p>
+          <a:p>
+            <a:pPr lvl="1" algn="just">
               <a:spcBef>
-                <a:spcPts val="1800"/>
+                <a:spcPts val="400"/>
               </a:spcBef>
-              <a:buNone/>
-            </a:pPr>
-            <a:r>
-              <a:rPr lang="en-US" dirty="0">
-                <a:latin typeface="Times" pitchFamily="2" charset="0"/>
-                <a:hlinkClick r:id="rId3"/>
-              </a:rPr>
-              <a:t>https://welcometomywebpage.000webhostapp.com/</a:t>
-            </a:r>
-            <a:endParaRPr lang="en-US" dirty="0">
-              <a:latin typeface="Times" pitchFamily="2" charset="0"/>
-            </a:endParaRPr>
-          </a:p>
-          <a:p>
-            <a:pPr marL="0" indent="0" algn="ctr">
-              <a:spcBef>
-                <a:spcPts val="1800"/>
-              </a:spcBef>
-              <a:buNone/>
             </a:pPr>
             <a:r>
               <a:rPr lang="en-US" dirty="0">
                 <a:latin typeface="Times" pitchFamily="2" charset="0"/>
               </a:rPr>
-              <a:t>Demo Video</a:t>
+              <a:t>Activate/run the extension. (Start the server.)</a:t>
+            </a:r>
+          </a:p>
+          <a:p>
+            <a:pPr lvl="1" algn="just">
+              <a:spcBef>
+                <a:spcPts val="400"/>
+              </a:spcBef>
+            </a:pPr>
+            <a:r>
+              <a:rPr lang="en-US" dirty="0">
+                <a:latin typeface="Times" pitchFamily="2" charset="0"/>
+              </a:rPr>
+              <a:t>Run test cases from our findings to identify the vulnerabilities.</a:t>
+            </a:r>
+          </a:p>
+          <a:p>
+            <a:pPr lvl="1" algn="just">
+              <a:spcBef>
+                <a:spcPts val="400"/>
+              </a:spcBef>
+            </a:pPr>
+            <a:r>
+              <a:rPr lang="en-US" dirty="0">
+                <a:latin typeface="Times" pitchFamily="2" charset="0"/>
+              </a:rPr>
+              <a:t>Group the extensions.</a:t>
             </a:r>
           </a:p>
         </p:txBody>
@@ -6788,16 +9913,46 @@
             <a:pPr algn="ctr"/>
             <a:r>
               <a:rPr lang="en-US" sz="3600" b="1" dirty="0"/>
-              <a:t>Demo of Exploitation</a:t>
+              <a:t>Progress</a:t>
             </a:r>
             <a:endParaRPr lang="en-US" b="1" dirty="0"/>
+          </a:p>
+        </p:txBody>
+      </p:sp>
+      <p:sp>
+        <p:nvSpPr>
+          <p:cNvPr id="2" name="Slide Number Placeholder 1">
+            <a:extLst>
+              <a:ext uri="{FF2B5EF4-FFF2-40B4-BE49-F238E27FC236}">
+                <a16:creationId xmlns:a16="http://schemas.microsoft.com/office/drawing/2014/main" id="{E28BE016-989A-F26C-175A-6A0A9AFEE7A0}"/>
+              </a:ext>
+            </a:extLst>
+          </p:cNvPr>
+          <p:cNvSpPr>
+            <a:spLocks noGrp="1"/>
+          </p:cNvSpPr>
+          <p:nvPr>
+            <p:ph type="sldNum" sz="quarter" idx="12"/>
+          </p:nvPr>
+        </p:nvSpPr>
+        <p:spPr/>
+        <p:txBody>
+          <a:bodyPr/>
+          <a:lstStyle/>
+          <a:p>
+            <a:fld id="{B13548AC-6A80-ED4C-B440-CCC445156FFA}" type="slidenum">
+              <a:rPr lang="es-ES" altLang="en-US" smtClean="0"/>
+              <a:pPr/>
+              <a:t>10</a:t>
+            </a:fld>
+            <a:endParaRPr lang="es-ES" altLang="en-US"/>
           </a:p>
         </p:txBody>
       </p:sp>
     </p:spTree>
     <p:extLst>
       <p:ext uri="{BB962C8B-B14F-4D97-AF65-F5344CB8AC3E}">
-        <p14:creationId xmlns:p14="http://schemas.microsoft.com/office/powerpoint/2010/main" val="2379490950"/>
+        <p14:creationId xmlns:p14="http://schemas.microsoft.com/office/powerpoint/2010/main" val="668059803"/>
       </p:ext>
     </p:extLst>
   </p:cSld>
@@ -6852,183 +10007,101 @@
           </a:bodyPr>
           <a:lstStyle/>
           <a:p>
-            <a:pPr algn="just">
+            <a:pPr marL="0" indent="0" algn="ctr">
               <a:spcBef>
                 <a:spcPts val="1800"/>
               </a:spcBef>
+              <a:buNone/>
             </a:pPr>
             <a:r>
               <a:rPr lang="en-US" dirty="0">
                 <a:latin typeface="Times" pitchFamily="2" charset="0"/>
               </a:rPr>
-              <a:t>Downloaded the extensions in bulk.</a:t>
-            </a:r>
-          </a:p>
-          <a:p>
-            <a:pPr lvl="1" algn="just">
+              <a:t>Open VS Code.</a:t>
+            </a:r>
+          </a:p>
+          <a:p>
+            <a:pPr marL="0" indent="0" algn="ctr">
               <a:spcBef>
-                <a:spcPts val="400"/>
+                <a:spcPts val="1800"/>
               </a:spcBef>
+              <a:buNone/>
             </a:pPr>
             <a:r>
               <a:rPr lang="en-US" dirty="0">
                 <a:latin typeface="Times" pitchFamily="2" charset="0"/>
               </a:rPr>
-              <a:t>VS Code does not provide any API to achieve this.</a:t>
-            </a:r>
-          </a:p>
-          <a:p>
-            <a:pPr lvl="1" algn="just">
+              <a:t>Start the server.</a:t>
+            </a:r>
+          </a:p>
+          <a:p>
+            <a:pPr marL="0" indent="0" algn="ctr">
               <a:spcBef>
-                <a:spcPts val="400"/>
+                <a:spcPts val="1800"/>
               </a:spcBef>
+              <a:buNone/>
             </a:pPr>
             <a:r>
               <a:rPr lang="en-US" dirty="0">
                 <a:latin typeface="Times" pitchFamily="2" charset="0"/>
               </a:rPr>
-              <a:t>Use curl (smartly) inside a python script.</a:t>
-            </a:r>
-          </a:p>
-          <a:p>
-            <a:pPr algn="just">
+              <a:t>Go to </a:t>
+            </a:r>
+            <a:r>
+              <a:rPr lang="en-US" dirty="0">
+                <a:latin typeface="Times" pitchFamily="2" charset="0"/>
+                <a:hlinkClick r:id="rId2"/>
+              </a:rPr>
+              <a:t>https://files.000webhost.com/</a:t>
+            </a:r>
+            <a:endParaRPr lang="en-US" dirty="0">
+              <a:latin typeface="Times" pitchFamily="2" charset="0"/>
+            </a:endParaRPr>
+          </a:p>
+          <a:p>
+            <a:pPr marL="0" indent="0" algn="ctr">
               <a:spcBef>
                 <a:spcPts val="1800"/>
               </a:spcBef>
+              <a:buNone/>
             </a:pPr>
             <a:r>
               <a:rPr lang="en-US" dirty="0">
                 <a:latin typeface="Times" pitchFamily="2" charset="0"/>
               </a:rPr>
-              <a:t>Automated vulnerability testing using available tools.</a:t>
-            </a:r>
-          </a:p>
-          <a:p>
-            <a:pPr lvl="1" algn="just">
+              <a:t>Click on the following link.</a:t>
+            </a:r>
+          </a:p>
+          <a:p>
+            <a:pPr marL="0" indent="0" algn="ctr">
               <a:spcBef>
-                <a:spcPts val="400"/>
+                <a:spcPts val="1800"/>
               </a:spcBef>
+              <a:buNone/>
+            </a:pPr>
+            <a:r>
+              <a:rPr lang="en-US" dirty="0">
+                <a:latin typeface="Times" pitchFamily="2" charset="0"/>
+                <a:hlinkClick r:id="rId3"/>
+              </a:rPr>
+              <a:t>https://welcometomywebpage.000webhostapp.com/</a:t>
+            </a:r>
+            <a:endParaRPr lang="en-US" dirty="0">
+              <a:latin typeface="Times" pitchFamily="2" charset="0"/>
+            </a:endParaRPr>
+          </a:p>
+          <a:p>
+            <a:pPr marL="0" indent="0" algn="ctr">
+              <a:spcBef>
+                <a:spcPts val="1800"/>
+              </a:spcBef>
+              <a:buNone/>
             </a:pPr>
             <a:r>
               <a:rPr lang="en-US" dirty="0">
                 <a:latin typeface="Times" pitchFamily="2" charset="0"/>
               </a:rPr>
-              <a:t>Package based (</a:t>
-            </a:r>
-            <a:r>
-              <a:rPr lang="en-US" dirty="0" err="1">
-                <a:latin typeface="Times" pitchFamily="2" charset="0"/>
-              </a:rPr>
-              <a:t>Snyk</a:t>
-            </a:r>
-            <a:r>
-              <a:rPr lang="en-US" dirty="0">
-                <a:latin typeface="Times" pitchFamily="2" charset="0"/>
-              </a:rPr>
-              <a:t>)</a:t>
-            </a:r>
-          </a:p>
-          <a:p>
-            <a:pPr lvl="1" algn="just">
-              <a:spcBef>
-                <a:spcPts val="400"/>
-              </a:spcBef>
-            </a:pPr>
-            <a:r>
-              <a:rPr lang="en-US" dirty="0">
-                <a:latin typeface="Times" pitchFamily="2" charset="0"/>
-              </a:rPr>
-              <a:t>Code based (</a:t>
-            </a:r>
-            <a:r>
-              <a:rPr lang="en-US" dirty="0" err="1">
-                <a:latin typeface="Times" pitchFamily="2" charset="0"/>
-              </a:rPr>
-              <a:t>Semgrep</a:t>
-            </a:r>
-            <a:r>
-              <a:rPr lang="en-US" dirty="0">
-                <a:latin typeface="Times" pitchFamily="2" charset="0"/>
-              </a:rPr>
-              <a:t>)</a:t>
-            </a:r>
-          </a:p>
-          <a:p>
-            <a:pPr algn="just">
-              <a:spcBef>
-                <a:spcPts val="1800"/>
-              </a:spcBef>
-            </a:pPr>
-            <a:r>
-              <a:rPr lang="en-US" b="1" dirty="0">
-                <a:latin typeface="Times" pitchFamily="2" charset="0"/>
-              </a:rPr>
-              <a:t>Way Ahead: Automate vulnerability testing.</a:t>
-            </a:r>
-          </a:p>
-          <a:p>
-            <a:pPr lvl="1" algn="just">
-              <a:spcBef>
-                <a:spcPts val="400"/>
-              </a:spcBef>
-            </a:pPr>
-            <a:r>
-              <a:rPr lang="en-US" dirty="0">
-                <a:latin typeface="Times" pitchFamily="2" charset="0"/>
-              </a:rPr>
-              <a:t>Find other extensions with vulnerability.</a:t>
-            </a:r>
-          </a:p>
-          <a:p>
-            <a:pPr lvl="1" algn="just">
-              <a:spcBef>
-                <a:spcPts val="400"/>
-              </a:spcBef>
-            </a:pPr>
-            <a:r>
-              <a:rPr lang="en-US" dirty="0">
-                <a:latin typeface="Times" pitchFamily="2" charset="0"/>
-              </a:rPr>
-              <a:t>Install the extensions.</a:t>
-            </a:r>
-          </a:p>
-          <a:p>
-            <a:pPr lvl="1" algn="just">
-              <a:spcBef>
-                <a:spcPts val="400"/>
-              </a:spcBef>
-            </a:pPr>
-            <a:r>
-              <a:rPr lang="en-US" dirty="0">
-                <a:latin typeface="Times" pitchFamily="2" charset="0"/>
-              </a:rPr>
-              <a:t>Activate/run the extension. (Start the server.)</a:t>
-            </a:r>
-          </a:p>
-          <a:p>
-            <a:pPr lvl="1" algn="just">
-              <a:spcBef>
-                <a:spcPts val="400"/>
-              </a:spcBef>
-            </a:pPr>
-            <a:r>
-              <a:rPr lang="en-US" dirty="0">
-                <a:latin typeface="Times" pitchFamily="2" charset="0"/>
-              </a:rPr>
-              <a:t>Run test cases from our findings to identify the vulnerabilities.</a:t>
-            </a:r>
-          </a:p>
-          <a:p>
-            <a:pPr lvl="1" algn="just">
-              <a:spcBef>
-                <a:spcPts val="400"/>
-              </a:spcBef>
-            </a:pPr>
-            <a:r>
-              <a:rPr lang="en-US" dirty="0">
-                <a:latin typeface="Times" pitchFamily="2" charset="0"/>
-              </a:rPr>
-              <a:t>Group the extensions.</a:t>
+              <a:t>Demo Video</a:t>
             </a:r>
           </a:p>
         </p:txBody>
@@ -7077,16 +10150,46 @@
             <a:pPr algn="ctr"/>
             <a:r>
               <a:rPr lang="en-US" sz="3600" b="1" dirty="0"/>
-              <a:t>Progress</a:t>
+              <a:t>Demo of Exploitation</a:t>
             </a:r>
             <a:endParaRPr lang="en-US" b="1" dirty="0"/>
+          </a:p>
+        </p:txBody>
+      </p:sp>
+      <p:sp>
+        <p:nvSpPr>
+          <p:cNvPr id="2" name="Slide Number Placeholder 1">
+            <a:extLst>
+              <a:ext uri="{FF2B5EF4-FFF2-40B4-BE49-F238E27FC236}">
+                <a16:creationId xmlns:a16="http://schemas.microsoft.com/office/drawing/2014/main" id="{C414EDDF-F696-A0AC-DF7E-744721B4213C}"/>
+              </a:ext>
+            </a:extLst>
+          </p:cNvPr>
+          <p:cNvSpPr>
+            <a:spLocks noGrp="1"/>
+          </p:cNvSpPr>
+          <p:nvPr>
+            <p:ph type="sldNum" sz="quarter" idx="12"/>
+          </p:nvPr>
+        </p:nvSpPr>
+        <p:spPr/>
+        <p:txBody>
+          <a:bodyPr/>
+          <a:lstStyle/>
+          <a:p>
+            <a:fld id="{B13548AC-6A80-ED4C-B440-CCC445156FFA}" type="slidenum">
+              <a:rPr lang="es-ES" altLang="en-US" smtClean="0"/>
+              <a:pPr/>
+              <a:t>11</a:t>
+            </a:fld>
+            <a:endParaRPr lang="es-ES" altLang="en-US"/>
           </a:p>
         </p:txBody>
       </p:sp>
     </p:spTree>
     <p:extLst>
       <p:ext uri="{BB962C8B-B14F-4D97-AF65-F5344CB8AC3E}">
-        <p14:creationId xmlns:p14="http://schemas.microsoft.com/office/powerpoint/2010/main" val="668059803"/>
+        <p14:creationId xmlns:p14="http://schemas.microsoft.com/office/powerpoint/2010/main" val="2379490950"/>
       </p:ext>
     </p:extLst>
   </p:cSld>
@@ -7143,6 +10246,36 @@
           </a:prstGeom>
         </p:spPr>
       </p:pic>
+      <p:sp>
+        <p:nvSpPr>
+          <p:cNvPr id="2" name="Slide Number Placeholder 1">
+            <a:extLst>
+              <a:ext uri="{FF2B5EF4-FFF2-40B4-BE49-F238E27FC236}">
+                <a16:creationId xmlns:a16="http://schemas.microsoft.com/office/drawing/2014/main" id="{598EF6C8-EEFC-1898-4B93-AB45ABEE9B1B}"/>
+              </a:ext>
+            </a:extLst>
+          </p:cNvPr>
+          <p:cNvSpPr>
+            <a:spLocks noGrp="1"/>
+          </p:cNvSpPr>
+          <p:nvPr>
+            <p:ph type="sldNum" sz="quarter" idx="12"/>
+          </p:nvPr>
+        </p:nvSpPr>
+        <p:spPr/>
+        <p:txBody>
+          <a:bodyPr/>
+          <a:lstStyle/>
+          <a:p>
+            <a:fld id="{B13548AC-6A80-ED4C-B440-CCC445156FFA}" type="slidenum">
+              <a:rPr lang="es-ES" altLang="en-US" smtClean="0"/>
+              <a:pPr/>
+              <a:t>12</a:t>
+            </a:fld>
+            <a:endParaRPr lang="es-ES" altLang="en-US"/>
+          </a:p>
+        </p:txBody>
+      </p:sp>
     </p:spTree>
     <p:extLst>
       <p:ext uri="{BB962C8B-B14F-4D97-AF65-F5344CB8AC3E}">
@@ -7217,6 +10350,1173 @@
             <a:pPr algn="ctr"/>
             <a:r>
               <a:rPr lang="en-US" sz="3600" b="1" dirty="0"/>
+              <a:t>Download Extensions in Bulk</a:t>
+            </a:r>
+            <a:endParaRPr lang="en-US" b="1" dirty="0"/>
+          </a:p>
+        </p:txBody>
+      </p:sp>
+      <p:graphicFrame>
+        <p:nvGraphicFramePr>
+          <p:cNvPr id="7" name="Content Placeholder 6">
+            <a:extLst>
+              <a:ext uri="{FF2B5EF4-FFF2-40B4-BE49-F238E27FC236}">
+                <a16:creationId xmlns:a16="http://schemas.microsoft.com/office/drawing/2014/main" id="{08AA8D1A-DE1D-8536-BB38-CA0138AA50F3}"/>
+              </a:ext>
+            </a:extLst>
+          </p:cNvPr>
+          <p:cNvGraphicFramePr>
+            <a:graphicFrameLocks noGrp="1"/>
+          </p:cNvGraphicFramePr>
+          <p:nvPr>
+            <p:ph idx="1"/>
+            <p:extLst>
+              <p:ext uri="{D42A27DB-BD31-4B8C-83A1-F6EECF244321}">
+                <p14:modId xmlns:p14="http://schemas.microsoft.com/office/powerpoint/2010/main" val="33570493"/>
+              </p:ext>
+            </p:extLst>
+          </p:nvPr>
+        </p:nvGraphicFramePr>
+        <p:xfrm>
+          <a:off x="2051720" y="836712"/>
+          <a:ext cx="7092280" cy="5769932"/>
+        </p:xfrm>
+        <a:graphic>
+          <a:graphicData uri="http://schemas.openxmlformats.org/drawingml/2006/diagram">
+            <dgm:relIds xmlns:dgm="http://schemas.openxmlformats.org/drawingml/2006/diagram" xmlns:r="http://schemas.openxmlformats.org/officeDocument/2006/relationships" r:dm="rId2" r:lo="rId3" r:qs="rId4" r:cs="rId5"/>
+          </a:graphicData>
+        </a:graphic>
+      </p:graphicFrame>
+      <p:sp>
+        <p:nvSpPr>
+          <p:cNvPr id="6" name="TextBox 5">
+            <a:extLst>
+              <a:ext uri="{FF2B5EF4-FFF2-40B4-BE49-F238E27FC236}">
+                <a16:creationId xmlns:a16="http://schemas.microsoft.com/office/drawing/2014/main" id="{331D8AAC-718D-883E-C184-424073B5222A}"/>
+              </a:ext>
+            </a:extLst>
+          </p:cNvPr>
+          <p:cNvSpPr txBox="1"/>
+          <p:nvPr/>
+        </p:nvSpPr>
+        <p:spPr>
+          <a:xfrm>
+            <a:off x="7380312" y="6237312"/>
+            <a:ext cx="622286" cy="369332"/>
+          </a:xfrm>
+          <a:prstGeom prst="rect">
+            <a:avLst/>
+          </a:prstGeom>
+          <a:noFill/>
+        </p:spPr>
+        <p:txBody>
+          <a:bodyPr wrap="none" rtlCol="0">
+            <a:spAutoFit/>
+          </a:bodyPr>
+          <a:lstStyle/>
+          <a:p>
+            <a:r>
+              <a:rPr lang="en-US" dirty="0">
+                <a:solidFill>
+                  <a:schemeClr val="bg1"/>
+                </a:solidFill>
+                <a:highlight>
+                  <a:srgbClr val="FFFF00"/>
+                </a:highlight>
+                <a:hlinkClick r:id="rId7" action="ppaction://hlinksldjump"/>
+              </a:rPr>
+              <a:t>Back</a:t>
+            </a:r>
+            <a:endParaRPr lang="en-US" dirty="0">
+              <a:solidFill>
+                <a:schemeClr val="bg1"/>
+              </a:solidFill>
+              <a:highlight>
+                <a:srgbClr val="FFFF00"/>
+              </a:highlight>
+            </a:endParaRPr>
+          </a:p>
+        </p:txBody>
+      </p:sp>
+      <p:sp>
+        <p:nvSpPr>
+          <p:cNvPr id="9" name="TextBox 8">
+            <a:extLst>
+              <a:ext uri="{FF2B5EF4-FFF2-40B4-BE49-F238E27FC236}">
+                <a16:creationId xmlns:a16="http://schemas.microsoft.com/office/drawing/2014/main" id="{51AC7A72-26D0-51BB-1189-E6D9FE49697A}"/>
+              </a:ext>
+            </a:extLst>
+          </p:cNvPr>
+          <p:cNvSpPr txBox="1"/>
+          <p:nvPr/>
+        </p:nvSpPr>
+        <p:spPr>
+          <a:xfrm>
+            <a:off x="395536" y="836712"/>
+            <a:ext cx="2736304" cy="646331"/>
+          </a:xfrm>
+          <a:prstGeom prst="rect">
+            <a:avLst/>
+          </a:prstGeom>
+        </p:spPr>
+        <p:style>
+          <a:lnRef idx="1">
+            <a:schemeClr val="accent3"/>
+          </a:lnRef>
+          <a:fillRef idx="3">
+            <a:schemeClr val="accent3"/>
+          </a:fillRef>
+          <a:effectRef idx="2">
+            <a:schemeClr val="accent3"/>
+          </a:effectRef>
+          <a:fontRef idx="minor">
+            <a:schemeClr val="lt1"/>
+          </a:fontRef>
+        </p:style>
+        <p:txBody>
+          <a:bodyPr wrap="square">
+            <a:spAutoFit/>
+          </a:bodyPr>
+          <a:lstStyle/>
+          <a:p>
+            <a:pPr lvl="0" algn="ctr"/>
+            <a:r>
+              <a:rPr lang="en-GB" dirty="0"/>
+              <a:t>Search all the extensions containing given keyword.</a:t>
+            </a:r>
+          </a:p>
+        </p:txBody>
+      </p:sp>
+      <p:sp>
+        <p:nvSpPr>
+          <p:cNvPr id="10" name="Slide Number Placeholder 9">
+            <a:extLst>
+              <a:ext uri="{FF2B5EF4-FFF2-40B4-BE49-F238E27FC236}">
+                <a16:creationId xmlns:a16="http://schemas.microsoft.com/office/drawing/2014/main" id="{C9443E1B-0301-4415-A398-2B1492D3A62F}"/>
+              </a:ext>
+            </a:extLst>
+          </p:cNvPr>
+          <p:cNvSpPr>
+            <a:spLocks noGrp="1"/>
+          </p:cNvSpPr>
+          <p:nvPr>
+            <p:ph type="sldNum" sz="quarter" idx="12"/>
+          </p:nvPr>
+        </p:nvSpPr>
+        <p:spPr/>
+        <p:txBody>
+          <a:bodyPr/>
+          <a:lstStyle/>
+          <a:p>
+            <a:fld id="{B13548AC-6A80-ED4C-B440-CCC445156FFA}" type="slidenum">
+              <a:rPr lang="es-ES" altLang="en-US" smtClean="0"/>
+              <a:pPr/>
+              <a:t>13</a:t>
+            </a:fld>
+            <a:endParaRPr lang="es-ES" altLang="en-US"/>
+          </a:p>
+        </p:txBody>
+      </p:sp>
+    </p:spTree>
+    <p:extLst>
+      <p:ext uri="{BB962C8B-B14F-4D97-AF65-F5344CB8AC3E}">
+        <p14:creationId xmlns:p14="http://schemas.microsoft.com/office/powerpoint/2010/main" val="3899503240"/>
+      </p:ext>
+    </p:extLst>
+  </p:cSld>
+  <p:clrMapOvr>
+    <a:masterClrMapping/>
+  </p:clrMapOvr>
+</p:sld>
+</file>
+
+<file path=ppt/slides/slide14.xml><?xml version="1.0" encoding="utf-8"?>
+<p:sld xmlns:a="http://schemas.openxmlformats.org/drawingml/2006/main" xmlns:r="http://schemas.openxmlformats.org/officeDocument/2006/relationships" xmlns:p="http://schemas.openxmlformats.org/presentationml/2006/main">
+  <p:cSld>
+    <p:spTree>
+      <p:nvGrpSpPr>
+        <p:cNvPr id="1" name=""/>
+        <p:cNvGrpSpPr/>
+        <p:nvPr/>
+      </p:nvGrpSpPr>
+      <p:grpSpPr>
+        <a:xfrm>
+          <a:off x="0" y="0"/>
+          <a:ext cx="0" cy="0"/>
+          <a:chOff x="0" y="0"/>
+          <a:chExt cx="0" cy="0"/>
+        </a:xfrm>
+      </p:grpSpPr>
+      <p:sp>
+        <p:nvSpPr>
+          <p:cNvPr id="4" name="Rectangle 3">
+            <a:extLst>
+              <a:ext uri="{FF2B5EF4-FFF2-40B4-BE49-F238E27FC236}">
+                <a16:creationId xmlns:a16="http://schemas.microsoft.com/office/drawing/2014/main" id="{47ADF3DC-DD20-9722-C04E-3A3908255B01}"/>
+              </a:ext>
+            </a:extLst>
+          </p:cNvPr>
+          <p:cNvSpPr/>
+          <p:nvPr/>
+        </p:nvSpPr>
+        <p:spPr>
+          <a:xfrm>
+            <a:off x="0" y="-1"/>
+            <a:ext cx="9144000" cy="681037"/>
+          </a:xfrm>
+          <a:prstGeom prst="rect">
+            <a:avLst/>
+          </a:prstGeom>
+        </p:spPr>
+        <p:style>
+          <a:lnRef idx="2">
+            <a:schemeClr val="accent1">
+              <a:shade val="50000"/>
+            </a:schemeClr>
+          </a:lnRef>
+          <a:fillRef idx="1">
+            <a:schemeClr val="accent1"/>
+          </a:fillRef>
+          <a:effectRef idx="0">
+            <a:schemeClr val="accent1"/>
+          </a:effectRef>
+          <a:fontRef idx="minor">
+            <a:schemeClr val="lt1"/>
+          </a:fontRef>
+        </p:style>
+        <p:txBody>
+          <a:bodyPr rtlCol="0" anchor="ctr"/>
+          <a:lstStyle/>
+          <a:p>
+            <a:pPr algn="ctr"/>
+            <a:r>
+              <a:rPr lang="en-US" sz="3600" b="1" dirty="0"/>
+              <a:t>Automate Vulnerability Testing</a:t>
+            </a:r>
+            <a:endParaRPr lang="en-US" b="1" dirty="0"/>
+          </a:p>
+        </p:txBody>
+      </p:sp>
+      <p:sp>
+        <p:nvSpPr>
+          <p:cNvPr id="2" name="TextBox 1">
+            <a:extLst>
+              <a:ext uri="{FF2B5EF4-FFF2-40B4-BE49-F238E27FC236}">
+                <a16:creationId xmlns:a16="http://schemas.microsoft.com/office/drawing/2014/main" id="{8B52A235-1555-F03D-8741-8648962F9467}"/>
+              </a:ext>
+            </a:extLst>
+          </p:cNvPr>
+          <p:cNvSpPr txBox="1"/>
+          <p:nvPr/>
+        </p:nvSpPr>
+        <p:spPr>
+          <a:xfrm>
+            <a:off x="7380312" y="6237312"/>
+            <a:ext cx="622286" cy="369332"/>
+          </a:xfrm>
+          <a:prstGeom prst="rect">
+            <a:avLst/>
+          </a:prstGeom>
+          <a:noFill/>
+        </p:spPr>
+        <p:txBody>
+          <a:bodyPr wrap="none" rtlCol="0">
+            <a:spAutoFit/>
+          </a:bodyPr>
+          <a:lstStyle/>
+          <a:p>
+            <a:r>
+              <a:rPr lang="en-US" dirty="0">
+                <a:solidFill>
+                  <a:schemeClr val="bg1"/>
+                </a:solidFill>
+                <a:highlight>
+                  <a:srgbClr val="FFFF00"/>
+                </a:highlight>
+                <a:hlinkClick r:id="rId2" action="ppaction://hlinksldjump"/>
+              </a:rPr>
+              <a:t>Back</a:t>
+            </a:r>
+            <a:endParaRPr lang="en-US" dirty="0">
+              <a:solidFill>
+                <a:schemeClr val="bg1"/>
+              </a:solidFill>
+              <a:highlight>
+                <a:srgbClr val="FFFF00"/>
+              </a:highlight>
+            </a:endParaRPr>
+          </a:p>
+        </p:txBody>
+      </p:sp>
+      <p:pic>
+        <p:nvPicPr>
+          <p:cNvPr id="16" name="Google Shape;65;p13">
+            <a:extLst>
+              <a:ext uri="{FF2B5EF4-FFF2-40B4-BE49-F238E27FC236}">
+                <a16:creationId xmlns:a16="http://schemas.microsoft.com/office/drawing/2014/main" id="{2C98CFBE-5930-0F8D-AF7D-91A24313401E}"/>
+              </a:ext>
+            </a:extLst>
+          </p:cNvPr>
+          <p:cNvPicPr preferRelativeResize="0"/>
+          <p:nvPr/>
+        </p:nvPicPr>
+        <p:blipFill>
+          <a:blip r:embed="rId3">
+            <a:alphaModFix/>
+          </a:blip>
+          <a:stretch>
+            <a:fillRect/>
+          </a:stretch>
+        </p:blipFill>
+        <p:spPr>
+          <a:xfrm>
+            <a:off x="70138" y="4660395"/>
+            <a:ext cx="9038366" cy="1504909"/>
+          </a:xfrm>
+          <a:prstGeom prst="rect">
+            <a:avLst/>
+          </a:prstGeom>
+          <a:noFill/>
+          <a:ln>
+            <a:noFill/>
+          </a:ln>
+        </p:spPr>
+      </p:pic>
+      <p:pic>
+        <p:nvPicPr>
+          <p:cNvPr id="17" name="Google Shape;66;p13">
+            <a:extLst>
+              <a:ext uri="{FF2B5EF4-FFF2-40B4-BE49-F238E27FC236}">
+                <a16:creationId xmlns:a16="http://schemas.microsoft.com/office/drawing/2014/main" id="{FFA61CD0-AB39-6F27-B3D9-FEE79F15677B}"/>
+              </a:ext>
+            </a:extLst>
+          </p:cNvPr>
+          <p:cNvPicPr preferRelativeResize="0"/>
+          <p:nvPr/>
+        </p:nvPicPr>
+        <p:blipFill>
+          <a:blip r:embed="rId4">
+            <a:alphaModFix/>
+          </a:blip>
+          <a:stretch>
+            <a:fillRect/>
+          </a:stretch>
+        </p:blipFill>
+        <p:spPr>
+          <a:xfrm>
+            <a:off x="251520" y="3528084"/>
+            <a:ext cx="8652919" cy="1053044"/>
+          </a:xfrm>
+          <a:prstGeom prst="rect">
+            <a:avLst/>
+          </a:prstGeom>
+          <a:noFill/>
+          <a:ln>
+            <a:noFill/>
+          </a:ln>
+        </p:spPr>
+      </p:pic>
+      <p:grpSp>
+        <p:nvGrpSpPr>
+          <p:cNvPr id="20" name="Group 19">
+            <a:extLst>
+              <a:ext uri="{FF2B5EF4-FFF2-40B4-BE49-F238E27FC236}">
+                <a16:creationId xmlns:a16="http://schemas.microsoft.com/office/drawing/2014/main" id="{339966E3-7C2F-3EEB-C7E6-2E506BDB1F30}"/>
+              </a:ext>
+            </a:extLst>
+          </p:cNvPr>
+          <p:cNvGrpSpPr/>
+          <p:nvPr/>
+        </p:nvGrpSpPr>
+        <p:grpSpPr>
+          <a:xfrm>
+            <a:off x="179512" y="1170270"/>
+            <a:ext cx="8660647" cy="2186721"/>
+            <a:chOff x="496684" y="1186936"/>
+            <a:chExt cx="7722349" cy="1949811"/>
+          </a:xfrm>
+        </p:grpSpPr>
+        <p:sp>
+          <p:nvSpPr>
+            <p:cNvPr id="6" name="Google Shape;54;p13">
+              <a:extLst>
+                <a:ext uri="{FF2B5EF4-FFF2-40B4-BE49-F238E27FC236}">
+                  <a16:creationId xmlns:a16="http://schemas.microsoft.com/office/drawing/2014/main" id="{52C84A90-D06E-B0BA-7E85-478F1A288062}"/>
+                </a:ext>
+              </a:extLst>
+            </p:cNvPr>
+            <p:cNvSpPr/>
+            <p:nvPr/>
+          </p:nvSpPr>
+          <p:spPr>
+            <a:xfrm>
+              <a:off x="496684" y="1850011"/>
+              <a:ext cx="1320566" cy="582600"/>
+            </a:xfrm>
+            <a:prstGeom prst="rect">
+              <a:avLst/>
+            </a:prstGeom>
+            <a:solidFill>
+              <a:schemeClr val="lt2"/>
+            </a:solidFill>
+            <a:ln w="9525" cap="flat" cmpd="sng">
+              <a:solidFill>
+                <a:schemeClr val="dk2"/>
+              </a:solidFill>
+              <a:prstDash val="solid"/>
+              <a:round/>
+              <a:headEnd type="none" w="sm" len="sm"/>
+              <a:tailEnd type="none" w="sm" len="sm"/>
+            </a:ln>
+          </p:spPr>
+          <p:txBody>
+            <a:bodyPr spcFirstLastPara="1" wrap="square" lIns="91425" tIns="91425" rIns="91425" bIns="91425" anchor="ctr" anchorCtr="0">
+              <a:noAutofit/>
+            </a:bodyPr>
+            <a:lstStyle/>
+            <a:p>
+              <a:pPr marL="0" lvl="0" indent="0" algn="ctr" rtl="0">
+                <a:spcBef>
+                  <a:spcPts val="0"/>
+                </a:spcBef>
+                <a:spcAft>
+                  <a:spcPts val="0"/>
+                </a:spcAft>
+                <a:buNone/>
+              </a:pPr>
+              <a:r>
+                <a:rPr lang="en" b="1" dirty="0"/>
+                <a:t>Extensions</a:t>
+              </a:r>
+              <a:endParaRPr b="1" dirty="0"/>
+            </a:p>
+            <a:p>
+              <a:pPr marL="0" lvl="0" indent="0" algn="ctr" rtl="0">
+                <a:spcBef>
+                  <a:spcPts val="0"/>
+                </a:spcBef>
+                <a:spcAft>
+                  <a:spcPts val="0"/>
+                </a:spcAft>
+                <a:buNone/>
+              </a:pPr>
+              <a:r>
+                <a:rPr lang="en" b="1" dirty="0"/>
+                <a:t>(.</a:t>
+              </a:r>
+              <a:r>
+                <a:rPr lang="en" b="1" dirty="0" err="1"/>
+                <a:t>vsix</a:t>
+              </a:r>
+              <a:r>
+                <a:rPr lang="en" b="1" dirty="0"/>
+                <a:t>)</a:t>
+              </a:r>
+              <a:endParaRPr b="1" dirty="0"/>
+            </a:p>
+          </p:txBody>
+        </p:sp>
+        <p:sp>
+          <p:nvSpPr>
+            <p:cNvPr id="7" name="Google Shape;55;p13">
+              <a:extLst>
+                <a:ext uri="{FF2B5EF4-FFF2-40B4-BE49-F238E27FC236}">
+                  <a16:creationId xmlns:a16="http://schemas.microsoft.com/office/drawing/2014/main" id="{67835371-92B0-662F-67FB-209345AA46B7}"/>
+                </a:ext>
+              </a:extLst>
+            </p:cNvPr>
+            <p:cNvSpPr/>
+            <p:nvPr/>
+          </p:nvSpPr>
+          <p:spPr>
+            <a:xfrm>
+              <a:off x="1879775" y="1960836"/>
+              <a:ext cx="918900" cy="396300"/>
+            </a:xfrm>
+            <a:prstGeom prst="rightArrow">
+              <a:avLst>
+                <a:gd name="adj1" fmla="val 50000"/>
+                <a:gd name="adj2" fmla="val 50000"/>
+              </a:avLst>
+            </a:prstGeom>
+            <a:solidFill>
+              <a:schemeClr val="lt2"/>
+            </a:solidFill>
+            <a:ln w="9525" cap="flat" cmpd="sng">
+              <a:solidFill>
+                <a:schemeClr val="dk2"/>
+              </a:solidFill>
+              <a:prstDash val="solid"/>
+              <a:round/>
+              <a:headEnd type="none" w="sm" len="sm"/>
+              <a:tailEnd type="none" w="sm" len="sm"/>
+            </a:ln>
+          </p:spPr>
+          <p:txBody>
+            <a:bodyPr spcFirstLastPara="1" wrap="square" lIns="91425" tIns="91425" rIns="91425" bIns="91425" anchor="ctr" anchorCtr="0">
+              <a:noAutofit/>
+            </a:bodyPr>
+            <a:lstStyle/>
+            <a:p>
+              <a:pPr marL="0" lvl="0" indent="0" algn="ctr" rtl="0">
+                <a:spcBef>
+                  <a:spcPts val="0"/>
+                </a:spcBef>
+                <a:spcAft>
+                  <a:spcPts val="0"/>
+                </a:spcAft>
+                <a:buClr>
+                  <a:schemeClr val="dk1"/>
+                </a:buClr>
+                <a:buSzPts val="1100"/>
+                <a:buFont typeface="Arial"/>
+                <a:buNone/>
+              </a:pPr>
+              <a:r>
+                <a:rPr lang="en" sz="1400" b="1" dirty="0">
+                  <a:solidFill>
+                    <a:schemeClr val="dk1"/>
+                  </a:solidFill>
+                </a:rPr>
+                <a:t>Unzip</a:t>
+              </a:r>
+              <a:endParaRPr b="1" dirty="0"/>
+            </a:p>
+          </p:txBody>
+        </p:sp>
+        <p:sp>
+          <p:nvSpPr>
+            <p:cNvPr id="8" name="Google Shape;56;p13">
+              <a:extLst>
+                <a:ext uri="{FF2B5EF4-FFF2-40B4-BE49-F238E27FC236}">
+                  <a16:creationId xmlns:a16="http://schemas.microsoft.com/office/drawing/2014/main" id="{6C14185D-EDAB-9E32-718E-4362BD9C4E52}"/>
+                </a:ext>
+              </a:extLst>
+            </p:cNvPr>
+            <p:cNvSpPr/>
+            <p:nvPr/>
+          </p:nvSpPr>
+          <p:spPr>
+            <a:xfrm>
+              <a:off x="2876900" y="1850011"/>
+              <a:ext cx="1188600" cy="582600"/>
+            </a:xfrm>
+            <a:prstGeom prst="rect">
+              <a:avLst/>
+            </a:prstGeom>
+            <a:solidFill>
+              <a:schemeClr val="lt2"/>
+            </a:solidFill>
+            <a:ln w="9525" cap="flat" cmpd="sng">
+              <a:solidFill>
+                <a:schemeClr val="dk2"/>
+              </a:solidFill>
+              <a:prstDash val="solid"/>
+              <a:round/>
+              <a:headEnd type="none" w="sm" len="sm"/>
+              <a:tailEnd type="none" w="sm" len="sm"/>
+            </a:ln>
+          </p:spPr>
+          <p:txBody>
+            <a:bodyPr spcFirstLastPara="1" wrap="square" lIns="91425" tIns="91425" rIns="91425" bIns="91425" anchor="ctr" anchorCtr="0">
+              <a:noAutofit/>
+            </a:bodyPr>
+            <a:lstStyle/>
+            <a:p>
+              <a:pPr marL="0" lvl="0" indent="0" algn="ctr" rtl="0">
+                <a:spcBef>
+                  <a:spcPts val="0"/>
+                </a:spcBef>
+                <a:spcAft>
+                  <a:spcPts val="0"/>
+                </a:spcAft>
+                <a:buNone/>
+              </a:pPr>
+              <a:r>
+                <a:rPr lang="en" b="1" dirty="0"/>
+                <a:t>Extension Folders</a:t>
+              </a:r>
+              <a:endParaRPr b="1" dirty="0"/>
+            </a:p>
+          </p:txBody>
+        </p:sp>
+        <p:sp>
+          <p:nvSpPr>
+            <p:cNvPr id="9" name="Google Shape;57;p13">
+              <a:extLst>
+                <a:ext uri="{FF2B5EF4-FFF2-40B4-BE49-F238E27FC236}">
+                  <a16:creationId xmlns:a16="http://schemas.microsoft.com/office/drawing/2014/main" id="{FBF76D2E-2E52-EFB0-A887-1591DE9880EE}"/>
+                </a:ext>
+              </a:extLst>
+            </p:cNvPr>
+            <p:cNvSpPr/>
+            <p:nvPr/>
+          </p:nvSpPr>
+          <p:spPr>
+            <a:xfrm>
+              <a:off x="5088550" y="1186936"/>
+              <a:ext cx="906000" cy="941700"/>
+            </a:xfrm>
+            <a:prstGeom prst="can">
+              <a:avLst>
+                <a:gd name="adj" fmla="val 25000"/>
+              </a:avLst>
+            </a:prstGeom>
+            <a:solidFill>
+              <a:schemeClr val="lt2"/>
+            </a:solidFill>
+            <a:ln w="9525" cap="flat" cmpd="sng">
+              <a:solidFill>
+                <a:schemeClr val="dk2"/>
+              </a:solidFill>
+              <a:prstDash val="solid"/>
+              <a:round/>
+              <a:headEnd type="none" w="sm" len="sm"/>
+              <a:tailEnd type="none" w="sm" len="sm"/>
+            </a:ln>
+          </p:spPr>
+          <p:txBody>
+            <a:bodyPr spcFirstLastPara="1" wrap="square" lIns="91425" tIns="91425" rIns="91425" bIns="91425" anchor="ctr" anchorCtr="0">
+              <a:noAutofit/>
+            </a:bodyPr>
+            <a:lstStyle/>
+            <a:p>
+              <a:pPr marL="0" lvl="0" indent="0" algn="ctr" rtl="0">
+                <a:spcBef>
+                  <a:spcPts val="0"/>
+                </a:spcBef>
+                <a:spcAft>
+                  <a:spcPts val="0"/>
+                </a:spcAft>
+                <a:buNone/>
+              </a:pPr>
+              <a:r>
+                <a:rPr lang="en" sz="1400" b="1" u="sng" dirty="0"/>
+                <a:t>SNYK</a:t>
+              </a:r>
+              <a:endParaRPr sz="1200" b="1" u="sng" dirty="0"/>
+            </a:p>
+            <a:p>
+              <a:pPr marL="0" lvl="0" indent="0" algn="ctr" rtl="0">
+                <a:spcBef>
+                  <a:spcPts val="0"/>
+                </a:spcBef>
+                <a:spcAft>
+                  <a:spcPts val="0"/>
+                </a:spcAft>
+                <a:buNone/>
+              </a:pPr>
+              <a:r>
+                <a:rPr lang="en" sz="1100" b="1" dirty="0"/>
+                <a:t>Tests for Security Issues</a:t>
+              </a:r>
+              <a:endParaRPr sz="1100" b="1" dirty="0"/>
+            </a:p>
+          </p:txBody>
+        </p:sp>
+        <p:sp>
+          <p:nvSpPr>
+            <p:cNvPr id="10" name="Google Shape;59;p13">
+              <a:extLst>
+                <a:ext uri="{FF2B5EF4-FFF2-40B4-BE49-F238E27FC236}">
+                  <a16:creationId xmlns:a16="http://schemas.microsoft.com/office/drawing/2014/main" id="{0936B4FC-EB56-307D-71CC-C9780C46752A}"/>
+                </a:ext>
+              </a:extLst>
+            </p:cNvPr>
+            <p:cNvSpPr/>
+            <p:nvPr/>
+          </p:nvSpPr>
+          <p:spPr>
+            <a:xfrm rot="20518152">
+              <a:off x="4059853" y="1859437"/>
+              <a:ext cx="981817" cy="120201"/>
+            </a:xfrm>
+            <a:prstGeom prst="rightArrow">
+              <a:avLst>
+                <a:gd name="adj1" fmla="val 50000"/>
+                <a:gd name="adj2" fmla="val 50000"/>
+              </a:avLst>
+            </a:prstGeom>
+            <a:solidFill>
+              <a:schemeClr val="lt2"/>
+            </a:solidFill>
+            <a:ln w="9525" cap="flat" cmpd="sng">
+              <a:solidFill>
+                <a:schemeClr val="dk2"/>
+              </a:solidFill>
+              <a:prstDash val="solid"/>
+              <a:round/>
+              <a:headEnd type="none" w="sm" len="sm"/>
+              <a:tailEnd type="none" w="sm" len="sm"/>
+            </a:ln>
+          </p:spPr>
+          <p:txBody>
+            <a:bodyPr spcFirstLastPara="1" wrap="square" lIns="91425" tIns="91425" rIns="91425" bIns="91425" anchor="ctr" anchorCtr="0">
+              <a:noAutofit/>
+            </a:bodyPr>
+            <a:lstStyle/>
+            <a:p>
+              <a:pPr marL="0" lvl="0" indent="0" algn="l" rtl="0">
+                <a:spcBef>
+                  <a:spcPts val="0"/>
+                </a:spcBef>
+                <a:spcAft>
+                  <a:spcPts val="0"/>
+                </a:spcAft>
+                <a:buNone/>
+              </a:pPr>
+              <a:endParaRPr/>
+            </a:p>
+          </p:txBody>
+        </p:sp>
+        <p:sp>
+          <p:nvSpPr>
+            <p:cNvPr id="11" name="Google Shape;60;p13">
+              <a:extLst>
+                <a:ext uri="{FF2B5EF4-FFF2-40B4-BE49-F238E27FC236}">
+                  <a16:creationId xmlns:a16="http://schemas.microsoft.com/office/drawing/2014/main" id="{A5FECFE9-E6DE-CB7B-5CA1-84A362965CE0}"/>
+                </a:ext>
+              </a:extLst>
+            </p:cNvPr>
+            <p:cNvSpPr/>
+            <p:nvPr/>
+          </p:nvSpPr>
+          <p:spPr>
+            <a:xfrm rot="1041993">
+              <a:off x="4085646" y="2271361"/>
+              <a:ext cx="981963" cy="120318"/>
+            </a:xfrm>
+            <a:prstGeom prst="rightArrow">
+              <a:avLst>
+                <a:gd name="adj1" fmla="val 50000"/>
+                <a:gd name="adj2" fmla="val 50000"/>
+              </a:avLst>
+            </a:prstGeom>
+            <a:solidFill>
+              <a:schemeClr val="lt2"/>
+            </a:solidFill>
+            <a:ln w="9525" cap="flat" cmpd="sng">
+              <a:solidFill>
+                <a:schemeClr val="dk2"/>
+              </a:solidFill>
+              <a:prstDash val="solid"/>
+              <a:round/>
+              <a:headEnd type="none" w="sm" len="sm"/>
+              <a:tailEnd type="none" w="sm" len="sm"/>
+            </a:ln>
+          </p:spPr>
+          <p:txBody>
+            <a:bodyPr spcFirstLastPara="1" wrap="square" lIns="91425" tIns="91425" rIns="91425" bIns="91425" anchor="ctr" anchorCtr="0">
+              <a:noAutofit/>
+            </a:bodyPr>
+            <a:lstStyle/>
+            <a:p>
+              <a:pPr marL="0" lvl="0" indent="0" algn="l" rtl="0">
+                <a:spcBef>
+                  <a:spcPts val="0"/>
+                </a:spcBef>
+                <a:spcAft>
+                  <a:spcPts val="0"/>
+                </a:spcAft>
+                <a:buNone/>
+              </a:pPr>
+              <a:endParaRPr/>
+            </a:p>
+          </p:txBody>
+        </p:sp>
+        <p:sp>
+          <p:nvSpPr>
+            <p:cNvPr id="12" name="Google Shape;61;p13">
+              <a:extLst>
+                <a:ext uri="{FF2B5EF4-FFF2-40B4-BE49-F238E27FC236}">
+                  <a16:creationId xmlns:a16="http://schemas.microsoft.com/office/drawing/2014/main" id="{FCCB4E1E-9AAA-9A6F-E0C2-63D7F7B98A91}"/>
+                </a:ext>
+              </a:extLst>
+            </p:cNvPr>
+            <p:cNvSpPr/>
+            <p:nvPr/>
+          </p:nvSpPr>
+          <p:spPr>
+            <a:xfrm>
+              <a:off x="7028207" y="1593033"/>
+              <a:ext cx="1190826" cy="890700"/>
+            </a:xfrm>
+            <a:prstGeom prst="flowChartMultidocument">
+              <a:avLst/>
+            </a:prstGeom>
+            <a:solidFill>
+              <a:schemeClr val="lt2"/>
+            </a:solidFill>
+            <a:ln w="9525" cap="flat" cmpd="sng">
+              <a:solidFill>
+                <a:schemeClr val="dk2"/>
+              </a:solidFill>
+              <a:prstDash val="solid"/>
+              <a:round/>
+              <a:headEnd type="none" w="sm" len="sm"/>
+              <a:tailEnd type="none" w="sm" len="sm"/>
+            </a:ln>
+          </p:spPr>
+          <p:txBody>
+            <a:bodyPr spcFirstLastPara="1" wrap="square" lIns="91425" tIns="91425" rIns="91425" bIns="91425" anchor="ctr" anchorCtr="0">
+              <a:noAutofit/>
+            </a:bodyPr>
+            <a:lstStyle/>
+            <a:p>
+              <a:pPr marL="0" lvl="0" indent="0" algn="l" rtl="0">
+                <a:spcBef>
+                  <a:spcPts val="0"/>
+                </a:spcBef>
+                <a:spcAft>
+                  <a:spcPts val="0"/>
+                </a:spcAft>
+                <a:buNone/>
+              </a:pPr>
+              <a:endParaRPr/>
+            </a:p>
+          </p:txBody>
+        </p:sp>
+        <p:sp>
+          <p:nvSpPr>
+            <p:cNvPr id="13" name="Google Shape;62;p13">
+              <a:extLst>
+                <a:ext uri="{FF2B5EF4-FFF2-40B4-BE49-F238E27FC236}">
+                  <a16:creationId xmlns:a16="http://schemas.microsoft.com/office/drawing/2014/main" id="{DE424338-3B18-B5E1-DB6A-CDAE7123675F}"/>
+                </a:ext>
+              </a:extLst>
+            </p:cNvPr>
+            <p:cNvSpPr/>
+            <p:nvPr/>
+          </p:nvSpPr>
+          <p:spPr>
+            <a:xfrm rot="20518152">
+              <a:off x="6004703" y="2262787"/>
+              <a:ext cx="981817" cy="120201"/>
+            </a:xfrm>
+            <a:prstGeom prst="rightArrow">
+              <a:avLst>
+                <a:gd name="adj1" fmla="val 50000"/>
+                <a:gd name="adj2" fmla="val 50000"/>
+              </a:avLst>
+            </a:prstGeom>
+            <a:solidFill>
+              <a:schemeClr val="lt2"/>
+            </a:solidFill>
+            <a:ln w="9525" cap="flat" cmpd="sng">
+              <a:solidFill>
+                <a:schemeClr val="dk2"/>
+              </a:solidFill>
+              <a:prstDash val="solid"/>
+              <a:round/>
+              <a:headEnd type="none" w="sm" len="sm"/>
+              <a:tailEnd type="none" w="sm" len="sm"/>
+            </a:ln>
+          </p:spPr>
+          <p:txBody>
+            <a:bodyPr spcFirstLastPara="1" wrap="square" lIns="91425" tIns="91425" rIns="91425" bIns="91425" anchor="ctr" anchorCtr="0">
+              <a:noAutofit/>
+            </a:bodyPr>
+            <a:lstStyle/>
+            <a:p>
+              <a:pPr marL="0" lvl="0" indent="0" algn="l" rtl="0">
+                <a:spcBef>
+                  <a:spcPts val="0"/>
+                </a:spcBef>
+                <a:spcAft>
+                  <a:spcPts val="0"/>
+                </a:spcAft>
+                <a:buNone/>
+              </a:pPr>
+              <a:endParaRPr/>
+            </a:p>
+          </p:txBody>
+        </p:sp>
+        <p:sp>
+          <p:nvSpPr>
+            <p:cNvPr id="14" name="Google Shape;63;p13">
+              <a:extLst>
+                <a:ext uri="{FF2B5EF4-FFF2-40B4-BE49-F238E27FC236}">
+                  <a16:creationId xmlns:a16="http://schemas.microsoft.com/office/drawing/2014/main" id="{DF4B06AC-9954-A510-CE8C-D6050E2FD756}"/>
+                </a:ext>
+              </a:extLst>
+            </p:cNvPr>
+            <p:cNvSpPr/>
+            <p:nvPr/>
+          </p:nvSpPr>
+          <p:spPr>
+            <a:xfrm rot="1041993">
+              <a:off x="6004621" y="1859386"/>
+              <a:ext cx="981963" cy="120318"/>
+            </a:xfrm>
+            <a:prstGeom prst="rightArrow">
+              <a:avLst>
+                <a:gd name="adj1" fmla="val 50000"/>
+                <a:gd name="adj2" fmla="val 50000"/>
+              </a:avLst>
+            </a:prstGeom>
+            <a:solidFill>
+              <a:schemeClr val="lt2"/>
+            </a:solidFill>
+            <a:ln w="9525" cap="flat" cmpd="sng">
+              <a:solidFill>
+                <a:schemeClr val="dk2"/>
+              </a:solidFill>
+              <a:prstDash val="solid"/>
+              <a:round/>
+              <a:headEnd type="none" w="sm" len="sm"/>
+              <a:tailEnd type="none" w="sm" len="sm"/>
+            </a:ln>
+          </p:spPr>
+          <p:txBody>
+            <a:bodyPr spcFirstLastPara="1" wrap="square" lIns="91425" tIns="91425" rIns="91425" bIns="91425" anchor="ctr" anchorCtr="0">
+              <a:noAutofit/>
+            </a:bodyPr>
+            <a:lstStyle/>
+            <a:p>
+              <a:pPr marL="0" lvl="0" indent="0" algn="l" rtl="0">
+                <a:spcBef>
+                  <a:spcPts val="0"/>
+                </a:spcBef>
+                <a:spcAft>
+                  <a:spcPts val="0"/>
+                </a:spcAft>
+                <a:buNone/>
+              </a:pPr>
+              <a:endParaRPr/>
+            </a:p>
+          </p:txBody>
+        </p:sp>
+        <p:sp>
+          <p:nvSpPr>
+            <p:cNvPr id="15" name="Google Shape;64;p13">
+              <a:extLst>
+                <a:ext uri="{FF2B5EF4-FFF2-40B4-BE49-F238E27FC236}">
+                  <a16:creationId xmlns:a16="http://schemas.microsoft.com/office/drawing/2014/main" id="{212C12E1-5BFE-BE56-321D-26D3E02C9CB2}"/>
+                </a:ext>
+              </a:extLst>
+            </p:cNvPr>
+            <p:cNvSpPr txBox="1"/>
+            <p:nvPr/>
+          </p:nvSpPr>
+          <p:spPr>
+            <a:xfrm>
+              <a:off x="6949402" y="1727231"/>
+              <a:ext cx="1190826" cy="603723"/>
+            </a:xfrm>
+            <a:prstGeom prst="rect">
+              <a:avLst/>
+            </a:prstGeom>
+            <a:noFill/>
+            <a:ln>
+              <a:noFill/>
+            </a:ln>
+          </p:spPr>
+          <p:txBody>
+            <a:bodyPr spcFirstLastPara="1" wrap="square" lIns="91425" tIns="91425" rIns="91425" bIns="91425" anchor="t" anchorCtr="0">
+              <a:spAutoFit/>
+            </a:bodyPr>
+            <a:lstStyle/>
+            <a:p>
+              <a:pPr marL="0" lvl="0" indent="0" algn="ctr" rtl="0">
+                <a:spcBef>
+                  <a:spcPts val="0"/>
+                </a:spcBef>
+                <a:spcAft>
+                  <a:spcPts val="0"/>
+                </a:spcAft>
+                <a:buNone/>
+              </a:pPr>
+              <a:r>
+                <a:rPr lang="en" sz="1600" b="1" dirty="0"/>
+                <a:t>Combine the Results</a:t>
+              </a:r>
+              <a:endParaRPr sz="1600" b="1" dirty="0"/>
+            </a:p>
+          </p:txBody>
+        </p:sp>
+        <p:sp>
+          <p:nvSpPr>
+            <p:cNvPr id="18" name="Google Shape;58;p13">
+              <a:extLst>
+                <a:ext uri="{FF2B5EF4-FFF2-40B4-BE49-F238E27FC236}">
+                  <a16:creationId xmlns:a16="http://schemas.microsoft.com/office/drawing/2014/main" id="{217279B2-73A9-DF5B-BC30-8ADAFEE95331}"/>
+                </a:ext>
+              </a:extLst>
+            </p:cNvPr>
+            <p:cNvSpPr/>
+            <p:nvPr/>
+          </p:nvSpPr>
+          <p:spPr>
+            <a:xfrm>
+              <a:off x="5096379" y="2195047"/>
+              <a:ext cx="906000" cy="941700"/>
+            </a:xfrm>
+            <a:prstGeom prst="can">
+              <a:avLst>
+                <a:gd name="adj" fmla="val 25000"/>
+              </a:avLst>
+            </a:prstGeom>
+            <a:solidFill>
+              <a:schemeClr val="lt2"/>
+            </a:solidFill>
+            <a:ln w="9525" cap="flat" cmpd="sng">
+              <a:solidFill>
+                <a:schemeClr val="dk2"/>
+              </a:solidFill>
+              <a:prstDash val="solid"/>
+              <a:round/>
+              <a:headEnd type="none" w="sm" len="sm"/>
+              <a:tailEnd type="none" w="sm" len="sm"/>
+            </a:ln>
+          </p:spPr>
+          <p:txBody>
+            <a:bodyPr spcFirstLastPara="1" wrap="square" lIns="91425" tIns="91425" rIns="91425" bIns="91425" anchor="ctr" anchorCtr="0">
+              <a:noAutofit/>
+            </a:bodyPr>
+            <a:lstStyle/>
+            <a:p>
+              <a:pPr marL="0" lvl="0" indent="0" algn="ctr" rtl="0">
+                <a:spcBef>
+                  <a:spcPts val="0"/>
+                </a:spcBef>
+                <a:spcAft>
+                  <a:spcPts val="0"/>
+                </a:spcAft>
+                <a:buNone/>
+              </a:pPr>
+              <a:r>
+                <a:rPr lang="en" sz="1400" b="1" u="sng" dirty="0"/>
+                <a:t>SEMGREP</a:t>
+              </a:r>
+              <a:endParaRPr sz="1100" b="1" u="sng" dirty="0"/>
+            </a:p>
+            <a:p>
+              <a:pPr marL="0" lvl="0" indent="0" algn="ctr" rtl="0">
+                <a:spcBef>
+                  <a:spcPts val="0"/>
+                </a:spcBef>
+                <a:spcAft>
+                  <a:spcPts val="0"/>
+                </a:spcAft>
+                <a:buNone/>
+              </a:pPr>
+              <a:r>
+                <a:rPr lang="en" sz="1100" b="1" dirty="0">
+                  <a:solidFill>
+                    <a:srgbClr val="2E353F"/>
+                  </a:solidFill>
+                </a:rPr>
+                <a:t>Find Patterns </a:t>
+              </a:r>
+              <a:endParaRPr sz="1100" b="1" dirty="0"/>
+            </a:p>
+          </p:txBody>
+        </p:sp>
+      </p:grpSp>
+      <p:sp>
+        <p:nvSpPr>
+          <p:cNvPr id="21" name="Slide Number Placeholder 20">
+            <a:extLst>
+              <a:ext uri="{FF2B5EF4-FFF2-40B4-BE49-F238E27FC236}">
+                <a16:creationId xmlns:a16="http://schemas.microsoft.com/office/drawing/2014/main" id="{5E0DDA01-4AD2-D8F8-A635-928799F2C9E8}"/>
+              </a:ext>
+            </a:extLst>
+          </p:cNvPr>
+          <p:cNvSpPr>
+            <a:spLocks noGrp="1"/>
+          </p:cNvSpPr>
+          <p:nvPr>
+            <p:ph type="sldNum" sz="quarter" idx="12"/>
+          </p:nvPr>
+        </p:nvSpPr>
+        <p:spPr/>
+        <p:txBody>
+          <a:bodyPr/>
+          <a:lstStyle/>
+          <a:p>
+            <a:fld id="{B13548AC-6A80-ED4C-B440-CCC445156FFA}" type="slidenum">
+              <a:rPr lang="es-ES" altLang="en-US" smtClean="0"/>
+              <a:pPr/>
+              <a:t>14</a:t>
+            </a:fld>
+            <a:endParaRPr lang="es-ES" altLang="en-US"/>
+          </a:p>
+        </p:txBody>
+      </p:sp>
+    </p:spTree>
+    <p:extLst>
+      <p:ext uri="{BB962C8B-B14F-4D97-AF65-F5344CB8AC3E}">
+        <p14:creationId xmlns:p14="http://schemas.microsoft.com/office/powerpoint/2010/main" val="2357670838"/>
+      </p:ext>
+    </p:extLst>
+  </p:cSld>
+  <p:clrMapOvr>
+    <a:masterClrMapping/>
+  </p:clrMapOvr>
+</p:sld>
+</file>
+
+<file path=ppt/slides/slide15.xml><?xml version="1.0" encoding="utf-8"?>
+<p:sld xmlns:a="http://schemas.openxmlformats.org/drawingml/2006/main" xmlns:r="http://schemas.openxmlformats.org/officeDocument/2006/relationships" xmlns:p="http://schemas.openxmlformats.org/presentationml/2006/main">
+  <p:cSld>
+    <p:spTree>
+      <p:nvGrpSpPr>
+        <p:cNvPr id="1" name=""/>
+        <p:cNvGrpSpPr/>
+        <p:nvPr/>
+      </p:nvGrpSpPr>
+      <p:grpSpPr>
+        <a:xfrm>
+          <a:off x="0" y="0"/>
+          <a:ext cx="0" cy="0"/>
+          <a:chOff x="0" y="0"/>
+          <a:chExt cx="0" cy="0"/>
+        </a:xfrm>
+      </p:grpSpPr>
+      <p:sp>
+        <p:nvSpPr>
+          <p:cNvPr id="4" name="Rectangle 3">
+            <a:extLst>
+              <a:ext uri="{FF2B5EF4-FFF2-40B4-BE49-F238E27FC236}">
+                <a16:creationId xmlns:a16="http://schemas.microsoft.com/office/drawing/2014/main" id="{47ADF3DC-DD20-9722-C04E-3A3908255B01}"/>
+              </a:ext>
+            </a:extLst>
+          </p:cNvPr>
+          <p:cNvSpPr/>
+          <p:nvPr/>
+        </p:nvSpPr>
+        <p:spPr>
+          <a:xfrm>
+            <a:off x="0" y="-1"/>
+            <a:ext cx="9144000" cy="681037"/>
+          </a:xfrm>
+          <a:prstGeom prst="rect">
+            <a:avLst/>
+          </a:prstGeom>
+        </p:spPr>
+        <p:style>
+          <a:lnRef idx="2">
+            <a:schemeClr val="accent1">
+              <a:shade val="50000"/>
+            </a:schemeClr>
+          </a:lnRef>
+          <a:fillRef idx="1">
+            <a:schemeClr val="accent1"/>
+          </a:fillRef>
+          <a:effectRef idx="0">
+            <a:schemeClr val="accent1"/>
+          </a:effectRef>
+          <a:fontRef idx="minor">
+            <a:schemeClr val="lt1"/>
+          </a:fontRef>
+        </p:style>
+        <p:txBody>
+          <a:bodyPr rtlCol="0" anchor="ctr"/>
+          <a:lstStyle/>
+          <a:p>
+            <a:pPr algn="ctr"/>
+            <a:r>
+              <a:rPr lang="en-US" sz="3600" b="1" dirty="0"/>
               <a:t>Supply Chain Attack</a:t>
             </a:r>
             <a:endParaRPr lang="en-US" b="1" dirty="0"/>
@@ -7252,64 +11552,54 @@
           <a:lstStyle/>
           <a:p>
             <a:r>
-              <a:rPr lang="en-US" sz="2600" dirty="0"/>
-              <a:t>Supply chain attacks are everywhere.</a:t>
+              <a:rPr lang="en-US" sz="2400" dirty="0"/>
+              <a:t>Compromise a legitimate package by adding malicious code.</a:t>
+            </a:r>
+          </a:p>
+          <a:p>
+            <a:r>
+              <a:rPr lang="en-US" sz="2400" dirty="0"/>
+              <a:t>Propagated downstream to applications dependent  on package.</a:t>
+            </a:r>
+          </a:p>
+          <a:p>
+            <a:r>
+              <a:rPr lang="en-US" sz="2400" dirty="0" err="1"/>
+              <a:t>Typosquatting</a:t>
+            </a:r>
+            <a:r>
+              <a:rPr lang="en-US" sz="2400" dirty="0"/>
+              <a:t> or other techniques.</a:t>
+            </a:r>
+          </a:p>
+          <a:p>
+            <a:r>
+              <a:rPr lang="en-US" sz="2000" dirty="0" err="1"/>
+              <a:t>PyPI</a:t>
+            </a:r>
+            <a:r>
+              <a:rPr lang="en-US" sz="2000" dirty="0"/>
+              <a:t>, NPM, Maven, </a:t>
+            </a:r>
+            <a:r>
+              <a:rPr lang="en-US" sz="2000" dirty="0" err="1"/>
+              <a:t>RubyGems</a:t>
+            </a:r>
+            <a:r>
+              <a:rPr lang="en-US" sz="2000" dirty="0"/>
+              <a:t> (for Ruby), NuGet (for .NET) etc.</a:t>
+            </a:r>
+          </a:p>
+          <a:p>
+            <a:r>
+              <a:rPr lang="en-US" sz="2400" dirty="0"/>
+              <a:t>To mitigate the risk of supply chain attacks</a:t>
             </a:r>
           </a:p>
           <a:p>
             <a:pPr lvl="1"/>
             <a:r>
-              <a:rPr lang="en-US" sz="2200" dirty="0"/>
-              <a:t>Compromise a legitimate package by adding malicious code.</a:t>
-            </a:r>
-          </a:p>
-          <a:p>
-            <a:pPr lvl="1"/>
-            <a:r>
-              <a:rPr lang="en-US" sz="2200" dirty="0"/>
-              <a:t>Propagated downstream to applications dependent  on package.</a:t>
-            </a:r>
-          </a:p>
-          <a:p>
-            <a:pPr lvl="1"/>
-            <a:r>
-              <a:rPr lang="en-US" sz="2200" dirty="0" err="1"/>
-              <a:t>Typosquatting</a:t>
-            </a:r>
-            <a:r>
-              <a:rPr lang="en-US" sz="2200" dirty="0"/>
-              <a:t> or other techniques.</a:t>
-            </a:r>
-          </a:p>
-          <a:p>
-            <a:pPr lvl="1"/>
-            <a:r>
-              <a:rPr lang="en-US" sz="2200" dirty="0" err="1"/>
-              <a:t>PyPI</a:t>
-            </a:r>
-            <a:r>
-              <a:rPr lang="en-US" sz="2200" dirty="0"/>
-              <a:t>, NPM, Maven, </a:t>
-            </a:r>
-            <a:r>
-              <a:rPr lang="en-US" sz="2200" dirty="0" err="1"/>
-              <a:t>RubyGems</a:t>
-            </a:r>
-            <a:r>
-              <a:rPr lang="en-US" sz="2200" dirty="0"/>
-              <a:t> (for Ruby), NuGet (for .NET) etc.</a:t>
-            </a:r>
-          </a:p>
-          <a:p>
-            <a:r>
-              <a:rPr lang="en-US" sz="2600" dirty="0"/>
-              <a:t>To mitigate the risk of supply chain attacks</a:t>
-            </a:r>
-          </a:p>
-          <a:p>
-            <a:pPr lvl="1"/>
-            <a:r>
-              <a:rPr lang="en-US" sz="2300" dirty="0"/>
+              <a:rPr lang="en-US" sz="2000" dirty="0"/>
               <a:t>Developers should </a:t>
             </a:r>
           </a:p>
@@ -7330,7 +11620,7 @@
           <a:p>
             <a:pPr lvl="1"/>
             <a:r>
-              <a:rPr lang="en-US" sz="2300" dirty="0"/>
+              <a:rPr lang="en-US" sz="2000" dirty="0"/>
               <a:t>Package managers should implement security measures </a:t>
             </a:r>
           </a:p>
@@ -7394,6 +11684,36 @@
           </a:p>
         </p:txBody>
       </p:sp>
+      <p:sp>
+        <p:nvSpPr>
+          <p:cNvPr id="3" name="Slide Number Placeholder 2">
+            <a:extLst>
+              <a:ext uri="{FF2B5EF4-FFF2-40B4-BE49-F238E27FC236}">
+                <a16:creationId xmlns:a16="http://schemas.microsoft.com/office/drawing/2014/main" id="{878F655B-E5D1-1B39-6AB1-6FE38984B3B8}"/>
+              </a:ext>
+            </a:extLst>
+          </p:cNvPr>
+          <p:cNvSpPr>
+            <a:spLocks noGrp="1"/>
+          </p:cNvSpPr>
+          <p:nvPr>
+            <p:ph type="sldNum" sz="quarter" idx="12"/>
+          </p:nvPr>
+        </p:nvSpPr>
+        <p:spPr/>
+        <p:txBody>
+          <a:bodyPr/>
+          <a:lstStyle/>
+          <a:p>
+            <a:fld id="{B13548AC-6A80-ED4C-B440-CCC445156FFA}" type="slidenum">
+              <a:rPr lang="es-ES" altLang="en-US" smtClean="0"/>
+              <a:pPr/>
+              <a:t>15</a:t>
+            </a:fld>
+            <a:endParaRPr lang="es-ES" altLang="en-US"/>
+          </a:p>
+        </p:txBody>
+      </p:sp>
     </p:spTree>
     <p:extLst>
       <p:ext uri="{BB962C8B-B14F-4D97-AF65-F5344CB8AC3E}">
@@ -7407,7 +11727,7 @@
 </p:sld>
 </file>
 
-<file path=ppt/slides/slide14.xml><?xml version="1.0" encoding="utf-8"?>
+<file path=ppt/slides/slide16.xml><?xml version="1.0" encoding="utf-8"?>
 <p:sld xmlns:a="http://schemas.openxmlformats.org/drawingml/2006/main" xmlns:r="http://schemas.openxmlformats.org/officeDocument/2006/relationships" xmlns:p="http://schemas.openxmlformats.org/presentationml/2006/main">
   <p:cSld>
     <p:spTree>
@@ -7731,6 +12051,36 @@
           </a:p>
         </p:txBody>
       </p:sp>
+      <p:sp>
+        <p:nvSpPr>
+          <p:cNvPr id="3" name="Slide Number Placeholder 2">
+            <a:extLst>
+              <a:ext uri="{FF2B5EF4-FFF2-40B4-BE49-F238E27FC236}">
+                <a16:creationId xmlns:a16="http://schemas.microsoft.com/office/drawing/2014/main" id="{4C3484E1-E898-1152-9C17-69BB3491C2AB}"/>
+              </a:ext>
+            </a:extLst>
+          </p:cNvPr>
+          <p:cNvSpPr>
+            <a:spLocks noGrp="1"/>
+          </p:cNvSpPr>
+          <p:nvPr>
+            <p:ph type="sldNum" sz="quarter" idx="12"/>
+          </p:nvPr>
+        </p:nvSpPr>
+        <p:spPr/>
+        <p:txBody>
+          <a:bodyPr/>
+          <a:lstStyle/>
+          <a:p>
+            <a:fld id="{B13548AC-6A80-ED4C-B440-CCC445156FFA}" type="slidenum">
+              <a:rPr lang="es-ES" altLang="en-US" smtClean="0"/>
+              <a:pPr/>
+              <a:t>16</a:t>
+            </a:fld>
+            <a:endParaRPr lang="es-ES" altLang="en-US"/>
+          </a:p>
+        </p:txBody>
+      </p:sp>
     </p:spTree>
     <p:extLst>
       <p:ext uri="{BB962C8B-B14F-4D97-AF65-F5344CB8AC3E}">
@@ -7744,7 +12094,7 @@
 </p:sld>
 </file>
 
-<file path=ppt/slides/slide15.xml><?xml version="1.0" encoding="utf-8"?>
+<file path=ppt/slides/slide17.xml><?xml version="1.0" encoding="utf-8"?>
 <p:sld xmlns:a="http://schemas.openxmlformats.org/drawingml/2006/main" xmlns:r="http://schemas.openxmlformats.org/officeDocument/2006/relationships" xmlns:p="http://schemas.openxmlformats.org/presentationml/2006/main">
   <p:cSld>
     <p:spTree>
@@ -8185,6 +12535,36 @@
           </a:p>
         </p:txBody>
       </p:sp>
+      <p:sp>
+        <p:nvSpPr>
+          <p:cNvPr id="10" name="Slide Number Placeholder 9">
+            <a:extLst>
+              <a:ext uri="{FF2B5EF4-FFF2-40B4-BE49-F238E27FC236}">
+                <a16:creationId xmlns:a16="http://schemas.microsoft.com/office/drawing/2014/main" id="{9E8CBB12-9D21-C1F8-1387-0C3087E0181E}"/>
+              </a:ext>
+            </a:extLst>
+          </p:cNvPr>
+          <p:cNvSpPr>
+            <a:spLocks noGrp="1"/>
+          </p:cNvSpPr>
+          <p:nvPr>
+            <p:ph type="sldNum" sz="quarter" idx="12"/>
+          </p:nvPr>
+        </p:nvSpPr>
+        <p:spPr/>
+        <p:txBody>
+          <a:bodyPr/>
+          <a:lstStyle/>
+          <a:p>
+            <a:fld id="{B13548AC-6A80-ED4C-B440-CCC445156FFA}" type="slidenum">
+              <a:rPr lang="es-ES" altLang="en-US" smtClean="0"/>
+              <a:pPr/>
+              <a:t>17</a:t>
+            </a:fld>
+            <a:endParaRPr lang="es-ES" altLang="en-US"/>
+          </a:p>
+        </p:txBody>
+      </p:sp>
     </p:spTree>
     <p:extLst>
       <p:ext uri="{BB962C8B-B14F-4D97-AF65-F5344CB8AC3E}">
@@ -8198,7 +12578,7 @@
 </p:sld>
 </file>
 
-<file path=ppt/slides/slide16.xml><?xml version="1.0" encoding="utf-8"?>
+<file path=ppt/slides/slide18.xml><?xml version="1.0" encoding="utf-8"?>
 <p:sld xmlns:a="http://schemas.openxmlformats.org/drawingml/2006/main" xmlns:r="http://schemas.openxmlformats.org/officeDocument/2006/relationships" xmlns:p="http://schemas.openxmlformats.org/presentationml/2006/main">
   <p:cSld>
     <p:spTree>
@@ -8530,6 +12910,36 @@
           </a:p>
         </p:txBody>
       </p:sp>
+      <p:sp>
+        <p:nvSpPr>
+          <p:cNvPr id="3" name="Slide Number Placeholder 2">
+            <a:extLst>
+              <a:ext uri="{FF2B5EF4-FFF2-40B4-BE49-F238E27FC236}">
+                <a16:creationId xmlns:a16="http://schemas.microsoft.com/office/drawing/2014/main" id="{D9A895D9-2FF0-AFAE-4BC0-08660B0F0727}"/>
+              </a:ext>
+            </a:extLst>
+          </p:cNvPr>
+          <p:cNvSpPr>
+            <a:spLocks noGrp="1"/>
+          </p:cNvSpPr>
+          <p:nvPr>
+            <p:ph type="sldNum" sz="quarter" idx="12"/>
+          </p:nvPr>
+        </p:nvSpPr>
+        <p:spPr/>
+        <p:txBody>
+          <a:bodyPr/>
+          <a:lstStyle/>
+          <a:p>
+            <a:fld id="{B13548AC-6A80-ED4C-B440-CCC445156FFA}" type="slidenum">
+              <a:rPr lang="es-ES" altLang="en-US" smtClean="0"/>
+              <a:pPr/>
+              <a:t>18</a:t>
+            </a:fld>
+            <a:endParaRPr lang="es-ES" altLang="en-US"/>
+          </a:p>
+        </p:txBody>
+      </p:sp>
     </p:spTree>
     <p:extLst>
       <p:ext uri="{BB962C8B-B14F-4D97-AF65-F5344CB8AC3E}">
@@ -8729,6 +13139,36 @@
           </a:p>
         </p:txBody>
       </p:sp>
+      <p:sp>
+        <p:nvSpPr>
+          <p:cNvPr id="2" name="Slide Number Placeholder 1">
+            <a:extLst>
+              <a:ext uri="{FF2B5EF4-FFF2-40B4-BE49-F238E27FC236}">
+                <a16:creationId xmlns:a16="http://schemas.microsoft.com/office/drawing/2014/main" id="{4E3EAA20-2FB9-ECAB-A334-3AFB4D59F5D0}"/>
+              </a:ext>
+            </a:extLst>
+          </p:cNvPr>
+          <p:cNvSpPr>
+            <a:spLocks noGrp="1"/>
+          </p:cNvSpPr>
+          <p:nvPr>
+            <p:ph type="sldNum" sz="quarter" idx="12"/>
+          </p:nvPr>
+        </p:nvSpPr>
+        <p:spPr/>
+        <p:txBody>
+          <a:bodyPr/>
+          <a:lstStyle/>
+          <a:p>
+            <a:fld id="{B13548AC-6A80-ED4C-B440-CCC445156FFA}" type="slidenum">
+              <a:rPr lang="es-ES" altLang="en-US" smtClean="0"/>
+              <a:pPr/>
+              <a:t>2</a:t>
+            </a:fld>
+            <a:endParaRPr lang="es-ES" altLang="en-US"/>
+          </a:p>
+        </p:txBody>
+      </p:sp>
     </p:spTree>
     <p:extLst>
       <p:ext uri="{BB962C8B-B14F-4D97-AF65-F5344CB8AC3E}">
@@ -9186,6 +13626,36 @@
               <a:rPr lang="en-US" sz="4000" b="1" dirty="0"/>
               <a:t>Inspiration</a:t>
             </a:r>
+          </a:p>
+        </p:txBody>
+      </p:sp>
+      <p:sp>
+        <p:nvSpPr>
+          <p:cNvPr id="2" name="Slide Number Placeholder 1">
+            <a:extLst>
+              <a:ext uri="{FF2B5EF4-FFF2-40B4-BE49-F238E27FC236}">
+                <a16:creationId xmlns:a16="http://schemas.microsoft.com/office/drawing/2014/main" id="{C6B307D4-14CC-1693-B748-452E58EACAA7}"/>
+              </a:ext>
+            </a:extLst>
+          </p:cNvPr>
+          <p:cNvSpPr>
+            <a:spLocks noGrp="1"/>
+          </p:cNvSpPr>
+          <p:nvPr>
+            <p:ph type="sldNum" sz="quarter" idx="12"/>
+          </p:nvPr>
+        </p:nvSpPr>
+        <p:spPr/>
+        <p:txBody>
+          <a:bodyPr/>
+          <a:lstStyle/>
+          <a:p>
+            <a:fld id="{B13548AC-6A80-ED4C-B440-CCC445156FFA}" type="slidenum">
+              <a:rPr lang="es-ES" altLang="en-US" smtClean="0"/>
+              <a:pPr/>
+              <a:t>3</a:t>
+            </a:fld>
+            <a:endParaRPr lang="es-ES" altLang="en-US" dirty="0"/>
           </a:p>
         </p:txBody>
       </p:sp>
@@ -9603,10 +14073,40 @@
           <a:p>
             <a:pPr algn="ctr"/>
             <a:r>
-              <a:rPr lang="en-US" sz="3600" b="1" dirty="0"/>
+              <a:rPr lang="en-US" sz="4000" b="1" dirty="0"/>
               <a:t>Phases</a:t>
             </a:r>
             <a:endParaRPr lang="en-US" b="1" dirty="0"/>
+          </a:p>
+        </p:txBody>
+      </p:sp>
+      <p:sp>
+        <p:nvSpPr>
+          <p:cNvPr id="2" name="Slide Number Placeholder 1">
+            <a:extLst>
+              <a:ext uri="{FF2B5EF4-FFF2-40B4-BE49-F238E27FC236}">
+                <a16:creationId xmlns:a16="http://schemas.microsoft.com/office/drawing/2014/main" id="{879AE4DA-54AF-D21D-F361-F57FA21668AB}"/>
+              </a:ext>
+            </a:extLst>
+          </p:cNvPr>
+          <p:cNvSpPr>
+            <a:spLocks noGrp="1"/>
+          </p:cNvSpPr>
+          <p:nvPr>
+            <p:ph type="sldNum" sz="quarter" idx="12"/>
+          </p:nvPr>
+        </p:nvSpPr>
+        <p:spPr/>
+        <p:txBody>
+          <a:bodyPr/>
+          <a:lstStyle/>
+          <a:p>
+            <a:fld id="{B13548AC-6A80-ED4C-B440-CCC445156FFA}" type="slidenum">
+              <a:rPr lang="es-ES" altLang="en-US" smtClean="0"/>
+              <a:pPr/>
+              <a:t>4</a:t>
+            </a:fld>
+            <a:endParaRPr lang="es-ES" altLang="en-US"/>
           </a:p>
         </p:txBody>
       </p:sp>
@@ -9682,7 +14182,7 @@
             </a:r>
             <a:r>
               <a:rPr lang="en-US" sz="2200" dirty="0"/>
-              <a:t>06 Articles – 02 in 2021, 04 in Feb 2023.</a:t>
+              <a:t>06 Articles – 02 in 2021, 02 in Jan 2023, 02 Feb 2023.</a:t>
             </a:r>
             <a:endParaRPr lang="en-US" sz="2200" dirty="0">
               <a:latin typeface="Times New Roman" panose="02020603050405020304" pitchFamily="18" charset="0"/>
@@ -9942,10 +14442,10 @@
           <a:p>
             <a:pPr algn="ctr"/>
             <a:r>
-              <a:rPr lang="en-US" sz="3600" b="1" dirty="0"/>
-              <a:t>Progress</a:t>
-            </a:r>
-            <a:endParaRPr lang="en-US" b="1" dirty="0"/>
+              <a:rPr lang="en-US" sz="4000" b="1" dirty="0"/>
+              <a:t>Related Work</a:t>
+            </a:r>
+            <a:endParaRPr lang="en-US" sz="2000" b="1" dirty="0"/>
           </a:p>
         </p:txBody>
       </p:sp>
@@ -10044,6 +14544,36 @@
           </a:prstGeom>
         </p:spPr>
       </p:pic>
+      <p:sp>
+        <p:nvSpPr>
+          <p:cNvPr id="2" name="Slide Number Placeholder 1">
+            <a:extLst>
+              <a:ext uri="{FF2B5EF4-FFF2-40B4-BE49-F238E27FC236}">
+                <a16:creationId xmlns:a16="http://schemas.microsoft.com/office/drawing/2014/main" id="{9A773788-491A-A5F2-2FC0-14B9655A5142}"/>
+              </a:ext>
+            </a:extLst>
+          </p:cNvPr>
+          <p:cNvSpPr>
+            <a:spLocks noGrp="1"/>
+          </p:cNvSpPr>
+          <p:nvPr>
+            <p:ph type="sldNum" sz="quarter" idx="12"/>
+          </p:nvPr>
+        </p:nvSpPr>
+        <p:spPr/>
+        <p:txBody>
+          <a:bodyPr/>
+          <a:lstStyle/>
+          <a:p>
+            <a:fld id="{B13548AC-6A80-ED4C-B440-CCC445156FFA}" type="slidenum">
+              <a:rPr lang="es-ES" altLang="en-US" smtClean="0"/>
+              <a:pPr/>
+              <a:t>5</a:t>
+            </a:fld>
+            <a:endParaRPr lang="es-ES" altLang="en-US"/>
+          </a:p>
+        </p:txBody>
+      </p:sp>
     </p:spTree>
     <p:extLst>
       <p:ext uri="{BB962C8B-B14F-4D97-AF65-F5344CB8AC3E}">
@@ -10093,7 +14623,7 @@
         <p:spPr>
           <a:xfrm>
             <a:off x="323528" y="764704"/>
-            <a:ext cx="8496944" cy="5544616"/>
+            <a:ext cx="8496944" cy="5956772"/>
           </a:xfrm>
         </p:spPr>
         <p:txBody>
@@ -10108,11 +14638,8 @@
               </a:spcBef>
             </a:pPr>
             <a:r>
-              <a:rPr lang="en-US" dirty="0">
-                <a:latin typeface="Times New Roman" panose="02020603050405020304" pitchFamily="18" charset="0"/>
-                <a:cs typeface="Times New Roman" panose="02020603050405020304" pitchFamily="18" charset="0"/>
-              </a:rPr>
-              <a:t>Decided to go for similar extensions to find path traversal vulnerability.</a:t>
+              <a:rPr lang="en-US" dirty="0"/>
+              <a:t>Extensions running local web server on the machine.</a:t>
             </a:r>
           </a:p>
           <a:p>
@@ -10121,9 +14648,60 @@
                 <a:spcPts val="1800"/>
               </a:spcBef>
             </a:pPr>
+            <a:endParaRPr lang="en-US" dirty="0"/>
+          </a:p>
+          <a:p>
+            <a:pPr marL="228600" lvl="1" algn="just">
+              <a:spcBef>
+                <a:spcPts val="1800"/>
+              </a:spcBef>
+            </a:pPr>
+            <a:endParaRPr lang="en-US" dirty="0"/>
+          </a:p>
+          <a:p>
+            <a:pPr marL="228600" lvl="1" algn="just">
+              <a:spcBef>
+                <a:spcPts val="1800"/>
+              </a:spcBef>
+            </a:pPr>
+            <a:endParaRPr lang="en-US" dirty="0"/>
+          </a:p>
+          <a:p>
+            <a:pPr marL="0" lvl="1" indent="0" algn="just">
+              <a:spcBef>
+                <a:spcPts val="1800"/>
+              </a:spcBef>
+              <a:buNone/>
+            </a:pPr>
+            <a:endParaRPr lang="en-US" dirty="0"/>
+          </a:p>
+          <a:p>
+            <a:pPr marL="0" lvl="1" indent="0" algn="just">
+              <a:spcBef>
+                <a:spcPts val="1800"/>
+              </a:spcBef>
+              <a:buNone/>
+            </a:pPr>
+            <a:endParaRPr lang="en-US" dirty="0"/>
+          </a:p>
+          <a:p>
+            <a:pPr marL="0" lvl="1" indent="0" algn="just">
+              <a:spcBef>
+                <a:spcPts val="1800"/>
+              </a:spcBef>
+              <a:buNone/>
+            </a:pPr>
+            <a:endParaRPr lang="en-US" dirty="0"/>
+          </a:p>
+          <a:p>
+            <a:pPr marL="228600" lvl="1" algn="just">
+              <a:spcBef>
+                <a:spcPts val="1800"/>
+              </a:spcBef>
+            </a:pPr>
             <a:r>
               <a:rPr lang="en-US" dirty="0"/>
-              <a:t>Options to make </a:t>
+              <a:t>Extensions avoiding options to make </a:t>
             </a:r>
             <a:r>
               <a:rPr lang="en-US" dirty="0" err="1"/>
@@ -10144,7 +14722,71 @@
               <a:rPr lang="en-US" dirty="0" err="1"/>
               <a:t>enableScripts</a:t>
             </a:r>
-            <a:endParaRPr lang="en-US" dirty="0"/>
+            <a:r>
+              <a:rPr lang="en-US" dirty="0"/>
+              <a:t>, </a:t>
+            </a:r>
+            <a:r>
+              <a:rPr lang="en-US" dirty="0" err="1"/>
+              <a:t>localResourceRoots</a:t>
+            </a:r>
+            <a:r>
+              <a:rPr lang="en-US" dirty="0"/>
+              <a:t>, Content-Security-Policy</a:t>
+            </a:r>
+            <a:endParaRPr lang="en-US" dirty="0">
+              <a:latin typeface="Times New Roman" panose="02020603050405020304" pitchFamily="18" charset="0"/>
+              <a:cs typeface="Times New Roman" panose="02020603050405020304" pitchFamily="18" charset="0"/>
+            </a:endParaRPr>
+          </a:p>
+          <a:p>
+            <a:pPr marL="228600" lvl="1" algn="just">
+              <a:spcBef>
+                <a:spcPts val="1200"/>
+              </a:spcBef>
+            </a:pPr>
+            <a:r>
+              <a:rPr lang="en-US" dirty="0">
+                <a:latin typeface="Times New Roman" panose="02020603050405020304" pitchFamily="18" charset="0"/>
+                <a:cs typeface="Times New Roman" panose="02020603050405020304" pitchFamily="18" charset="0"/>
+              </a:rPr>
+              <a:t>Basic issue: </a:t>
+            </a:r>
+            <a:r>
+              <a:rPr lang="en-US" dirty="0" err="1">
+                <a:latin typeface="Times New Roman" panose="02020603050405020304" pitchFamily="18" charset="0"/>
+                <a:cs typeface="Times New Roman" panose="02020603050405020304" pitchFamily="18" charset="0"/>
+              </a:rPr>
+              <a:t>Unsanitised</a:t>
+            </a:r>
+            <a:r>
+              <a:rPr lang="en-US" dirty="0">
+                <a:latin typeface="Times New Roman" panose="02020603050405020304" pitchFamily="18" charset="0"/>
+                <a:cs typeface="Times New Roman" panose="02020603050405020304" pitchFamily="18" charset="0"/>
+              </a:rPr>
+              <a:t> inputs!!</a:t>
+            </a:r>
+          </a:p>
+          <a:p>
+            <a:pPr marL="228600" lvl="1" algn="just">
+              <a:spcBef>
+                <a:spcPts val="1200"/>
+              </a:spcBef>
+            </a:pPr>
+            <a:r>
+              <a:rPr lang="en-US" b="1" dirty="0">
+                <a:latin typeface="Times New Roman" panose="02020603050405020304" pitchFamily="18" charset="0"/>
+                <a:cs typeface="Times New Roman" panose="02020603050405020304" pitchFamily="18" charset="0"/>
+              </a:rPr>
+              <a:t>Challenges</a:t>
+            </a:r>
+            <a:r>
+              <a:rPr lang="en-US" sz="1800" dirty="0">
+                <a:latin typeface="Times New Roman" panose="02020603050405020304" pitchFamily="18" charset="0"/>
+                <a:cs typeface="Times New Roman" panose="02020603050405020304" pitchFamily="18" charset="0"/>
+              </a:rPr>
+              <a:t> </a:t>
+            </a:r>
           </a:p>
           <a:p>
             <a:pPr marL="685800" lvl="2" algn="just">
@@ -10153,108 +14795,11 @@
               </a:spcBef>
             </a:pPr>
             <a:r>
-              <a:rPr lang="en-US" dirty="0" err="1"/>
-              <a:t>localResourceRoots</a:t>
-            </a:r>
-            <a:endParaRPr lang="en-US" dirty="0"/>
-          </a:p>
-          <a:p>
-            <a:pPr marL="685800" lvl="2" algn="just">
-              <a:spcBef>
-                <a:spcPts val="400"/>
-              </a:spcBef>
-            </a:pPr>
-            <a:r>
-              <a:rPr lang="en-US" dirty="0"/>
-              <a:t>Content-Security-Policy</a:t>
-            </a:r>
-            <a:endParaRPr lang="en-US" dirty="0">
-              <a:latin typeface="Times New Roman" panose="02020603050405020304" pitchFamily="18" charset="0"/>
-              <a:cs typeface="Times New Roman" panose="02020603050405020304" pitchFamily="18" charset="0"/>
-            </a:endParaRPr>
-          </a:p>
-          <a:p>
-            <a:pPr marL="228600" lvl="1" algn="just">
-              <a:spcBef>
-                <a:spcPts val="1800"/>
-              </a:spcBef>
-            </a:pPr>
-            <a:r>
               <a:rPr lang="en-US" dirty="0">
                 <a:latin typeface="Times New Roman" panose="02020603050405020304" pitchFamily="18" charset="0"/>
                 <a:cs typeface="Times New Roman" panose="02020603050405020304" pitchFamily="18" charset="0"/>
               </a:rPr>
-              <a:t>Basic issue</a:t>
-            </a:r>
-          </a:p>
-          <a:p>
-            <a:pPr marL="685800" lvl="2" algn="just">
-              <a:spcBef>
-                <a:spcPts val="400"/>
-              </a:spcBef>
-            </a:pPr>
-            <a:r>
-              <a:rPr lang="en-US" dirty="0" err="1">
-                <a:latin typeface="Times New Roman" panose="02020603050405020304" pitchFamily="18" charset="0"/>
-                <a:cs typeface="Times New Roman" panose="02020603050405020304" pitchFamily="18" charset="0"/>
-              </a:rPr>
-              <a:t>Unsanitised</a:t>
-            </a:r>
-            <a:r>
-              <a:rPr lang="en-US" dirty="0">
-                <a:latin typeface="Times New Roman" panose="02020603050405020304" pitchFamily="18" charset="0"/>
-                <a:cs typeface="Times New Roman" panose="02020603050405020304" pitchFamily="18" charset="0"/>
-              </a:rPr>
-              <a:t> inputs!!</a:t>
-            </a:r>
-          </a:p>
-          <a:p>
-            <a:pPr marL="228600" lvl="1" algn="just">
-              <a:spcBef>
-                <a:spcPts val="1800"/>
-              </a:spcBef>
-            </a:pPr>
-            <a:r>
-              <a:rPr lang="en-US" b="1" dirty="0">
-                <a:latin typeface="Times New Roman" panose="02020603050405020304" pitchFamily="18" charset="0"/>
-                <a:cs typeface="Times New Roman" panose="02020603050405020304" pitchFamily="18" charset="0"/>
-              </a:rPr>
-              <a:t>Challenges</a:t>
-            </a:r>
-            <a:r>
-              <a:rPr lang="en-US" sz="1800" dirty="0">
-                <a:latin typeface="Times New Roman" panose="02020603050405020304" pitchFamily="18" charset="0"/>
-                <a:cs typeface="Times New Roman" panose="02020603050405020304" pitchFamily="18" charset="0"/>
-              </a:rPr>
-              <a:t> </a:t>
-            </a:r>
-          </a:p>
-          <a:p>
-            <a:pPr marL="685800" lvl="2" algn="just">
-              <a:spcBef>
-                <a:spcPts val="400"/>
-              </a:spcBef>
-            </a:pPr>
-            <a:r>
-              <a:rPr lang="en-US" dirty="0">
-                <a:latin typeface="Times New Roman" panose="02020603050405020304" pitchFamily="18" charset="0"/>
-                <a:cs typeface="Times New Roman" panose="02020603050405020304" pitchFamily="18" charset="0"/>
-              </a:rPr>
-              <a:t>Find a vulnerable extension.</a:t>
-            </a:r>
-          </a:p>
-          <a:p>
-            <a:pPr marL="685800" lvl="2" algn="just">
-              <a:spcBef>
-                <a:spcPts val="400"/>
-              </a:spcBef>
-            </a:pPr>
-            <a:r>
-              <a:rPr lang="en-US" dirty="0">
-                <a:latin typeface="Times New Roman" panose="02020603050405020304" pitchFamily="18" charset="0"/>
-                <a:cs typeface="Times New Roman" panose="02020603050405020304" pitchFamily="18" charset="0"/>
-              </a:rPr>
-              <a:t>Exploiting the extension.</a:t>
+              <a:t>Find a vulnerable extension and exploit the extension.</a:t>
             </a:r>
           </a:p>
           <a:p>
@@ -10313,8 +14858,8 @@
           <a:p>
             <a:pPr algn="ctr"/>
             <a:r>
-              <a:rPr lang="en-US" sz="3600" b="1" dirty="0"/>
-              <a:t>Progress</a:t>
+              <a:rPr lang="en-US" sz="4000" b="1" dirty="0"/>
+              <a:t>Identifying Target</a:t>
             </a:r>
             <a:endParaRPr lang="en-US" b="1" dirty="0"/>
           </a:p>
@@ -10352,7 +14897,7 @@
         </p:blipFill>
         <p:spPr>
           <a:xfrm>
-            <a:off x="3995936" y="2569212"/>
+            <a:off x="2045595" y="1079924"/>
             <a:ext cx="5052810" cy="3489729"/>
           </a:xfrm>
           <a:prstGeom prst="rect">
@@ -10360,6 +14905,36 @@
           </a:prstGeom>
         </p:spPr>
       </p:pic>
+      <p:sp>
+        <p:nvSpPr>
+          <p:cNvPr id="2" name="Slide Number Placeholder 1">
+            <a:extLst>
+              <a:ext uri="{FF2B5EF4-FFF2-40B4-BE49-F238E27FC236}">
+                <a16:creationId xmlns:a16="http://schemas.microsoft.com/office/drawing/2014/main" id="{735E290D-47C6-F573-B86D-B0AD7403CB90}"/>
+              </a:ext>
+            </a:extLst>
+          </p:cNvPr>
+          <p:cNvSpPr>
+            <a:spLocks noGrp="1"/>
+          </p:cNvSpPr>
+          <p:nvPr>
+            <p:ph type="sldNum" sz="quarter" idx="12"/>
+          </p:nvPr>
+        </p:nvSpPr>
+        <p:spPr/>
+        <p:txBody>
+          <a:bodyPr/>
+          <a:lstStyle/>
+          <a:p>
+            <a:fld id="{B13548AC-6A80-ED4C-B440-CCC445156FFA}" type="slidenum">
+              <a:rPr lang="es-ES" altLang="en-US" smtClean="0"/>
+              <a:pPr/>
+              <a:t>6</a:t>
+            </a:fld>
+            <a:endParaRPr lang="es-ES" altLang="en-US"/>
+          </a:p>
+        </p:txBody>
+      </p:sp>
     </p:spTree>
     <p:extLst>
       <p:ext uri="{BB962C8B-B14F-4D97-AF65-F5344CB8AC3E}">
@@ -10596,7 +15171,7 @@
             <a:pPr algn="ctr"/>
             <a:r>
               <a:rPr lang="en-US" sz="3600" b="1" dirty="0"/>
-              <a:t>Progress : Finding a Vulnerable Extension</a:t>
+              <a:t>Finding a Vulnerable Extension</a:t>
             </a:r>
             <a:endParaRPr lang="en-US" b="1" dirty="0"/>
           </a:p>
@@ -10758,6 +15333,36 @@
           </p:txBody>
         </p:sp>
       </p:grpSp>
+      <p:sp>
+        <p:nvSpPr>
+          <p:cNvPr id="6" name="Slide Number Placeholder 5">
+            <a:extLst>
+              <a:ext uri="{FF2B5EF4-FFF2-40B4-BE49-F238E27FC236}">
+                <a16:creationId xmlns:a16="http://schemas.microsoft.com/office/drawing/2014/main" id="{8CEC7899-DC23-BE46-8A15-51B55D9D8F28}"/>
+              </a:ext>
+            </a:extLst>
+          </p:cNvPr>
+          <p:cNvSpPr>
+            <a:spLocks noGrp="1"/>
+          </p:cNvSpPr>
+          <p:nvPr>
+            <p:ph type="sldNum" sz="quarter" idx="12"/>
+          </p:nvPr>
+        </p:nvSpPr>
+        <p:spPr/>
+        <p:txBody>
+          <a:bodyPr/>
+          <a:lstStyle/>
+          <a:p>
+            <a:fld id="{B13548AC-6A80-ED4C-B440-CCC445156FFA}" type="slidenum">
+              <a:rPr lang="es-ES" altLang="en-US" smtClean="0"/>
+              <a:pPr/>
+              <a:t>7</a:t>
+            </a:fld>
+            <a:endParaRPr lang="es-ES" altLang="en-US"/>
+          </a:p>
+        </p:txBody>
+      </p:sp>
     </p:spTree>
     <p:extLst>
       <p:ext uri="{BB962C8B-B14F-4D97-AF65-F5344CB8AC3E}">
@@ -10822,42 +15427,42 @@
               </a:spcBef>
             </a:pPr>
             <a:r>
-              <a:rPr lang="en-US" sz="2800" dirty="0">
+              <a:rPr lang="en-US" sz="2600" dirty="0">
                 <a:latin typeface="Times New Roman" panose="02020603050405020304" pitchFamily="18" charset="0"/>
                 <a:cs typeface="Times New Roman" panose="02020603050405020304" pitchFamily="18" charset="0"/>
               </a:rPr>
               <a:t>Exploiting the vulnerability to access </a:t>
             </a:r>
             <a:r>
-              <a:rPr lang="en-US" sz="2400" dirty="0">
+              <a:rPr lang="en-US" sz="2200" dirty="0">
                 <a:latin typeface="Courier New" panose="02070309020205020404" pitchFamily="49" charset="0"/>
                 <a:cs typeface="Courier New" panose="02070309020205020404" pitchFamily="49" charset="0"/>
               </a:rPr>
               <a:t>~/.</a:t>
             </a:r>
             <a:r>
-              <a:rPr lang="en-US" sz="2400" dirty="0" err="1">
+              <a:rPr lang="en-US" sz="2200" dirty="0" err="1">
                 <a:latin typeface="Courier New" panose="02070309020205020404" pitchFamily="49" charset="0"/>
                 <a:cs typeface="Courier New" panose="02070309020205020404" pitchFamily="49" charset="0"/>
               </a:rPr>
               <a:t>ssh</a:t>
             </a:r>
             <a:r>
-              <a:rPr lang="en-US" sz="2400" dirty="0">
+              <a:rPr lang="en-US" sz="2200" dirty="0">
                 <a:latin typeface="Courier New" panose="02070309020205020404" pitchFamily="49" charset="0"/>
                 <a:cs typeface="Courier New" panose="02070309020205020404" pitchFamily="49" charset="0"/>
               </a:rPr>
               <a:t>/</a:t>
             </a:r>
             <a:r>
-              <a:rPr lang="en-US" sz="2400" dirty="0" err="1">
+              <a:rPr lang="en-US" sz="2200" dirty="0" err="1">
                 <a:latin typeface="Courier New" panose="02070309020205020404" pitchFamily="49" charset="0"/>
                 <a:cs typeface="Courier New" panose="02070309020205020404" pitchFamily="49" charset="0"/>
               </a:rPr>
-              <a:t>id_rsa</a:t>
-            </a:r>
-            <a:r>
-              <a:rPr lang="en-US" sz="2800" dirty="0">
+              <a:t>id_rsa.pub</a:t>
+            </a:r>
+            <a:r>
+              <a:rPr lang="en-US" sz="2200" dirty="0">
                 <a:latin typeface="Times New Roman" panose="02020603050405020304" pitchFamily="18" charset="0"/>
                 <a:cs typeface="Times New Roman" panose="02020603050405020304" pitchFamily="18" charset="0"/>
               </a:rPr>
@@ -11076,7 +15681,7 @@
             <a:pPr algn="ctr"/>
             <a:r>
               <a:rPr lang="en-US" sz="3600" b="1" dirty="0"/>
-              <a:t>Progress : Exploitation Approach</a:t>
+              <a:t>Exploitation Approach</a:t>
             </a:r>
             <a:endParaRPr lang="en-US" b="1" dirty="0"/>
           </a:p>
@@ -11095,13 +15700,13 @@
           <p:nvPr>
             <p:extLst>
               <p:ext uri="{D42A27DB-BD31-4B8C-83A1-F6EECF244321}">
-                <p14:modId xmlns:p14="http://schemas.microsoft.com/office/powerpoint/2010/main" val="707923431"/>
+                <p14:modId xmlns:p14="http://schemas.microsoft.com/office/powerpoint/2010/main" val="2979298976"/>
               </p:ext>
             </p:extLst>
           </p:nvPr>
         </p:nvGraphicFramePr>
         <p:xfrm>
-          <a:off x="539552" y="1548982"/>
+          <a:off x="683568" y="1404966"/>
           <a:ext cx="8064896" cy="1591986"/>
         </p:xfrm>
         <a:graphic>
@@ -11151,6 +15756,36 @@
           </a:prstGeom>
         </p:spPr>
       </p:pic>
+      <p:sp>
+        <p:nvSpPr>
+          <p:cNvPr id="2" name="Slide Number Placeholder 1">
+            <a:extLst>
+              <a:ext uri="{FF2B5EF4-FFF2-40B4-BE49-F238E27FC236}">
+                <a16:creationId xmlns:a16="http://schemas.microsoft.com/office/drawing/2014/main" id="{2935AB4F-A476-D4EC-1775-93196B84158A}"/>
+              </a:ext>
+            </a:extLst>
+          </p:cNvPr>
+          <p:cNvSpPr>
+            <a:spLocks noGrp="1"/>
+          </p:cNvSpPr>
+          <p:nvPr>
+            <p:ph type="sldNum" sz="quarter" idx="12"/>
+          </p:nvPr>
+        </p:nvSpPr>
+        <p:spPr/>
+        <p:txBody>
+          <a:bodyPr/>
+          <a:lstStyle/>
+          <a:p>
+            <a:fld id="{B13548AC-6A80-ED4C-B440-CCC445156FFA}" type="slidenum">
+              <a:rPr lang="es-ES" altLang="en-US" smtClean="0"/>
+              <a:pPr/>
+              <a:t>8</a:t>
+            </a:fld>
+            <a:endParaRPr lang="es-ES" altLang="en-US"/>
+          </a:p>
+        </p:txBody>
+      </p:sp>
     </p:spTree>
     <p:extLst>
       <p:ext uri="{BB962C8B-B14F-4D97-AF65-F5344CB8AC3E}">
@@ -11320,7 +15955,7 @@
             <a:pPr algn="ctr"/>
             <a:r>
               <a:rPr lang="en-US" sz="3600" b="1" dirty="0"/>
-              <a:t>Progress : Overcoming the Challenge</a:t>
+              <a:t>Overcoming the SOP Challenge</a:t>
             </a:r>
             <a:endParaRPr lang="en-US" b="1" dirty="0"/>
           </a:p>
@@ -11733,6 +16368,36 @@
               <a:t>4</a:t>
             </a:r>
             <a:endParaRPr lang="en-US" dirty="0"/>
+          </a:p>
+        </p:txBody>
+      </p:sp>
+      <p:sp>
+        <p:nvSpPr>
+          <p:cNvPr id="13" name="Slide Number Placeholder 12">
+            <a:extLst>
+              <a:ext uri="{FF2B5EF4-FFF2-40B4-BE49-F238E27FC236}">
+                <a16:creationId xmlns:a16="http://schemas.microsoft.com/office/drawing/2014/main" id="{BA277A36-C3A6-7262-D445-5E076445D6C5}"/>
+              </a:ext>
+            </a:extLst>
+          </p:cNvPr>
+          <p:cNvSpPr>
+            <a:spLocks noGrp="1"/>
+          </p:cNvSpPr>
+          <p:nvPr>
+            <p:ph type="sldNum" sz="quarter" idx="12"/>
+          </p:nvPr>
+        </p:nvSpPr>
+        <p:spPr/>
+        <p:txBody>
+          <a:bodyPr/>
+          <a:lstStyle/>
+          <a:p>
+            <a:fld id="{B13548AC-6A80-ED4C-B440-CCC445156FFA}" type="slidenum">
+              <a:rPr lang="es-ES" altLang="en-US" smtClean="0"/>
+              <a:pPr/>
+              <a:t>9</a:t>
+            </a:fld>
+            <a:endParaRPr lang="es-ES" altLang="en-US"/>
           </a:p>
         </p:txBody>
       </p:sp>
